--- a/presentation/list.pptx
+++ b/presentation/list.pptx
@@ -2,7 +2,7 @@
 <file path=ppt/presentation.xml><?xml version="1.0" encoding="utf-8"?>
 <p:presentation xmlns:a="http://schemas.openxmlformats.org/drawingml/2006/main" xmlns:r="http://schemas.openxmlformats.org/officeDocument/2006/relationships" xmlns:p="http://schemas.openxmlformats.org/presentationml/2006/main" autoCompressPictures="0">
   <p:sldMasterIdLst>
-    <p:sldMasterId id="2147483768" r:id="rId1"/>
+    <p:sldMasterId id="2147483782" r:id="rId1"/>
   </p:sldMasterIdLst>
   <p:sldIdLst>
     <p:sldId id="256" r:id="rId2"/>
@@ -144,8 +144,8 @@
 </file>
 
 <file path=ppt/slideLayouts/slideLayout1.xml><?xml version="1.0" encoding="utf-8"?>
-<p:sldLayout xmlns:a="http://schemas.openxmlformats.org/drawingml/2006/main" xmlns:r="http://schemas.openxmlformats.org/officeDocument/2006/relationships" xmlns:p="http://schemas.openxmlformats.org/presentationml/2006/main" showMasterSp="0" type="title" preserve="1">
-  <p:cSld name="제목 슬라이드">
+<p:sldLayout xmlns:a="http://schemas.openxmlformats.org/drawingml/2006/main" xmlns:r="http://schemas.openxmlformats.org/officeDocument/2006/relationships" xmlns:p="http://schemas.openxmlformats.org/presentationml/2006/main" showMasterSp="0" preserve="1">
+  <p:cSld name="3_제목 슬라이드">
     <p:bg>
       <p:bgRef idx="1002">
         <a:schemeClr val="bg2"/>
@@ -179,20 +179,9 @@
           <a:prstGeom prst="rect">
             <a:avLst/>
           </a:prstGeom>
-          <a:blipFill dpi="0" rotWithShape="1">
-            <a:blip r:embed="rId2">
-              <a:alphaModFix amt="45000"/>
-              <a:duotone>
-                <a:schemeClr val="accent1">
-                  <a:shade val="45000"/>
-                  <a:satMod val="135000"/>
-                </a:schemeClr>
-                <a:prstClr val="white"/>
-              </a:duotone>
-            </a:blip>
-            <a:srcRect/>
-            <a:tile tx="-44450" ty="38100" sx="85000" sy="85000" flip="none" algn="tl"/>
-          </a:blipFill>
+          <a:solidFill>
+            <a:srgbClr val="EEEEEE"/>
+          </a:solidFill>
           <a:ln>
             <a:noFill/>
           </a:ln>
@@ -216,65 +205,6 @@
       </p:sp>
       <p:sp>
         <p:nvSpPr>
-          <p:cNvPr id="10" name="Rectangle 9"/>
-          <p:cNvSpPr/>
-          <p:nvPr/>
-        </p:nvSpPr>
-        <p:spPr>
-          <a:xfrm>
-            <a:off x="1307870" y="1267730"/>
-            <a:ext cx="9576262" cy="4307950"/>
-          </a:xfrm>
-          <a:prstGeom prst="rect">
-            <a:avLst/>
-          </a:prstGeom>
-          <a:solidFill>
-            <a:schemeClr val="bg1"/>
-          </a:solidFill>
-          <a:ln w="6350" cap="flat" cmpd="sng" algn="ctr">
-            <a:noFill/>
-            <a:prstDash val="solid"/>
-          </a:ln>
-          <a:effectLst>
-            <a:outerShdw blurRad="50800" algn="ctr" rotWithShape="0">
-              <a:prstClr val="black">
-                <a:alpha val="66000"/>
-              </a:prstClr>
-            </a:outerShdw>
-            <a:softEdge rad="0"/>
-          </a:effectLst>
-        </p:spPr>
-      </p:sp>
-      <p:sp>
-        <p:nvSpPr>
-          <p:cNvPr id="11" name="Rectangle 10"/>
-          <p:cNvSpPr/>
-          <p:nvPr/>
-        </p:nvSpPr>
-        <p:spPr>
-          <a:xfrm>
-            <a:off x="1447801" y="1411615"/>
-            <a:ext cx="9296400" cy="4034770"/>
-          </a:xfrm>
-          <a:prstGeom prst="rect">
-            <a:avLst/>
-          </a:prstGeom>
-          <a:noFill/>
-          <a:ln w="6350" cap="sq" cmpd="sng" algn="ctr">
-            <a:solidFill>
-              <a:schemeClr val="tx1">
-                <a:lumMod val="75000"/>
-                <a:lumOff val="25000"/>
-              </a:schemeClr>
-            </a:solidFill>
-            <a:prstDash val="solid"/>
-            <a:miter lim="800000"/>
-          </a:ln>
-          <a:effectLst/>
-        </p:spPr>
-      </p:sp>
-      <p:sp>
-        <p:nvSpPr>
           <p:cNvPr id="15" name="Rectangle 14"/>
           <p:cNvSpPr/>
           <p:nvPr/>
@@ -287,8 +217,196 @@
           <a:prstGeom prst="rect">
             <a:avLst/>
           </a:prstGeom>
+          <a:noFill/>
+          <a:ln>
+            <a:noFill/>
+          </a:ln>
+        </p:spPr>
+        <p:style>
+          <a:lnRef idx="2">
+            <a:schemeClr val="accent1">
+              <a:shade val="50000"/>
+            </a:schemeClr>
+          </a:lnRef>
+          <a:fillRef idx="1">
+            <a:schemeClr val="accent1"/>
+          </a:fillRef>
+          <a:effectRef idx="0">
+            <a:schemeClr val="accent1"/>
+          </a:effectRef>
+          <a:fontRef idx="minor">
+            <a:schemeClr val="lt1"/>
+          </a:fontRef>
+        </p:style>
+      </p:sp>
+      <p:sp>
+        <p:nvSpPr>
+          <p:cNvPr id="2" name="Title 1"/>
+          <p:cNvSpPr>
+            <a:spLocks noGrp="1"/>
+          </p:cNvSpPr>
+          <p:nvPr>
+            <p:ph type="ctrTitle"/>
+          </p:nvPr>
+        </p:nvSpPr>
+        <p:spPr>
+          <a:xfrm>
+            <a:off x="545430" y="922029"/>
+            <a:ext cx="11217945" cy="3308430"/>
+          </a:xfrm>
+        </p:spPr>
+        <p:txBody>
+          <a:bodyPr tIns="45720" bIns="45720" anchor="ctr">
+            <a:noAutofit/>
+          </a:bodyPr>
+          <a:lstStyle>
+            <a:lvl1pPr algn="l">
+              <a:lnSpc>
+                <a:spcPct val="83000"/>
+              </a:lnSpc>
+              <a:defRPr lang="en-US" sz="13800" b="0" kern="1200" cap="none" spc="-100" baseline="0" dirty="0">
+                <a:solidFill>
+                  <a:srgbClr val="333333"/>
+                </a:solidFill>
+                <a:effectLst/>
+                <a:latin typeface="나눔바른고딕 Light" panose="020B0603020101020101" pitchFamily="50" charset="-127"/>
+                <a:ea typeface="나눔바른고딕 Light" panose="020B0603020101020101" pitchFamily="50" charset="-127"/>
+                <a:cs typeface="+mn-cs"/>
+              </a:defRPr>
+            </a:lvl1pPr>
+          </a:lstStyle>
+          <a:p>
+            <a:r>
+              <a:rPr lang="ko-KR" altLang="en-US" smtClean="0"/>
+              <a:t>마스터 제목 스타일 편집</a:t>
+            </a:r>
+            <a:endParaRPr lang="en-US" dirty="0"/>
+          </a:p>
+        </p:txBody>
+      </p:sp>
+      <p:sp>
+        <p:nvSpPr>
+          <p:cNvPr id="4" name="직사각형 3"/>
+          <p:cNvSpPr/>
+          <p:nvPr/>
+        </p:nvSpPr>
+        <p:spPr>
+          <a:xfrm>
+            <a:off x="545431" y="4714875"/>
+            <a:ext cx="11217944" cy="1657350"/>
+          </a:xfrm>
+          <a:prstGeom prst="rect">
+            <a:avLst/>
+          </a:prstGeom>
           <a:solidFill>
-            <a:schemeClr val="bg2"/>
+            <a:srgbClr val="333333"/>
+          </a:solidFill>
+          <a:ln>
+            <a:noFill/>
+          </a:ln>
+        </p:spPr>
+        <p:style>
+          <a:lnRef idx="2">
+            <a:schemeClr val="accent1">
+              <a:shade val="50000"/>
+            </a:schemeClr>
+          </a:lnRef>
+          <a:fillRef idx="1">
+            <a:schemeClr val="accent1"/>
+          </a:fillRef>
+          <a:effectRef idx="0">
+            <a:schemeClr val="accent1"/>
+          </a:effectRef>
+          <a:fontRef idx="minor">
+            <a:schemeClr val="lt1"/>
+          </a:fontRef>
+        </p:style>
+        <p:txBody>
+          <a:bodyPr rot="0" spcFirstLastPara="0" vertOverflow="overflow" horzOverflow="overflow" vert="horz" wrap="square" lIns="91440" tIns="45720" rIns="91440" bIns="45720" numCol="1" spcCol="0" rtlCol="0" fromWordArt="0" anchor="ctr" anchorCtr="0" forceAA="0" compatLnSpc="1">
+            <a:prstTxWarp prst="textNoShape">
+              <a:avLst/>
+            </a:prstTxWarp>
+            <a:noAutofit/>
+          </a:bodyPr>
+          <a:lstStyle/>
+          <a:p>
+            <a:pPr algn="ctr"/>
+            <a:endParaRPr lang="ko-KR" altLang="en-US" dirty="0">
+              <a:solidFill>
+                <a:schemeClr val="tx1"/>
+              </a:solidFill>
+            </a:endParaRPr>
+          </a:p>
+        </p:txBody>
+      </p:sp>
+      <p:sp>
+        <p:nvSpPr>
+          <p:cNvPr id="5" name="TextBox 4"/>
+          <p:cNvSpPr txBox="1"/>
+          <p:nvPr/>
+        </p:nvSpPr>
+        <p:spPr>
+          <a:xfrm>
+            <a:off x="602117" y="4169554"/>
+            <a:ext cx="11161258" cy="2662267"/>
+          </a:xfrm>
+          <a:prstGeom prst="rect">
+            <a:avLst/>
+          </a:prstGeom>
+          <a:noFill/>
+        </p:spPr>
+        <p:txBody>
+          <a:bodyPr wrap="square" rtlCol="0">
+            <a:spAutoFit/>
+          </a:bodyPr>
+          <a:lstStyle/>
+          <a:p>
+            <a:r>
+              <a:rPr lang="en-US" altLang="ko-KR" sz="16700" b="0" dirty="0" smtClean="0">
+                <a:solidFill>
+                  <a:srgbClr val="EEEEEE"/>
+                </a:solidFill>
+                <a:latin typeface="Ostrich Sans Light" panose="00000400000000000000" pitchFamily="50" charset="0"/>
+                <a:ea typeface="나눔바른고딕 UltraLight" panose="020B0603020101020101" pitchFamily="50" charset="-127"/>
+              </a:rPr>
+              <a:t>Data</a:t>
+            </a:r>
+            <a:r>
+              <a:rPr lang="en-US" altLang="ko-KR" sz="16700" b="0" baseline="0" dirty="0" smtClean="0">
+                <a:solidFill>
+                  <a:srgbClr val="EEEEEE"/>
+                </a:solidFill>
+                <a:latin typeface="Ostrich Sans Light" panose="00000400000000000000" pitchFamily="50" charset="0"/>
+                <a:ea typeface="나눔바른고딕 UltraLight" panose="020B0603020101020101" pitchFamily="50" charset="-127"/>
+              </a:rPr>
+              <a:t> Structure</a:t>
+            </a:r>
+            <a:endParaRPr lang="ko-KR" altLang="en-US" sz="16700" b="0" dirty="0">
+              <a:solidFill>
+                <a:srgbClr val="EEEEEE"/>
+              </a:solidFill>
+              <a:latin typeface="Ostrich Sans Light" panose="00000400000000000000" pitchFamily="50" charset="0"/>
+              <a:ea typeface="나눔바른고딕 UltraLight" panose="020B0603020101020101" pitchFamily="50" charset="-127"/>
+            </a:endParaRPr>
+          </a:p>
+        </p:txBody>
+      </p:sp>
+      <p:sp>
+        <p:nvSpPr>
+          <p:cNvPr id="7" name="Rectangle 15"/>
+          <p:cNvSpPr/>
+          <p:nvPr userDrawn="1"/>
+        </p:nvSpPr>
+        <p:spPr>
+          <a:xfrm>
+            <a:off x="0" y="0"/>
+            <a:ext cx="12192000" cy="6858000"/>
+          </a:xfrm>
+          <a:prstGeom prst="rect">
+            <a:avLst/>
+          </a:prstGeom>
+          <a:solidFill>
+            <a:srgbClr val="EEEEEE"/>
           </a:solidFill>
           <a:ln>
             <a:noFill/>
@@ -311,384 +429,155 @@
           </a:fontRef>
         </p:style>
       </p:sp>
-      <p:grpSp>
-        <p:nvGrpSpPr>
-          <p:cNvPr id="4" name="Group 3"/>
-          <p:cNvGrpSpPr/>
-          <p:nvPr/>
-        </p:nvGrpSpPr>
-        <p:grpSpPr>
+      <p:sp>
+        <p:nvSpPr>
+          <p:cNvPr id="8" name="Rectangle 14"/>
+          <p:cNvSpPr/>
+          <p:nvPr userDrawn="1"/>
+        </p:nvSpPr>
+        <p:spPr>
           <a:xfrm>
-            <a:off x="5250180" y="1267730"/>
-            <a:ext cx="1691640" cy="645295"/>
-            <a:chOff x="5318306" y="1386268"/>
-            <a:chExt cx="1567331" cy="645295"/>
+            <a:off x="5135880" y="1267730"/>
+            <a:ext cx="1920240" cy="731520"/>
           </a:xfrm>
-        </p:grpSpPr>
-        <p:cxnSp>
-          <p:nvCxnSpPr>
-            <p:cNvPr id="17" name="Straight Connector 16"/>
-            <p:cNvCxnSpPr/>
-            <p:nvPr/>
-          </p:nvCxnSpPr>
-          <p:spPr>
-            <a:xfrm>
-              <a:off x="5318306" y="1386268"/>
-              <a:ext cx="0" cy="640080"/>
-            </a:xfrm>
-            <a:prstGeom prst="line">
+          <a:prstGeom prst="rect">
+            <a:avLst/>
+          </a:prstGeom>
+          <a:noFill/>
+          <a:ln>
+            <a:noFill/>
+          </a:ln>
+        </p:spPr>
+        <p:style>
+          <a:lnRef idx="2">
+            <a:schemeClr val="accent1">
+              <a:shade val="50000"/>
+            </a:schemeClr>
+          </a:lnRef>
+          <a:fillRef idx="1">
+            <a:schemeClr val="accent1"/>
+          </a:fillRef>
+          <a:effectRef idx="0">
+            <a:schemeClr val="accent1"/>
+          </a:effectRef>
+          <a:fontRef idx="minor">
+            <a:schemeClr val="lt1"/>
+          </a:fontRef>
+        </p:style>
+      </p:sp>
+      <p:sp>
+        <p:nvSpPr>
+          <p:cNvPr id="9" name="직사각형 8"/>
+          <p:cNvSpPr/>
+          <p:nvPr userDrawn="1"/>
+        </p:nvSpPr>
+        <p:spPr>
+          <a:xfrm>
+            <a:off x="545431" y="4714875"/>
+            <a:ext cx="11217944" cy="1657350"/>
+          </a:xfrm>
+          <a:prstGeom prst="rect">
+            <a:avLst/>
+          </a:prstGeom>
+          <a:solidFill>
+            <a:srgbClr val="333333"/>
+          </a:solidFill>
+          <a:ln>
+            <a:noFill/>
+          </a:ln>
+        </p:spPr>
+        <p:style>
+          <a:lnRef idx="2">
+            <a:schemeClr val="accent1">
+              <a:shade val="50000"/>
+            </a:schemeClr>
+          </a:lnRef>
+          <a:fillRef idx="1">
+            <a:schemeClr val="accent1"/>
+          </a:fillRef>
+          <a:effectRef idx="0">
+            <a:schemeClr val="accent1"/>
+          </a:effectRef>
+          <a:fontRef idx="minor">
+            <a:schemeClr val="lt1"/>
+          </a:fontRef>
+        </p:style>
+        <p:txBody>
+          <a:bodyPr rot="0" spcFirstLastPara="0" vertOverflow="overflow" horzOverflow="overflow" vert="horz" wrap="square" lIns="91440" tIns="45720" rIns="91440" bIns="45720" numCol="1" spcCol="0" rtlCol="0" fromWordArt="0" anchor="ctr" anchorCtr="0" forceAA="0" compatLnSpc="1">
+            <a:prstTxWarp prst="textNoShape">
               <a:avLst/>
-            </a:prstGeom>
-            <a:solidFill>
-              <a:schemeClr val="tx1">
-                <a:lumMod val="85000"/>
-                <a:lumOff val="15000"/>
-              </a:schemeClr>
-            </a:solidFill>
-            <a:ln>
+            </a:prstTxWarp>
+            <a:noAutofit/>
+          </a:bodyPr>
+          <a:lstStyle/>
+          <a:p>
+            <a:pPr algn="ctr"/>
+            <a:endParaRPr lang="ko-KR" altLang="en-US" dirty="0">
               <a:solidFill>
                 <a:schemeClr val="tx1"/>
               </a:solidFill>
-              <a:miter lim="800000"/>
-            </a:ln>
-          </p:spPr>
-          <p:style>
-            <a:lnRef idx="1">
-              <a:schemeClr val="accent1"/>
-            </a:lnRef>
-            <a:fillRef idx="0">
-              <a:schemeClr val="accent1"/>
-            </a:fillRef>
-            <a:effectRef idx="0">
-              <a:schemeClr val="accent1"/>
-            </a:effectRef>
-            <a:fontRef idx="minor">
-              <a:schemeClr val="tx1"/>
-            </a:fontRef>
-          </p:style>
-        </p:cxnSp>
-        <p:cxnSp>
-          <p:nvCxnSpPr>
-            <p:cNvPr id="18" name="Straight Connector 17"/>
-            <p:cNvCxnSpPr/>
-            <p:nvPr/>
-          </p:nvCxnSpPr>
-          <p:spPr>
-            <a:xfrm>
-              <a:off x="6885637" y="1386268"/>
-              <a:ext cx="0" cy="640080"/>
-            </a:xfrm>
-            <a:prstGeom prst="line">
-              <a:avLst/>
-            </a:prstGeom>
-            <a:solidFill>
-              <a:schemeClr val="tx1">
-                <a:lumMod val="85000"/>
-                <a:lumOff val="15000"/>
-              </a:schemeClr>
-            </a:solidFill>
-            <a:ln>
-              <a:solidFill>
-                <a:schemeClr val="tx1"/>
-              </a:solidFill>
-              <a:miter lim="800000"/>
-            </a:ln>
-          </p:spPr>
-          <p:style>
-            <a:lnRef idx="1">
-              <a:schemeClr val="accent1"/>
-            </a:lnRef>
-            <a:fillRef idx="0">
-              <a:schemeClr val="accent1"/>
-            </a:fillRef>
-            <a:effectRef idx="0">
-              <a:schemeClr val="accent1"/>
-            </a:effectRef>
-            <a:fontRef idx="minor">
-              <a:schemeClr val="tx1"/>
-            </a:fontRef>
-          </p:style>
-        </p:cxnSp>
-        <p:cxnSp>
-          <p:nvCxnSpPr>
-            <p:cNvPr id="19" name="Straight Connector 18"/>
-            <p:cNvCxnSpPr/>
-            <p:nvPr/>
-          </p:nvCxnSpPr>
-          <p:spPr>
-            <a:xfrm>
-              <a:off x="5318306" y="2031563"/>
-              <a:ext cx="1567331" cy="0"/>
-            </a:xfrm>
-            <a:prstGeom prst="line">
-              <a:avLst/>
-            </a:prstGeom>
-            <a:solidFill>
-              <a:schemeClr val="tx1">
-                <a:lumMod val="85000"/>
-                <a:lumOff val="15000"/>
-              </a:schemeClr>
-            </a:solidFill>
-            <a:ln>
-              <a:solidFill>
-                <a:schemeClr val="tx1"/>
-              </a:solidFill>
-              <a:miter lim="800000"/>
-            </a:ln>
-          </p:spPr>
-          <p:style>
-            <a:lnRef idx="1">
-              <a:schemeClr val="accent1"/>
-            </a:lnRef>
-            <a:fillRef idx="0">
-              <a:schemeClr val="accent1"/>
-            </a:fillRef>
-            <a:effectRef idx="0">
-              <a:schemeClr val="accent1"/>
-            </a:effectRef>
-            <a:fontRef idx="minor">
-              <a:schemeClr val="tx1"/>
-            </a:fontRef>
-          </p:style>
-        </p:cxnSp>
-      </p:grpSp>
-      <p:sp>
-        <p:nvSpPr>
-          <p:cNvPr id="2" name="Title 1"/>
-          <p:cNvSpPr>
-            <a:spLocks noGrp="1"/>
-          </p:cNvSpPr>
-          <p:nvPr>
-            <p:ph type="ctrTitle"/>
-          </p:nvPr>
-        </p:nvSpPr>
-        <p:spPr>
-          <a:xfrm>
-            <a:off x="1561708" y="2091263"/>
-            <a:ext cx="9068586" cy="2138110"/>
-          </a:xfrm>
-        </p:spPr>
-        <p:txBody>
-          <a:bodyPr tIns="45720" bIns="45720" anchor="ctr">
-            <a:noAutofit/>
-          </a:bodyPr>
-          <a:lstStyle>
-            <a:lvl1pPr algn="ctr">
-              <a:lnSpc>
-                <a:spcPct val="83000"/>
-              </a:lnSpc>
-              <a:defRPr lang="en-US" sz="7200" b="0" kern="1200" cap="all" spc="-100" baseline="0" dirty="0">
-                <a:solidFill>
-                  <a:schemeClr val="tx1">
-                    <a:lumMod val="85000"/>
-                    <a:lumOff val="15000"/>
-                  </a:schemeClr>
-                </a:solidFill>
-                <a:effectLst/>
-                <a:latin typeface="+mj-ea"/>
-                <a:ea typeface="+mj-ea"/>
-                <a:cs typeface="+mn-cs"/>
-              </a:defRPr>
-            </a:lvl1pPr>
-          </a:lstStyle>
-          <a:p>
-            <a:r>
-              <a:rPr lang="ko-KR" altLang="en-US" dirty="0" smtClean="0"/>
-              <a:t>마스터 제목 스타일 편집</a:t>
-            </a:r>
-            <a:endParaRPr lang="en-US" dirty="0"/>
+            </a:endParaRPr>
           </a:p>
         </p:txBody>
       </p:sp>
       <p:sp>
         <p:nvSpPr>
-          <p:cNvPr id="3" name="Subtitle 2"/>
-          <p:cNvSpPr>
-            <a:spLocks noGrp="1"/>
-          </p:cNvSpPr>
-          <p:nvPr>
-            <p:ph type="subTitle" idx="1"/>
-          </p:nvPr>
+          <p:cNvPr id="10" name="TextBox 9"/>
+          <p:cNvSpPr txBox="1"/>
+          <p:nvPr userDrawn="1"/>
         </p:nvSpPr>
         <p:spPr>
           <a:xfrm>
-            <a:off x="1562100" y="4236098"/>
-            <a:ext cx="9070848" cy="903165"/>
+            <a:off x="602117" y="4169554"/>
+            <a:ext cx="11161258" cy="2662267"/>
           </a:xfrm>
+          <a:prstGeom prst="rect">
+            <a:avLst/>
+          </a:prstGeom>
+          <a:noFill/>
         </p:spPr>
         <p:txBody>
-          <a:bodyPr anchor="ctr">
-            <a:normAutofit/>
+          <a:bodyPr wrap="square" rtlCol="0">
+            <a:spAutoFit/>
           </a:bodyPr>
-          <a:lstStyle>
-            <a:lvl1pPr marL="0" indent="0" algn="ctr">
-              <a:spcBef>
-                <a:spcPts val="0"/>
-              </a:spcBef>
-              <a:buNone/>
-              <a:defRPr sz="4000" spc="80" baseline="0">
-                <a:solidFill>
-                  <a:schemeClr val="tx1"/>
-                </a:solidFill>
-                <a:latin typeface="+mj-ea"/>
-                <a:ea typeface="+mj-ea"/>
-              </a:defRPr>
-            </a:lvl1pPr>
-            <a:lvl2pPr marL="457200" indent="0" algn="ctr">
-              <a:buNone/>
-              <a:defRPr sz="1600"/>
-            </a:lvl2pPr>
-            <a:lvl3pPr marL="914400" indent="0" algn="ctr">
-              <a:buNone/>
-              <a:defRPr sz="1600"/>
-            </a:lvl3pPr>
-            <a:lvl4pPr marL="1371600" indent="0" algn="ctr">
-              <a:buNone/>
-              <a:defRPr sz="1600"/>
-            </a:lvl4pPr>
-            <a:lvl5pPr marL="1828800" indent="0" algn="ctr">
-              <a:buNone/>
-              <a:defRPr sz="1600"/>
-            </a:lvl5pPr>
-            <a:lvl6pPr marL="2286000" indent="0" algn="ctr">
-              <a:buNone/>
-              <a:defRPr sz="1600"/>
-            </a:lvl6pPr>
-            <a:lvl7pPr marL="2743200" indent="0" algn="ctr">
-              <a:buNone/>
-              <a:defRPr sz="1600"/>
-            </a:lvl7pPr>
-            <a:lvl8pPr marL="3200400" indent="0" algn="ctr">
-              <a:buNone/>
-              <a:defRPr sz="1600"/>
-            </a:lvl8pPr>
-            <a:lvl9pPr marL="3657600" indent="0" algn="ctr">
-              <a:buNone/>
-              <a:defRPr sz="1600"/>
-            </a:lvl9pPr>
-          </a:lstStyle>
-          <a:p>
-            <a:r>
-              <a:rPr lang="ko-KR" altLang="en-US" dirty="0" smtClean="0"/>
-              <a:t>마스터 부제목 스타일 편집</a:t>
-            </a:r>
-            <a:endParaRPr lang="en-US" dirty="0"/>
-          </a:p>
-        </p:txBody>
-      </p:sp>
-      <p:sp>
-        <p:nvSpPr>
-          <p:cNvPr id="20" name="Date Placeholder 19"/>
-          <p:cNvSpPr>
-            <a:spLocks noGrp="1"/>
-          </p:cNvSpPr>
-          <p:nvPr>
-            <p:ph type="dt" sz="half" idx="10"/>
-          </p:nvPr>
-        </p:nvSpPr>
-        <p:spPr>
-          <a:xfrm>
-            <a:off x="5318760" y="1341255"/>
-            <a:ext cx="1554480" cy="527213"/>
-          </a:xfrm>
-        </p:spPr>
-        <p:txBody>
-          <a:bodyPr/>
-          <a:lstStyle>
-            <a:lvl1pPr algn="ctr">
-              <a:defRPr sz="1300" spc="0" baseline="0">
-                <a:solidFill>
-                  <a:schemeClr val="tx1"/>
-                </a:solidFill>
-                <a:latin typeface="+mn-lt"/>
-              </a:defRPr>
-            </a:lvl1pPr>
-          </a:lstStyle>
-          <a:p>
-            <a:fld id="{DDA51639-B2D6-4652-B8C3-1B4C224A7BAF}" type="datetimeFigureOut">
-              <a:rPr lang="en-US" dirty="0"/>
-              <a:t>12/2/2014</a:t>
-            </a:fld>
-            <a:endParaRPr lang="en-US" dirty="0"/>
-          </a:p>
-        </p:txBody>
-      </p:sp>
-      <p:sp>
-        <p:nvSpPr>
-          <p:cNvPr id="21" name="Footer Placeholder 20"/>
-          <p:cNvSpPr>
-            <a:spLocks noGrp="1"/>
-          </p:cNvSpPr>
-          <p:nvPr>
-            <p:ph type="ftr" sz="quarter" idx="11"/>
-          </p:nvPr>
-        </p:nvSpPr>
-        <p:spPr>
-          <a:xfrm>
-            <a:off x="1453896" y="5211060"/>
-            <a:ext cx="5905500" cy="228600"/>
-          </a:xfrm>
-        </p:spPr>
-        <p:txBody>
-          <a:bodyPr/>
-          <a:lstStyle>
-            <a:lvl1pPr algn="l">
-              <a:defRPr>
-                <a:solidFill>
-                  <a:schemeClr val="tx1">
-                    <a:lumMod val="75000"/>
-                    <a:lumOff val="25000"/>
-                  </a:schemeClr>
-                </a:solidFill>
-              </a:defRPr>
-            </a:lvl1pPr>
-          </a:lstStyle>
-          <a:p>
-            <a:endParaRPr lang="en-US" dirty="0"/>
-          </a:p>
-        </p:txBody>
-      </p:sp>
-      <p:sp>
-        <p:nvSpPr>
-          <p:cNvPr id="22" name="Slide Number Placeholder 21"/>
-          <p:cNvSpPr>
-            <a:spLocks noGrp="1"/>
-          </p:cNvSpPr>
-          <p:nvPr>
-            <p:ph type="sldNum" sz="quarter" idx="12"/>
-          </p:nvPr>
-        </p:nvSpPr>
-        <p:spPr>
-          <a:xfrm>
-            <a:off x="8606919" y="5212080"/>
-            <a:ext cx="2111881" cy="228600"/>
-          </a:xfrm>
-        </p:spPr>
-        <p:txBody>
-          <a:bodyPr/>
-          <a:lstStyle>
-            <a:lvl1pPr>
-              <a:defRPr>
-                <a:solidFill>
-                  <a:schemeClr val="tx1">
-                    <a:lumMod val="75000"/>
-                    <a:lumOff val="25000"/>
-                  </a:schemeClr>
-                </a:solidFill>
-              </a:defRPr>
-            </a:lvl1pPr>
-          </a:lstStyle>
-          <a:p>
-            <a:fld id="{4FAB73BC-B049-4115-A692-8D63A059BFB8}" type="slidenum">
-              <a:rPr lang="en-US" dirty="0"/>
-              <a:pPr/>
-              <a:t>‹#›</a:t>
-            </a:fld>
-            <a:endParaRPr lang="en-US" dirty="0"/>
+          <a:lstStyle/>
+          <a:p>
+            <a:r>
+              <a:rPr lang="en-US" altLang="ko-KR" sz="16700" b="0" dirty="0" smtClean="0">
+                <a:solidFill>
+                  <a:srgbClr val="EEEEEE"/>
+                </a:solidFill>
+                <a:latin typeface="Ostrich Sans Light" panose="00000400000000000000" pitchFamily="50" charset="0"/>
+                <a:ea typeface="나눔바른고딕 UltraLight" panose="020B0603020101020101" pitchFamily="50" charset="-127"/>
+              </a:rPr>
+              <a:t>Data</a:t>
+            </a:r>
+            <a:r>
+              <a:rPr lang="en-US" altLang="ko-KR" sz="16700" b="0" baseline="0" dirty="0" smtClean="0">
+                <a:solidFill>
+                  <a:srgbClr val="EEEEEE"/>
+                </a:solidFill>
+                <a:latin typeface="Ostrich Sans Light" panose="00000400000000000000" pitchFamily="50" charset="0"/>
+                <a:ea typeface="나눔바른고딕 UltraLight" panose="020B0603020101020101" pitchFamily="50" charset="-127"/>
+              </a:rPr>
+              <a:t> Structure</a:t>
+            </a:r>
+            <a:endParaRPr lang="ko-KR" altLang="en-US" sz="16700" b="0" dirty="0">
+              <a:solidFill>
+                <a:srgbClr val="EEEEEE"/>
+              </a:solidFill>
+              <a:latin typeface="Ostrich Sans Light" panose="00000400000000000000" pitchFamily="50" charset="0"/>
+              <a:ea typeface="나눔바른고딕 UltraLight" panose="020B0603020101020101" pitchFamily="50" charset="-127"/>
+            </a:endParaRPr>
           </a:p>
         </p:txBody>
       </p:sp>
     </p:spTree>
+    <p:extLst>
+      <p:ext uri="{BB962C8B-B14F-4D97-AF65-F5344CB8AC3E}">
+        <p14:creationId xmlns:p14="http://schemas.microsoft.com/office/powerpoint/2010/main" val="3046195258"/>
+      </p:ext>
+    </p:extLst>
   </p:cSld>
   <p:clrMapOvr>
     <a:overrideClrMapping bg1="lt1" tx1="dk1" bg2="lt2" tx2="dk2" accent1="accent1" accent2="accent2" accent3="accent3" accent4="accent4" accent5="accent5" accent6="accent6" hlink="hlink" folHlink="folHlink"/>
@@ -704,6 +593,1584 @@
 </file>
 
 <file path=ppt/slideLayouts/slideLayout10.xml><?xml version="1.0" encoding="utf-8"?>
+<p:sldLayout xmlns:a="http://schemas.openxmlformats.org/drawingml/2006/main" xmlns:r="http://schemas.openxmlformats.org/officeDocument/2006/relationships" xmlns:p="http://schemas.openxmlformats.org/presentationml/2006/main" type="vertTitleAndTx" preserve="1">
+  <p:cSld name="세로 제목 및 텍스트">
+    <p:spTree>
+      <p:nvGrpSpPr>
+        <p:cNvPr id="1" name=""/>
+        <p:cNvGrpSpPr/>
+        <p:nvPr/>
+      </p:nvGrpSpPr>
+      <p:grpSpPr>
+        <a:xfrm>
+          <a:off x="0" y="0"/>
+          <a:ext cx="0" cy="0"/>
+          <a:chOff x="0" y="0"/>
+          <a:chExt cx="0" cy="0"/>
+        </a:xfrm>
+      </p:grpSpPr>
+      <p:sp>
+        <p:nvSpPr>
+          <p:cNvPr id="2" name="Vertical Title 1"/>
+          <p:cNvSpPr>
+            <a:spLocks noGrp="1"/>
+          </p:cNvSpPr>
+          <p:nvPr>
+            <p:ph type="title" orient="vert"/>
+          </p:nvPr>
+        </p:nvSpPr>
+        <p:spPr>
+          <a:xfrm>
+            <a:off x="8991600" y="762000"/>
+            <a:ext cx="2362200" cy="5257800"/>
+          </a:xfrm>
+        </p:spPr>
+        <p:txBody>
+          <a:bodyPr vert="eaVert"/>
+          <a:lstStyle/>
+          <a:p>
+            <a:r>
+              <a:rPr lang="ko-KR" altLang="en-US" smtClean="0"/>
+              <a:t>마스터 제목 스타일 편집</a:t>
+            </a:r>
+            <a:endParaRPr lang="en-US" dirty="0"/>
+          </a:p>
+        </p:txBody>
+      </p:sp>
+      <p:sp>
+        <p:nvSpPr>
+          <p:cNvPr id="3" name="Vertical Text Placeholder 2"/>
+          <p:cNvSpPr>
+            <a:spLocks noGrp="1"/>
+          </p:cNvSpPr>
+          <p:nvPr>
+            <p:ph type="body" orient="vert" idx="1"/>
+          </p:nvPr>
+        </p:nvSpPr>
+        <p:spPr>
+          <a:xfrm>
+            <a:off x="838200" y="762000"/>
+            <a:ext cx="8077200" cy="5257800"/>
+          </a:xfrm>
+        </p:spPr>
+        <p:txBody>
+          <a:bodyPr vert="eaVert"/>
+          <a:lstStyle/>
+          <a:p>
+            <a:pPr lvl="0"/>
+            <a:r>
+              <a:rPr lang="ko-KR" altLang="en-US" smtClean="0"/>
+              <a:t>마스터 텍스트 스타일을 편집합니다</a:t>
+            </a:r>
+          </a:p>
+          <a:p>
+            <a:pPr lvl="1"/>
+            <a:r>
+              <a:rPr lang="ko-KR" altLang="en-US" smtClean="0"/>
+              <a:t>둘째 수준</a:t>
+            </a:r>
+          </a:p>
+          <a:p>
+            <a:pPr lvl="2"/>
+            <a:r>
+              <a:rPr lang="ko-KR" altLang="en-US" smtClean="0"/>
+              <a:t>셋째 수준</a:t>
+            </a:r>
+          </a:p>
+          <a:p>
+            <a:pPr lvl="3"/>
+            <a:r>
+              <a:rPr lang="ko-KR" altLang="en-US" smtClean="0"/>
+              <a:t>넷째 수준</a:t>
+            </a:r>
+          </a:p>
+          <a:p>
+            <a:pPr lvl="4"/>
+            <a:r>
+              <a:rPr lang="ko-KR" altLang="en-US" smtClean="0"/>
+              <a:t>다섯째 수준</a:t>
+            </a:r>
+            <a:endParaRPr lang="en-US" dirty="0"/>
+          </a:p>
+        </p:txBody>
+      </p:sp>
+      <p:sp>
+        <p:nvSpPr>
+          <p:cNvPr id="4" name="Date Placeholder 3"/>
+          <p:cNvSpPr>
+            <a:spLocks noGrp="1"/>
+          </p:cNvSpPr>
+          <p:nvPr>
+            <p:ph type="dt" sz="half" idx="10"/>
+          </p:nvPr>
+        </p:nvSpPr>
+        <p:spPr/>
+        <p:txBody>
+          <a:bodyPr/>
+          <a:lstStyle/>
+          <a:p>
+            <a:fld id="{B4E0BF79-FAC6-4A96-8DE1-F7B82E2E1652}" type="datetimeFigureOut">
+              <a:rPr lang="en-US" smtClean="0"/>
+              <a:t>12/4/2014</a:t>
+            </a:fld>
+            <a:endParaRPr lang="en-US" dirty="0"/>
+          </a:p>
+        </p:txBody>
+      </p:sp>
+      <p:sp>
+        <p:nvSpPr>
+          <p:cNvPr id="5" name="Footer Placeholder 4"/>
+          <p:cNvSpPr>
+            <a:spLocks noGrp="1"/>
+          </p:cNvSpPr>
+          <p:nvPr>
+            <p:ph type="ftr" sz="quarter" idx="11"/>
+          </p:nvPr>
+        </p:nvSpPr>
+        <p:spPr/>
+        <p:txBody>
+          <a:bodyPr/>
+          <a:lstStyle/>
+          <a:p>
+            <a:endParaRPr lang="en-US" dirty="0"/>
+          </a:p>
+        </p:txBody>
+      </p:sp>
+      <p:sp>
+        <p:nvSpPr>
+          <p:cNvPr id="6" name="Slide Number Placeholder 5"/>
+          <p:cNvSpPr>
+            <a:spLocks noGrp="1"/>
+          </p:cNvSpPr>
+          <p:nvPr>
+            <p:ph type="sldNum" sz="quarter" idx="12"/>
+          </p:nvPr>
+        </p:nvSpPr>
+        <p:spPr/>
+        <p:txBody>
+          <a:bodyPr/>
+          <a:lstStyle/>
+          <a:p>
+            <a:fld id="{4FAB73BC-B049-4115-A692-8D63A059BFB8}" type="slidenum">
+              <a:rPr lang="en-US" smtClean="0"/>
+              <a:t>‹#›</a:t>
+            </a:fld>
+            <a:endParaRPr lang="en-US" dirty="0"/>
+          </a:p>
+        </p:txBody>
+      </p:sp>
+    </p:spTree>
+    <p:extLst>
+      <p:ext uri="{BB962C8B-B14F-4D97-AF65-F5344CB8AC3E}">
+        <p14:creationId xmlns:p14="http://schemas.microsoft.com/office/powerpoint/2010/main" val="2228841055"/>
+      </p:ext>
+    </p:extLst>
+  </p:cSld>
+  <p:clrMapOvr>
+    <a:masterClrMapping/>
+  </p:clrMapOvr>
+</p:sldLayout>
+</file>
+
+<file path=ppt/slideLayouts/slideLayout11.xml><?xml version="1.0" encoding="utf-8"?>
+<p:sldLayout xmlns:a="http://schemas.openxmlformats.org/drawingml/2006/main" xmlns:r="http://schemas.openxmlformats.org/officeDocument/2006/relationships" xmlns:p="http://schemas.openxmlformats.org/presentationml/2006/main" showMasterSp="0" preserve="1" userDrawn="1">
+  <p:cSld name="4_제목 슬라이드">
+    <p:bg>
+      <p:bgRef idx="1002">
+        <a:schemeClr val="bg2"/>
+      </p:bgRef>
+    </p:bg>
+    <p:spTree>
+      <p:nvGrpSpPr>
+        <p:cNvPr id="1" name=""/>
+        <p:cNvGrpSpPr/>
+        <p:nvPr/>
+      </p:nvGrpSpPr>
+      <p:grpSpPr>
+        <a:xfrm>
+          <a:off x="0" y="0"/>
+          <a:ext cx="0" cy="0"/>
+          <a:chOff x="0" y="0"/>
+          <a:chExt cx="0" cy="0"/>
+        </a:xfrm>
+      </p:grpSpPr>
+      <p:sp>
+        <p:nvSpPr>
+          <p:cNvPr id="16" name="Rectangle 15"/>
+          <p:cNvSpPr/>
+          <p:nvPr userDrawn="1"/>
+        </p:nvSpPr>
+        <p:spPr>
+          <a:xfrm>
+            <a:off x="0" y="0"/>
+            <a:ext cx="12192000" cy="6858000"/>
+          </a:xfrm>
+          <a:prstGeom prst="rect">
+            <a:avLst/>
+          </a:prstGeom>
+          <a:solidFill>
+            <a:srgbClr val="EEEEEE"/>
+          </a:solidFill>
+          <a:ln>
+            <a:noFill/>
+          </a:ln>
+        </p:spPr>
+        <p:style>
+          <a:lnRef idx="2">
+            <a:schemeClr val="accent1">
+              <a:shade val="50000"/>
+            </a:schemeClr>
+          </a:lnRef>
+          <a:fillRef idx="1">
+            <a:schemeClr val="accent1"/>
+          </a:fillRef>
+          <a:effectRef idx="0">
+            <a:schemeClr val="accent1"/>
+          </a:effectRef>
+          <a:fontRef idx="minor">
+            <a:schemeClr val="lt1"/>
+          </a:fontRef>
+        </p:style>
+      </p:sp>
+      <p:sp>
+        <p:nvSpPr>
+          <p:cNvPr id="15" name="Rectangle 14"/>
+          <p:cNvSpPr/>
+          <p:nvPr userDrawn="1"/>
+        </p:nvSpPr>
+        <p:spPr>
+          <a:xfrm>
+            <a:off x="5135880" y="1267730"/>
+            <a:ext cx="1920240" cy="731520"/>
+          </a:xfrm>
+          <a:prstGeom prst="rect">
+            <a:avLst/>
+          </a:prstGeom>
+          <a:noFill/>
+          <a:ln>
+            <a:noFill/>
+          </a:ln>
+        </p:spPr>
+        <p:style>
+          <a:lnRef idx="2">
+            <a:schemeClr val="accent1">
+              <a:shade val="50000"/>
+            </a:schemeClr>
+          </a:lnRef>
+          <a:fillRef idx="1">
+            <a:schemeClr val="accent1"/>
+          </a:fillRef>
+          <a:effectRef idx="0">
+            <a:schemeClr val="accent1"/>
+          </a:effectRef>
+          <a:fontRef idx="minor">
+            <a:schemeClr val="lt1"/>
+          </a:fontRef>
+        </p:style>
+      </p:sp>
+      <p:sp>
+        <p:nvSpPr>
+          <p:cNvPr id="2" name="Title 1"/>
+          <p:cNvSpPr>
+            <a:spLocks noGrp="1"/>
+          </p:cNvSpPr>
+          <p:nvPr>
+            <p:ph type="ctrTitle"/>
+          </p:nvPr>
+        </p:nvSpPr>
+        <p:spPr>
+          <a:xfrm>
+            <a:off x="545430" y="834945"/>
+            <a:ext cx="11217945" cy="3308430"/>
+          </a:xfrm>
+        </p:spPr>
+        <p:txBody>
+          <a:bodyPr tIns="45720" bIns="45720" anchor="ctr">
+            <a:noAutofit/>
+          </a:bodyPr>
+          <a:lstStyle>
+            <a:lvl1pPr algn="l">
+              <a:lnSpc>
+                <a:spcPct val="83000"/>
+              </a:lnSpc>
+              <a:defRPr lang="en-US" sz="13800" b="0" kern="1200" cap="none" spc="-100" baseline="0" dirty="0">
+                <a:solidFill>
+                  <a:srgbClr val="333333"/>
+                </a:solidFill>
+                <a:effectLst/>
+                <a:latin typeface="Ostrich Sans Medium" panose="00000500000000000000" pitchFamily="50" charset="0"/>
+                <a:ea typeface="+mj-ea"/>
+                <a:cs typeface="+mn-cs"/>
+              </a:defRPr>
+            </a:lvl1pPr>
+          </a:lstStyle>
+          <a:p>
+            <a:r>
+              <a:rPr lang="ko-KR" altLang="en-US" dirty="0" smtClean="0"/>
+              <a:t>마스터 제목 스타일 편집</a:t>
+            </a:r>
+            <a:endParaRPr lang="en-US" dirty="0"/>
+          </a:p>
+        </p:txBody>
+      </p:sp>
+      <p:sp>
+        <p:nvSpPr>
+          <p:cNvPr id="4" name="직사각형 3"/>
+          <p:cNvSpPr/>
+          <p:nvPr userDrawn="1"/>
+        </p:nvSpPr>
+        <p:spPr>
+          <a:xfrm>
+            <a:off x="545431" y="4714875"/>
+            <a:ext cx="11217944" cy="1657350"/>
+          </a:xfrm>
+          <a:prstGeom prst="rect">
+            <a:avLst/>
+          </a:prstGeom>
+          <a:solidFill>
+            <a:srgbClr val="333333"/>
+          </a:solidFill>
+          <a:ln>
+            <a:noFill/>
+          </a:ln>
+        </p:spPr>
+        <p:style>
+          <a:lnRef idx="2">
+            <a:schemeClr val="accent1">
+              <a:shade val="50000"/>
+            </a:schemeClr>
+          </a:lnRef>
+          <a:fillRef idx="1">
+            <a:schemeClr val="accent1"/>
+          </a:fillRef>
+          <a:effectRef idx="0">
+            <a:schemeClr val="accent1"/>
+          </a:effectRef>
+          <a:fontRef idx="minor">
+            <a:schemeClr val="lt1"/>
+          </a:fontRef>
+        </p:style>
+        <p:txBody>
+          <a:bodyPr rot="0" spcFirstLastPara="0" vertOverflow="overflow" horzOverflow="overflow" vert="horz" wrap="square" lIns="91440" tIns="45720" rIns="91440" bIns="45720" numCol="1" spcCol="0" rtlCol="0" fromWordArt="0" anchor="ctr" anchorCtr="0" forceAA="0" compatLnSpc="1">
+            <a:prstTxWarp prst="textNoShape">
+              <a:avLst/>
+            </a:prstTxWarp>
+            <a:noAutofit/>
+          </a:bodyPr>
+          <a:lstStyle/>
+          <a:p>
+            <a:pPr algn="ctr"/>
+            <a:endParaRPr lang="ko-KR" altLang="en-US" dirty="0">
+              <a:solidFill>
+                <a:schemeClr val="tx1"/>
+              </a:solidFill>
+            </a:endParaRPr>
+          </a:p>
+        </p:txBody>
+      </p:sp>
+      <p:sp>
+        <p:nvSpPr>
+          <p:cNvPr id="5" name="TextBox 4"/>
+          <p:cNvSpPr txBox="1"/>
+          <p:nvPr userDrawn="1"/>
+        </p:nvSpPr>
+        <p:spPr>
+          <a:xfrm>
+            <a:off x="602117" y="4169554"/>
+            <a:ext cx="11161258" cy="2662267"/>
+          </a:xfrm>
+          <a:prstGeom prst="rect">
+            <a:avLst/>
+          </a:prstGeom>
+          <a:noFill/>
+        </p:spPr>
+        <p:txBody>
+          <a:bodyPr wrap="square" rtlCol="0">
+            <a:spAutoFit/>
+          </a:bodyPr>
+          <a:lstStyle/>
+          <a:p>
+            <a:r>
+              <a:rPr lang="en-US" altLang="ko-KR" sz="16700" b="0" dirty="0" smtClean="0">
+                <a:solidFill>
+                  <a:srgbClr val="EEEEEE"/>
+                </a:solidFill>
+                <a:latin typeface="Ostrich Sans Light" panose="00000400000000000000" pitchFamily="50" charset="0"/>
+                <a:ea typeface="나눔바른고딕 UltraLight" panose="020B0603020101020101" pitchFamily="50" charset="-127"/>
+              </a:rPr>
+              <a:t>Data</a:t>
+            </a:r>
+            <a:r>
+              <a:rPr lang="en-US" altLang="ko-KR" sz="16700" b="0" baseline="0" dirty="0" smtClean="0">
+                <a:solidFill>
+                  <a:srgbClr val="EEEEEE"/>
+                </a:solidFill>
+                <a:latin typeface="Ostrich Sans Light" panose="00000400000000000000" pitchFamily="50" charset="0"/>
+                <a:ea typeface="나눔바른고딕 UltraLight" panose="020B0603020101020101" pitchFamily="50" charset="-127"/>
+              </a:rPr>
+              <a:t> Structure</a:t>
+            </a:r>
+            <a:endParaRPr lang="ko-KR" altLang="en-US" sz="16700" b="0" dirty="0">
+              <a:solidFill>
+                <a:srgbClr val="EEEEEE"/>
+              </a:solidFill>
+              <a:latin typeface="Ostrich Sans Light" panose="00000400000000000000" pitchFamily="50" charset="0"/>
+              <a:ea typeface="나눔바른고딕 UltraLight" panose="020B0603020101020101" pitchFamily="50" charset="-127"/>
+            </a:endParaRPr>
+          </a:p>
+        </p:txBody>
+      </p:sp>
+    </p:spTree>
+    <p:extLst>
+      <p:ext uri="{BB962C8B-B14F-4D97-AF65-F5344CB8AC3E}">
+        <p14:creationId xmlns:p14="http://schemas.microsoft.com/office/powerpoint/2010/main" val="3200943926"/>
+      </p:ext>
+    </p:extLst>
+  </p:cSld>
+  <p:clrMapOvr>
+    <a:overrideClrMapping bg1="lt1" tx1="dk1" bg2="lt2" tx2="dk2" accent1="accent1" accent2="accent2" accent3="accent3" accent4="accent4" accent5="accent5" accent6="accent6" hlink="hlink" folHlink="folHlink"/>
+  </p:clrMapOvr>
+  <p:timing>
+    <p:tnLst>
+      <p:par>
+        <p:cTn id="1" dur="indefinite" restart="never" nodeType="tmRoot"/>
+      </p:par>
+    </p:tnLst>
+  </p:timing>
+</p:sldLayout>
+</file>
+
+<file path=ppt/slideLayouts/slideLayout2.xml><?xml version="1.0" encoding="utf-8"?>
+<p:sldLayout xmlns:a="http://schemas.openxmlformats.org/drawingml/2006/main" xmlns:r="http://schemas.openxmlformats.org/officeDocument/2006/relationships" xmlns:p="http://schemas.openxmlformats.org/presentationml/2006/main" type="obj" preserve="1">
+  <p:cSld name="제목 및 내용">
+    <p:spTree>
+      <p:nvGrpSpPr>
+        <p:cNvPr id="1" name=""/>
+        <p:cNvGrpSpPr/>
+        <p:nvPr/>
+      </p:nvGrpSpPr>
+      <p:grpSpPr>
+        <a:xfrm>
+          <a:off x="0" y="0"/>
+          <a:ext cx="0" cy="0"/>
+          <a:chOff x="0" y="0"/>
+          <a:chExt cx="0" cy="0"/>
+        </a:xfrm>
+      </p:grpSpPr>
+      <p:sp>
+        <p:nvSpPr>
+          <p:cNvPr id="2" name="Title 1"/>
+          <p:cNvSpPr>
+            <a:spLocks noGrp="1"/>
+          </p:cNvSpPr>
+          <p:nvPr>
+            <p:ph type="title"/>
+          </p:nvPr>
+        </p:nvSpPr>
+        <p:spPr/>
+        <p:txBody>
+          <a:bodyPr/>
+          <a:lstStyle/>
+          <a:p>
+            <a:r>
+              <a:rPr lang="ko-KR" altLang="en-US" smtClean="0"/>
+              <a:t>마스터 제목 스타일 편집</a:t>
+            </a:r>
+            <a:endParaRPr lang="en-US" dirty="0"/>
+          </a:p>
+        </p:txBody>
+      </p:sp>
+      <p:sp>
+        <p:nvSpPr>
+          <p:cNvPr id="3" name="Content Placeholder 2"/>
+          <p:cNvSpPr>
+            <a:spLocks noGrp="1"/>
+          </p:cNvSpPr>
+          <p:nvPr>
+            <p:ph idx="1"/>
+          </p:nvPr>
+        </p:nvSpPr>
+        <p:spPr/>
+        <p:txBody>
+          <a:bodyPr/>
+          <a:lstStyle/>
+          <a:p>
+            <a:pPr lvl="0"/>
+            <a:r>
+              <a:rPr lang="ko-KR" altLang="en-US" smtClean="0"/>
+              <a:t>마스터 텍스트 스타일을 편집합니다</a:t>
+            </a:r>
+          </a:p>
+          <a:p>
+            <a:pPr lvl="1"/>
+            <a:r>
+              <a:rPr lang="ko-KR" altLang="en-US" smtClean="0"/>
+              <a:t>둘째 수준</a:t>
+            </a:r>
+          </a:p>
+          <a:p>
+            <a:pPr lvl="2"/>
+            <a:r>
+              <a:rPr lang="ko-KR" altLang="en-US" smtClean="0"/>
+              <a:t>셋째 수준</a:t>
+            </a:r>
+          </a:p>
+          <a:p>
+            <a:pPr lvl="3"/>
+            <a:r>
+              <a:rPr lang="ko-KR" altLang="en-US" smtClean="0"/>
+              <a:t>넷째 수준</a:t>
+            </a:r>
+          </a:p>
+          <a:p>
+            <a:pPr lvl="4"/>
+            <a:r>
+              <a:rPr lang="ko-KR" altLang="en-US" smtClean="0"/>
+              <a:t>다섯째 수준</a:t>
+            </a:r>
+            <a:endParaRPr lang="en-US" dirty="0"/>
+          </a:p>
+        </p:txBody>
+      </p:sp>
+      <p:sp>
+        <p:nvSpPr>
+          <p:cNvPr id="7" name="Date Placeholder 6"/>
+          <p:cNvSpPr>
+            <a:spLocks noGrp="1"/>
+          </p:cNvSpPr>
+          <p:nvPr>
+            <p:ph type="dt" sz="half" idx="10"/>
+          </p:nvPr>
+        </p:nvSpPr>
+        <p:spPr/>
+        <p:txBody>
+          <a:bodyPr/>
+          <a:lstStyle/>
+          <a:p>
+            <a:fld id="{82FF5DD9-2C52-442D-92E2-8072C0C3D7CD}" type="datetimeFigureOut">
+              <a:rPr lang="en-US" smtClean="0"/>
+              <a:t>12/4/2014</a:t>
+            </a:fld>
+            <a:endParaRPr lang="en-US" dirty="0"/>
+          </a:p>
+        </p:txBody>
+      </p:sp>
+      <p:sp>
+        <p:nvSpPr>
+          <p:cNvPr id="8" name="Footer Placeholder 7"/>
+          <p:cNvSpPr>
+            <a:spLocks noGrp="1"/>
+          </p:cNvSpPr>
+          <p:nvPr>
+            <p:ph type="ftr" sz="quarter" idx="11"/>
+          </p:nvPr>
+        </p:nvSpPr>
+        <p:spPr/>
+        <p:txBody>
+          <a:bodyPr/>
+          <a:lstStyle/>
+          <a:p>
+            <a:endParaRPr lang="en-US" dirty="0"/>
+          </a:p>
+        </p:txBody>
+      </p:sp>
+      <p:sp>
+        <p:nvSpPr>
+          <p:cNvPr id="9" name="Slide Number Placeholder 8"/>
+          <p:cNvSpPr>
+            <a:spLocks noGrp="1"/>
+          </p:cNvSpPr>
+          <p:nvPr>
+            <p:ph type="sldNum" sz="quarter" idx="12"/>
+          </p:nvPr>
+        </p:nvSpPr>
+        <p:spPr/>
+        <p:txBody>
+          <a:bodyPr/>
+          <a:lstStyle/>
+          <a:p>
+            <a:fld id="{4FAB73BC-B049-4115-A692-8D63A059BFB8}" type="slidenum">
+              <a:rPr lang="en-US" smtClean="0"/>
+              <a:pPr/>
+              <a:t>‹#›</a:t>
+            </a:fld>
+            <a:endParaRPr lang="en-US" dirty="0"/>
+          </a:p>
+        </p:txBody>
+      </p:sp>
+    </p:spTree>
+    <p:extLst>
+      <p:ext uri="{BB962C8B-B14F-4D97-AF65-F5344CB8AC3E}">
+        <p14:creationId xmlns:p14="http://schemas.microsoft.com/office/powerpoint/2010/main" val="3202559061"/>
+      </p:ext>
+    </p:extLst>
+  </p:cSld>
+  <p:clrMapOvr>
+    <a:masterClrMapping/>
+  </p:clrMapOvr>
+  <p:timing>
+    <p:tnLst>
+      <p:par>
+        <p:cTn id="1" dur="indefinite" restart="never" nodeType="tmRoot"/>
+      </p:par>
+    </p:tnLst>
+  </p:timing>
+</p:sldLayout>
+</file>
+
+<file path=ppt/slideLayouts/slideLayout3.xml><?xml version="1.0" encoding="utf-8"?>
+<p:sldLayout xmlns:a="http://schemas.openxmlformats.org/drawingml/2006/main" xmlns:r="http://schemas.openxmlformats.org/officeDocument/2006/relationships" xmlns:p="http://schemas.openxmlformats.org/presentationml/2006/main" type="twoObj" preserve="1">
+  <p:cSld name="콘텐츠 2개">
+    <p:spTree>
+      <p:nvGrpSpPr>
+        <p:cNvPr id="1" name=""/>
+        <p:cNvGrpSpPr/>
+        <p:nvPr/>
+      </p:nvGrpSpPr>
+      <p:grpSpPr>
+        <a:xfrm>
+          <a:off x="0" y="0"/>
+          <a:ext cx="0" cy="0"/>
+          <a:chOff x="0" y="0"/>
+          <a:chExt cx="0" cy="0"/>
+        </a:xfrm>
+      </p:grpSpPr>
+      <p:sp>
+        <p:nvSpPr>
+          <p:cNvPr id="8" name="Title 7"/>
+          <p:cNvSpPr>
+            <a:spLocks noGrp="1"/>
+          </p:cNvSpPr>
+          <p:nvPr>
+            <p:ph type="title"/>
+          </p:nvPr>
+        </p:nvSpPr>
+        <p:spPr/>
+        <p:txBody>
+          <a:bodyPr/>
+          <a:lstStyle/>
+          <a:p>
+            <a:r>
+              <a:rPr lang="ko-KR" altLang="en-US" smtClean="0"/>
+              <a:t>마스터 제목 스타일 편집</a:t>
+            </a:r>
+            <a:endParaRPr lang="en-US" dirty="0"/>
+          </a:p>
+        </p:txBody>
+      </p:sp>
+      <p:sp>
+        <p:nvSpPr>
+          <p:cNvPr id="3" name="Content Placeholder 2"/>
+          <p:cNvSpPr>
+            <a:spLocks noGrp="1"/>
+          </p:cNvSpPr>
+          <p:nvPr>
+            <p:ph sz="half" idx="1"/>
+          </p:nvPr>
+        </p:nvSpPr>
+        <p:spPr>
+          <a:xfrm>
+            <a:off x="1066800" y="2103120"/>
+            <a:ext cx="4754880" cy="3749040"/>
+          </a:xfrm>
+        </p:spPr>
+        <p:txBody>
+          <a:bodyPr/>
+          <a:lstStyle>
+            <a:lvl1pPr>
+              <a:defRPr sz="1800"/>
+            </a:lvl1pPr>
+            <a:lvl2pPr>
+              <a:defRPr sz="1600"/>
+            </a:lvl2pPr>
+            <a:lvl3pPr>
+              <a:defRPr sz="1400"/>
+            </a:lvl3pPr>
+            <a:lvl4pPr>
+              <a:defRPr sz="1400"/>
+            </a:lvl4pPr>
+            <a:lvl5pPr>
+              <a:defRPr sz="1400"/>
+            </a:lvl5pPr>
+            <a:lvl6pPr>
+              <a:defRPr sz="1400"/>
+            </a:lvl6pPr>
+            <a:lvl7pPr>
+              <a:defRPr sz="1400"/>
+            </a:lvl7pPr>
+            <a:lvl8pPr>
+              <a:defRPr sz="1400"/>
+            </a:lvl8pPr>
+            <a:lvl9pPr>
+              <a:defRPr sz="1400"/>
+            </a:lvl9pPr>
+          </a:lstStyle>
+          <a:p>
+            <a:pPr lvl="0"/>
+            <a:r>
+              <a:rPr lang="ko-KR" altLang="en-US" smtClean="0"/>
+              <a:t>마스터 텍스트 스타일을 편집합니다</a:t>
+            </a:r>
+          </a:p>
+          <a:p>
+            <a:pPr lvl="1"/>
+            <a:r>
+              <a:rPr lang="ko-KR" altLang="en-US" smtClean="0"/>
+              <a:t>둘째 수준</a:t>
+            </a:r>
+          </a:p>
+          <a:p>
+            <a:pPr lvl="2"/>
+            <a:r>
+              <a:rPr lang="ko-KR" altLang="en-US" smtClean="0"/>
+              <a:t>셋째 수준</a:t>
+            </a:r>
+          </a:p>
+          <a:p>
+            <a:pPr lvl="3"/>
+            <a:r>
+              <a:rPr lang="ko-KR" altLang="en-US" smtClean="0"/>
+              <a:t>넷째 수준</a:t>
+            </a:r>
+          </a:p>
+          <a:p>
+            <a:pPr lvl="4"/>
+            <a:r>
+              <a:rPr lang="ko-KR" altLang="en-US" smtClean="0"/>
+              <a:t>다섯째 수준</a:t>
+            </a:r>
+            <a:endParaRPr lang="en-US" dirty="0"/>
+          </a:p>
+        </p:txBody>
+      </p:sp>
+      <p:sp>
+        <p:nvSpPr>
+          <p:cNvPr id="4" name="Content Placeholder 3"/>
+          <p:cNvSpPr>
+            <a:spLocks noGrp="1"/>
+          </p:cNvSpPr>
+          <p:nvPr>
+            <p:ph sz="half" idx="2"/>
+          </p:nvPr>
+        </p:nvSpPr>
+        <p:spPr>
+          <a:xfrm>
+            <a:off x="6370320" y="2103120"/>
+            <a:ext cx="4754880" cy="3749040"/>
+          </a:xfrm>
+        </p:spPr>
+        <p:txBody>
+          <a:bodyPr/>
+          <a:lstStyle>
+            <a:lvl1pPr>
+              <a:defRPr sz="1800"/>
+            </a:lvl1pPr>
+            <a:lvl2pPr>
+              <a:defRPr sz="1600"/>
+            </a:lvl2pPr>
+            <a:lvl3pPr>
+              <a:defRPr sz="1400"/>
+            </a:lvl3pPr>
+            <a:lvl4pPr>
+              <a:defRPr sz="1400"/>
+            </a:lvl4pPr>
+            <a:lvl5pPr>
+              <a:defRPr sz="1400"/>
+            </a:lvl5pPr>
+            <a:lvl6pPr>
+              <a:defRPr sz="1400"/>
+            </a:lvl6pPr>
+            <a:lvl7pPr>
+              <a:defRPr sz="1400"/>
+            </a:lvl7pPr>
+            <a:lvl8pPr>
+              <a:defRPr sz="1400"/>
+            </a:lvl8pPr>
+            <a:lvl9pPr>
+              <a:defRPr sz="1400"/>
+            </a:lvl9pPr>
+          </a:lstStyle>
+          <a:p>
+            <a:pPr lvl="0"/>
+            <a:r>
+              <a:rPr lang="ko-KR" altLang="en-US" smtClean="0"/>
+              <a:t>마스터 텍스트 스타일을 편집합니다</a:t>
+            </a:r>
+          </a:p>
+          <a:p>
+            <a:pPr lvl="1"/>
+            <a:r>
+              <a:rPr lang="ko-KR" altLang="en-US" smtClean="0"/>
+              <a:t>둘째 수준</a:t>
+            </a:r>
+          </a:p>
+          <a:p>
+            <a:pPr lvl="2"/>
+            <a:r>
+              <a:rPr lang="ko-KR" altLang="en-US" smtClean="0"/>
+              <a:t>셋째 수준</a:t>
+            </a:r>
+          </a:p>
+          <a:p>
+            <a:pPr lvl="3"/>
+            <a:r>
+              <a:rPr lang="ko-KR" altLang="en-US" smtClean="0"/>
+              <a:t>넷째 수준</a:t>
+            </a:r>
+          </a:p>
+          <a:p>
+            <a:pPr lvl="4"/>
+            <a:r>
+              <a:rPr lang="ko-KR" altLang="en-US" smtClean="0"/>
+              <a:t>다섯째 수준</a:t>
+            </a:r>
+            <a:endParaRPr lang="en-US" dirty="0"/>
+          </a:p>
+        </p:txBody>
+      </p:sp>
+      <p:sp>
+        <p:nvSpPr>
+          <p:cNvPr id="5" name="Date Placeholder 4"/>
+          <p:cNvSpPr>
+            <a:spLocks noGrp="1"/>
+          </p:cNvSpPr>
+          <p:nvPr>
+            <p:ph type="dt" sz="half" idx="10"/>
+          </p:nvPr>
+        </p:nvSpPr>
+        <p:spPr/>
+        <p:txBody>
+          <a:bodyPr/>
+          <a:lstStyle/>
+          <a:p>
+            <a:fld id="{DBD3D6FB-79CC-4683-A046-BBE785BA1BED}" type="datetimeFigureOut">
+              <a:rPr lang="en-US" smtClean="0"/>
+              <a:t>12/4/2014</a:t>
+            </a:fld>
+            <a:endParaRPr lang="en-US" dirty="0"/>
+          </a:p>
+        </p:txBody>
+      </p:sp>
+      <p:sp>
+        <p:nvSpPr>
+          <p:cNvPr id="6" name="Footer Placeholder 5"/>
+          <p:cNvSpPr>
+            <a:spLocks noGrp="1"/>
+          </p:cNvSpPr>
+          <p:nvPr>
+            <p:ph type="ftr" sz="quarter" idx="11"/>
+          </p:nvPr>
+        </p:nvSpPr>
+        <p:spPr/>
+        <p:txBody>
+          <a:bodyPr/>
+          <a:lstStyle/>
+          <a:p>
+            <a:endParaRPr lang="en-US" dirty="0"/>
+          </a:p>
+        </p:txBody>
+      </p:sp>
+      <p:sp>
+        <p:nvSpPr>
+          <p:cNvPr id="7" name="Slide Number Placeholder 6"/>
+          <p:cNvSpPr>
+            <a:spLocks noGrp="1"/>
+          </p:cNvSpPr>
+          <p:nvPr>
+            <p:ph type="sldNum" sz="quarter" idx="12"/>
+          </p:nvPr>
+        </p:nvSpPr>
+        <p:spPr/>
+        <p:txBody>
+          <a:bodyPr/>
+          <a:lstStyle/>
+          <a:p>
+            <a:fld id="{4FAB73BC-B049-4115-A692-8D63A059BFB8}" type="slidenum">
+              <a:rPr lang="en-US" smtClean="0"/>
+              <a:t>‹#›</a:t>
+            </a:fld>
+            <a:endParaRPr lang="en-US" dirty="0"/>
+          </a:p>
+        </p:txBody>
+      </p:sp>
+    </p:spTree>
+    <p:extLst>
+      <p:ext uri="{BB962C8B-B14F-4D97-AF65-F5344CB8AC3E}">
+        <p14:creationId xmlns:p14="http://schemas.microsoft.com/office/powerpoint/2010/main" val="3440504334"/>
+      </p:ext>
+    </p:extLst>
+  </p:cSld>
+  <p:clrMapOvr>
+    <a:masterClrMapping/>
+  </p:clrMapOvr>
+  <p:timing>
+    <p:tnLst>
+      <p:par>
+        <p:cTn id="1" dur="indefinite" restart="never" nodeType="tmRoot"/>
+      </p:par>
+    </p:tnLst>
+  </p:timing>
+</p:sldLayout>
+</file>
+
+<file path=ppt/slideLayouts/slideLayout4.xml><?xml version="1.0" encoding="utf-8"?>
+<p:sldLayout xmlns:a="http://schemas.openxmlformats.org/drawingml/2006/main" xmlns:r="http://schemas.openxmlformats.org/officeDocument/2006/relationships" xmlns:p="http://schemas.openxmlformats.org/presentationml/2006/main" type="twoTxTwoObj" preserve="1">
+  <p:cSld name="비교">
+    <p:spTree>
+      <p:nvGrpSpPr>
+        <p:cNvPr id="1" name=""/>
+        <p:cNvGrpSpPr/>
+        <p:nvPr/>
+      </p:nvGrpSpPr>
+      <p:grpSpPr>
+        <a:xfrm>
+          <a:off x="0" y="0"/>
+          <a:ext cx="0" cy="0"/>
+          <a:chOff x="0" y="0"/>
+          <a:chExt cx="0" cy="0"/>
+        </a:xfrm>
+      </p:grpSpPr>
+      <p:sp>
+        <p:nvSpPr>
+          <p:cNvPr id="2" name="Title 1"/>
+          <p:cNvSpPr>
+            <a:spLocks noGrp="1"/>
+          </p:cNvSpPr>
+          <p:nvPr>
+            <p:ph type="title"/>
+          </p:nvPr>
+        </p:nvSpPr>
+        <p:spPr/>
+        <p:txBody>
+          <a:bodyPr/>
+          <a:lstStyle/>
+          <a:p>
+            <a:r>
+              <a:rPr lang="ko-KR" altLang="en-US" smtClean="0"/>
+              <a:t>마스터 제목 스타일 편집</a:t>
+            </a:r>
+            <a:endParaRPr lang="en-US" dirty="0"/>
+          </a:p>
+        </p:txBody>
+      </p:sp>
+      <p:sp>
+        <p:nvSpPr>
+          <p:cNvPr id="3" name="Text Placeholder 2"/>
+          <p:cNvSpPr>
+            <a:spLocks noGrp="1"/>
+          </p:cNvSpPr>
+          <p:nvPr>
+            <p:ph type="body" idx="1"/>
+          </p:nvPr>
+        </p:nvSpPr>
+        <p:spPr>
+          <a:xfrm>
+            <a:off x="1069848" y="2074334"/>
+            <a:ext cx="4754880" cy="640080"/>
+          </a:xfrm>
+        </p:spPr>
+        <p:txBody>
+          <a:bodyPr anchor="ctr">
+            <a:normAutofit/>
+          </a:bodyPr>
+          <a:lstStyle>
+            <a:lvl1pPr marL="0" indent="0" algn="ctr">
+              <a:spcBef>
+                <a:spcPts val="0"/>
+              </a:spcBef>
+              <a:buNone/>
+              <a:defRPr sz="1900" b="0">
+                <a:solidFill>
+                  <a:schemeClr val="tx2"/>
+                </a:solidFill>
+                <a:latin typeface="+mn-lt"/>
+              </a:defRPr>
+            </a:lvl1pPr>
+            <a:lvl2pPr marL="457200" indent="0">
+              <a:buNone/>
+              <a:defRPr sz="1900" b="1"/>
+            </a:lvl2pPr>
+            <a:lvl3pPr marL="914400" indent="0">
+              <a:buNone/>
+              <a:defRPr sz="1800" b="1"/>
+            </a:lvl3pPr>
+            <a:lvl4pPr marL="1371600" indent="0">
+              <a:buNone/>
+              <a:defRPr sz="1600" b="1"/>
+            </a:lvl4pPr>
+            <a:lvl5pPr marL="1828800" indent="0">
+              <a:buNone/>
+              <a:defRPr sz="1600" b="1"/>
+            </a:lvl5pPr>
+            <a:lvl6pPr marL="2286000" indent="0">
+              <a:buNone/>
+              <a:defRPr sz="1600" b="1"/>
+            </a:lvl6pPr>
+            <a:lvl7pPr marL="2743200" indent="0">
+              <a:buNone/>
+              <a:defRPr sz="1600" b="1"/>
+            </a:lvl7pPr>
+            <a:lvl8pPr marL="3200400" indent="0">
+              <a:buNone/>
+              <a:defRPr sz="1600" b="1"/>
+            </a:lvl8pPr>
+            <a:lvl9pPr marL="3657600" indent="0">
+              <a:buNone/>
+              <a:defRPr sz="1600" b="1"/>
+            </a:lvl9pPr>
+          </a:lstStyle>
+          <a:p>
+            <a:pPr lvl="0"/>
+            <a:r>
+              <a:rPr lang="ko-KR" altLang="en-US" smtClean="0"/>
+              <a:t>마스터 텍스트 스타일을 편집합니다</a:t>
+            </a:r>
+          </a:p>
+        </p:txBody>
+      </p:sp>
+      <p:sp>
+        <p:nvSpPr>
+          <p:cNvPr id="4" name="Content Placeholder 3"/>
+          <p:cNvSpPr>
+            <a:spLocks noGrp="1"/>
+          </p:cNvSpPr>
+          <p:nvPr>
+            <p:ph sz="half" idx="2"/>
+          </p:nvPr>
+        </p:nvSpPr>
+        <p:spPr>
+          <a:xfrm>
+            <a:off x="1069848" y="2755898"/>
+            <a:ext cx="4754880" cy="3200400"/>
+          </a:xfrm>
+        </p:spPr>
+        <p:txBody>
+          <a:bodyPr/>
+          <a:lstStyle>
+            <a:lvl1pPr>
+              <a:defRPr sz="1800"/>
+            </a:lvl1pPr>
+            <a:lvl2pPr>
+              <a:defRPr sz="1600"/>
+            </a:lvl2pPr>
+            <a:lvl3pPr>
+              <a:defRPr sz="1400"/>
+            </a:lvl3pPr>
+            <a:lvl4pPr>
+              <a:defRPr sz="1400"/>
+            </a:lvl4pPr>
+            <a:lvl5pPr>
+              <a:defRPr sz="1400"/>
+            </a:lvl5pPr>
+            <a:lvl6pPr>
+              <a:defRPr sz="1400"/>
+            </a:lvl6pPr>
+            <a:lvl7pPr>
+              <a:defRPr sz="1400"/>
+            </a:lvl7pPr>
+            <a:lvl8pPr>
+              <a:defRPr sz="1400"/>
+            </a:lvl8pPr>
+            <a:lvl9pPr>
+              <a:defRPr sz="1400"/>
+            </a:lvl9pPr>
+          </a:lstStyle>
+          <a:p>
+            <a:pPr lvl="0"/>
+            <a:r>
+              <a:rPr lang="ko-KR" altLang="en-US" smtClean="0"/>
+              <a:t>마스터 텍스트 스타일을 편집합니다</a:t>
+            </a:r>
+          </a:p>
+          <a:p>
+            <a:pPr lvl="1"/>
+            <a:r>
+              <a:rPr lang="ko-KR" altLang="en-US" smtClean="0"/>
+              <a:t>둘째 수준</a:t>
+            </a:r>
+          </a:p>
+          <a:p>
+            <a:pPr lvl="2"/>
+            <a:r>
+              <a:rPr lang="ko-KR" altLang="en-US" smtClean="0"/>
+              <a:t>셋째 수준</a:t>
+            </a:r>
+          </a:p>
+          <a:p>
+            <a:pPr lvl="3"/>
+            <a:r>
+              <a:rPr lang="ko-KR" altLang="en-US" smtClean="0"/>
+              <a:t>넷째 수준</a:t>
+            </a:r>
+          </a:p>
+          <a:p>
+            <a:pPr lvl="4"/>
+            <a:r>
+              <a:rPr lang="ko-KR" altLang="en-US" smtClean="0"/>
+              <a:t>다섯째 수준</a:t>
+            </a:r>
+            <a:endParaRPr lang="en-US" dirty="0"/>
+          </a:p>
+        </p:txBody>
+      </p:sp>
+      <p:sp>
+        <p:nvSpPr>
+          <p:cNvPr id="5" name="Text Placeholder 4"/>
+          <p:cNvSpPr>
+            <a:spLocks noGrp="1"/>
+          </p:cNvSpPr>
+          <p:nvPr>
+            <p:ph type="body" sz="quarter" idx="3"/>
+          </p:nvPr>
+        </p:nvSpPr>
+        <p:spPr>
+          <a:xfrm>
+            <a:off x="6373368" y="2074334"/>
+            <a:ext cx="4754880" cy="640080"/>
+          </a:xfrm>
+        </p:spPr>
+        <p:txBody>
+          <a:bodyPr anchor="ctr">
+            <a:normAutofit/>
+          </a:bodyPr>
+          <a:lstStyle>
+            <a:lvl1pPr marL="0" indent="0" algn="ctr">
+              <a:spcBef>
+                <a:spcPts val="0"/>
+              </a:spcBef>
+              <a:buNone/>
+              <a:defRPr sz="1900" b="0">
+                <a:solidFill>
+                  <a:schemeClr val="tx2"/>
+                </a:solidFill>
+              </a:defRPr>
+            </a:lvl1pPr>
+            <a:lvl2pPr marL="457200" indent="0">
+              <a:buNone/>
+              <a:defRPr sz="1900" b="1"/>
+            </a:lvl2pPr>
+            <a:lvl3pPr marL="914400" indent="0">
+              <a:buNone/>
+              <a:defRPr sz="1800" b="1"/>
+            </a:lvl3pPr>
+            <a:lvl4pPr marL="1371600" indent="0">
+              <a:buNone/>
+              <a:defRPr sz="1600" b="1"/>
+            </a:lvl4pPr>
+            <a:lvl5pPr marL="1828800" indent="0">
+              <a:buNone/>
+              <a:defRPr sz="1600" b="1"/>
+            </a:lvl5pPr>
+            <a:lvl6pPr marL="2286000" indent="0">
+              <a:buNone/>
+              <a:defRPr sz="1600" b="1"/>
+            </a:lvl6pPr>
+            <a:lvl7pPr marL="2743200" indent="0">
+              <a:buNone/>
+              <a:defRPr sz="1600" b="1"/>
+            </a:lvl7pPr>
+            <a:lvl8pPr marL="3200400" indent="0">
+              <a:buNone/>
+              <a:defRPr sz="1600" b="1"/>
+            </a:lvl8pPr>
+            <a:lvl9pPr marL="3657600" indent="0">
+              <a:buNone/>
+              <a:defRPr sz="1600" b="1"/>
+            </a:lvl9pPr>
+          </a:lstStyle>
+          <a:p>
+            <a:pPr lvl="0"/>
+            <a:r>
+              <a:rPr lang="ko-KR" altLang="en-US" smtClean="0"/>
+              <a:t>마스터 텍스트 스타일을 편집합니다</a:t>
+            </a:r>
+          </a:p>
+        </p:txBody>
+      </p:sp>
+      <p:sp>
+        <p:nvSpPr>
+          <p:cNvPr id="6" name="Content Placeholder 5"/>
+          <p:cNvSpPr>
+            <a:spLocks noGrp="1"/>
+          </p:cNvSpPr>
+          <p:nvPr>
+            <p:ph sz="quarter" idx="4"/>
+          </p:nvPr>
+        </p:nvSpPr>
+        <p:spPr>
+          <a:xfrm>
+            <a:off x="6373368" y="2756581"/>
+            <a:ext cx="4754880" cy="3200400"/>
+          </a:xfrm>
+        </p:spPr>
+        <p:txBody>
+          <a:bodyPr/>
+          <a:lstStyle>
+            <a:lvl1pPr>
+              <a:defRPr sz="1800"/>
+            </a:lvl1pPr>
+            <a:lvl2pPr>
+              <a:defRPr sz="1600"/>
+            </a:lvl2pPr>
+            <a:lvl3pPr>
+              <a:defRPr sz="1400"/>
+            </a:lvl3pPr>
+            <a:lvl4pPr>
+              <a:defRPr sz="1400"/>
+            </a:lvl4pPr>
+            <a:lvl5pPr>
+              <a:defRPr sz="1400"/>
+            </a:lvl5pPr>
+            <a:lvl6pPr>
+              <a:defRPr sz="1400"/>
+            </a:lvl6pPr>
+            <a:lvl7pPr>
+              <a:defRPr sz="1400"/>
+            </a:lvl7pPr>
+            <a:lvl8pPr>
+              <a:defRPr sz="1400"/>
+            </a:lvl8pPr>
+            <a:lvl9pPr>
+              <a:defRPr sz="1400"/>
+            </a:lvl9pPr>
+          </a:lstStyle>
+          <a:p>
+            <a:pPr lvl="0"/>
+            <a:r>
+              <a:rPr lang="ko-KR" altLang="en-US" smtClean="0"/>
+              <a:t>마스터 텍스트 스타일을 편집합니다</a:t>
+            </a:r>
+          </a:p>
+          <a:p>
+            <a:pPr lvl="1"/>
+            <a:r>
+              <a:rPr lang="ko-KR" altLang="en-US" smtClean="0"/>
+              <a:t>둘째 수준</a:t>
+            </a:r>
+          </a:p>
+          <a:p>
+            <a:pPr lvl="2"/>
+            <a:r>
+              <a:rPr lang="ko-KR" altLang="en-US" smtClean="0"/>
+              <a:t>셋째 수준</a:t>
+            </a:r>
+          </a:p>
+          <a:p>
+            <a:pPr lvl="3"/>
+            <a:r>
+              <a:rPr lang="ko-KR" altLang="en-US" smtClean="0"/>
+              <a:t>넷째 수준</a:t>
+            </a:r>
+          </a:p>
+          <a:p>
+            <a:pPr lvl="4"/>
+            <a:r>
+              <a:rPr lang="ko-KR" altLang="en-US" smtClean="0"/>
+              <a:t>다섯째 수준</a:t>
+            </a:r>
+            <a:endParaRPr lang="en-US" dirty="0"/>
+          </a:p>
+        </p:txBody>
+      </p:sp>
+      <p:sp>
+        <p:nvSpPr>
+          <p:cNvPr id="7" name="Date Placeholder 6"/>
+          <p:cNvSpPr>
+            <a:spLocks noGrp="1"/>
+          </p:cNvSpPr>
+          <p:nvPr>
+            <p:ph type="dt" sz="half" idx="10"/>
+          </p:nvPr>
+        </p:nvSpPr>
+        <p:spPr/>
+        <p:txBody>
+          <a:bodyPr/>
+          <a:lstStyle/>
+          <a:p>
+            <a:fld id="{9512B3E8-48F1-4B23-8498-D8A04A81EC9C}" type="datetimeFigureOut">
+              <a:rPr lang="en-US" smtClean="0"/>
+              <a:t>12/4/2014</a:t>
+            </a:fld>
+            <a:endParaRPr lang="en-US" dirty="0"/>
+          </a:p>
+        </p:txBody>
+      </p:sp>
+      <p:sp>
+        <p:nvSpPr>
+          <p:cNvPr id="8" name="Footer Placeholder 7"/>
+          <p:cNvSpPr>
+            <a:spLocks noGrp="1"/>
+          </p:cNvSpPr>
+          <p:nvPr>
+            <p:ph type="ftr" sz="quarter" idx="11"/>
+          </p:nvPr>
+        </p:nvSpPr>
+        <p:spPr/>
+        <p:txBody>
+          <a:bodyPr/>
+          <a:lstStyle/>
+          <a:p>
+            <a:endParaRPr lang="en-US" dirty="0"/>
+          </a:p>
+        </p:txBody>
+      </p:sp>
+      <p:sp>
+        <p:nvSpPr>
+          <p:cNvPr id="9" name="Slide Number Placeholder 8"/>
+          <p:cNvSpPr>
+            <a:spLocks noGrp="1"/>
+          </p:cNvSpPr>
+          <p:nvPr>
+            <p:ph type="sldNum" sz="quarter" idx="12"/>
+          </p:nvPr>
+        </p:nvSpPr>
+        <p:spPr/>
+        <p:txBody>
+          <a:bodyPr/>
+          <a:lstStyle/>
+          <a:p>
+            <a:fld id="{4FAB73BC-B049-4115-A692-8D63A059BFB8}" type="slidenum">
+              <a:rPr lang="en-US" smtClean="0"/>
+              <a:t>‹#›</a:t>
+            </a:fld>
+            <a:endParaRPr lang="en-US" dirty="0"/>
+          </a:p>
+        </p:txBody>
+      </p:sp>
+    </p:spTree>
+    <p:extLst>
+      <p:ext uri="{BB962C8B-B14F-4D97-AF65-F5344CB8AC3E}">
+        <p14:creationId xmlns:p14="http://schemas.microsoft.com/office/powerpoint/2010/main" val="1911520183"/>
+      </p:ext>
+    </p:extLst>
+  </p:cSld>
+  <p:clrMapOvr>
+    <a:masterClrMapping/>
+  </p:clrMapOvr>
+</p:sldLayout>
+</file>
+
+<file path=ppt/slideLayouts/slideLayout5.xml><?xml version="1.0" encoding="utf-8"?>
+<p:sldLayout xmlns:a="http://schemas.openxmlformats.org/drawingml/2006/main" xmlns:r="http://schemas.openxmlformats.org/officeDocument/2006/relationships" xmlns:p="http://schemas.openxmlformats.org/presentationml/2006/main" type="titleOnly" preserve="1">
+  <p:cSld name="제목만">
+    <p:spTree>
+      <p:nvGrpSpPr>
+        <p:cNvPr id="1" name=""/>
+        <p:cNvGrpSpPr/>
+        <p:nvPr/>
+      </p:nvGrpSpPr>
+      <p:grpSpPr>
+        <a:xfrm>
+          <a:off x="0" y="0"/>
+          <a:ext cx="0" cy="0"/>
+          <a:chOff x="0" y="0"/>
+          <a:chExt cx="0" cy="0"/>
+        </a:xfrm>
+      </p:grpSpPr>
+      <p:sp>
+        <p:nvSpPr>
+          <p:cNvPr id="2" name="Title 1"/>
+          <p:cNvSpPr>
+            <a:spLocks noGrp="1"/>
+          </p:cNvSpPr>
+          <p:nvPr>
+            <p:ph type="title"/>
+          </p:nvPr>
+        </p:nvSpPr>
+        <p:spPr/>
+        <p:txBody>
+          <a:bodyPr/>
+          <a:lstStyle/>
+          <a:p>
+            <a:r>
+              <a:rPr lang="ko-KR" altLang="en-US" smtClean="0"/>
+              <a:t>마스터 제목 스타일 편집</a:t>
+            </a:r>
+            <a:endParaRPr lang="en-US" dirty="0"/>
+          </a:p>
+        </p:txBody>
+      </p:sp>
+      <p:sp>
+        <p:nvSpPr>
+          <p:cNvPr id="3" name="Date Placeholder 2"/>
+          <p:cNvSpPr>
+            <a:spLocks noGrp="1"/>
+          </p:cNvSpPr>
+          <p:nvPr>
+            <p:ph type="dt" sz="half" idx="10"/>
+          </p:nvPr>
+        </p:nvSpPr>
+        <p:spPr/>
+        <p:txBody>
+          <a:bodyPr/>
+          <a:lstStyle/>
+          <a:p>
+            <a:fld id="{10B90D90-AA62-404D-A741-635B4370F9CB}" type="datetimeFigureOut">
+              <a:rPr lang="en-US" smtClean="0"/>
+              <a:t>12/4/2014</a:t>
+            </a:fld>
+            <a:endParaRPr lang="en-US" dirty="0"/>
+          </a:p>
+        </p:txBody>
+      </p:sp>
+      <p:sp>
+        <p:nvSpPr>
+          <p:cNvPr id="4" name="Footer Placeholder 3"/>
+          <p:cNvSpPr>
+            <a:spLocks noGrp="1"/>
+          </p:cNvSpPr>
+          <p:nvPr>
+            <p:ph type="ftr" sz="quarter" idx="11"/>
+          </p:nvPr>
+        </p:nvSpPr>
+        <p:spPr/>
+        <p:txBody>
+          <a:bodyPr/>
+          <a:lstStyle/>
+          <a:p>
+            <a:endParaRPr lang="en-US" dirty="0"/>
+          </a:p>
+        </p:txBody>
+      </p:sp>
+      <p:sp>
+        <p:nvSpPr>
+          <p:cNvPr id="5" name="Slide Number Placeholder 4"/>
+          <p:cNvSpPr>
+            <a:spLocks noGrp="1"/>
+          </p:cNvSpPr>
+          <p:nvPr>
+            <p:ph type="sldNum" sz="quarter" idx="12"/>
+          </p:nvPr>
+        </p:nvSpPr>
+        <p:spPr/>
+        <p:txBody>
+          <a:bodyPr/>
+          <a:lstStyle/>
+          <a:p>
+            <a:fld id="{4FAB73BC-B049-4115-A692-8D63A059BFB8}" type="slidenum">
+              <a:rPr lang="en-US" smtClean="0"/>
+              <a:t>‹#›</a:t>
+            </a:fld>
+            <a:endParaRPr lang="en-US" dirty="0"/>
+          </a:p>
+        </p:txBody>
+      </p:sp>
+    </p:spTree>
+    <p:extLst>
+      <p:ext uri="{BB962C8B-B14F-4D97-AF65-F5344CB8AC3E}">
+        <p14:creationId xmlns:p14="http://schemas.microsoft.com/office/powerpoint/2010/main" val="1258026865"/>
+      </p:ext>
+    </p:extLst>
+  </p:cSld>
+  <p:clrMapOvr>
+    <a:masterClrMapping/>
+  </p:clrMapOvr>
+</p:sldLayout>
+</file>
+
+<file path=ppt/slideLayouts/slideLayout6.xml><?xml version="1.0" encoding="utf-8"?>
+<p:sldLayout xmlns:a="http://schemas.openxmlformats.org/drawingml/2006/main" xmlns:r="http://schemas.openxmlformats.org/officeDocument/2006/relationships" xmlns:p="http://schemas.openxmlformats.org/presentationml/2006/main" type="blank" preserve="1">
+  <p:cSld name="빈 화면">
+    <p:spTree>
+      <p:nvGrpSpPr>
+        <p:cNvPr id="1" name=""/>
+        <p:cNvGrpSpPr/>
+        <p:nvPr/>
+      </p:nvGrpSpPr>
+      <p:grpSpPr>
+        <a:xfrm>
+          <a:off x="0" y="0"/>
+          <a:ext cx="0" cy="0"/>
+          <a:chOff x="0" y="0"/>
+          <a:chExt cx="0" cy="0"/>
+        </a:xfrm>
+      </p:grpSpPr>
+      <p:sp>
+        <p:nvSpPr>
+          <p:cNvPr id="2" name="Date Placeholder 1"/>
+          <p:cNvSpPr>
+            <a:spLocks noGrp="1"/>
+          </p:cNvSpPr>
+          <p:nvPr>
+            <p:ph type="dt" sz="half" idx="10"/>
+          </p:nvPr>
+        </p:nvSpPr>
+        <p:spPr/>
+        <p:txBody>
+          <a:bodyPr/>
+          <a:lstStyle/>
+          <a:p>
+            <a:fld id="{A57002E4-6836-46D1-9DBB-3C27C0DD3A89}" type="datetimeFigureOut">
+              <a:rPr lang="en-US" smtClean="0"/>
+              <a:t>12/4/2014</a:t>
+            </a:fld>
+            <a:endParaRPr lang="en-US" dirty="0"/>
+          </a:p>
+        </p:txBody>
+      </p:sp>
+      <p:sp>
+        <p:nvSpPr>
+          <p:cNvPr id="3" name="Footer Placeholder 2"/>
+          <p:cNvSpPr>
+            <a:spLocks noGrp="1"/>
+          </p:cNvSpPr>
+          <p:nvPr>
+            <p:ph type="ftr" sz="quarter" idx="11"/>
+          </p:nvPr>
+        </p:nvSpPr>
+        <p:spPr/>
+        <p:txBody>
+          <a:bodyPr/>
+          <a:lstStyle/>
+          <a:p>
+            <a:endParaRPr lang="en-US" dirty="0"/>
+          </a:p>
+        </p:txBody>
+      </p:sp>
+      <p:sp>
+        <p:nvSpPr>
+          <p:cNvPr id="4" name="Slide Number Placeholder 3"/>
+          <p:cNvSpPr>
+            <a:spLocks noGrp="1"/>
+          </p:cNvSpPr>
+          <p:nvPr>
+            <p:ph type="sldNum" sz="quarter" idx="12"/>
+          </p:nvPr>
+        </p:nvSpPr>
+        <p:spPr/>
+        <p:txBody>
+          <a:bodyPr/>
+          <a:lstStyle/>
+          <a:p>
+            <a:fld id="{4FAB73BC-B049-4115-A692-8D63A059BFB8}" type="slidenum">
+              <a:rPr lang="en-US" smtClean="0"/>
+              <a:t>‹#›</a:t>
+            </a:fld>
+            <a:endParaRPr lang="en-US" dirty="0"/>
+          </a:p>
+        </p:txBody>
+      </p:sp>
+    </p:spTree>
+    <p:extLst>
+      <p:ext uri="{BB962C8B-B14F-4D97-AF65-F5344CB8AC3E}">
+        <p14:creationId xmlns:p14="http://schemas.microsoft.com/office/powerpoint/2010/main" val="1357674366"/>
+      </p:ext>
+    </p:extLst>
+  </p:cSld>
+  <p:clrMapOvr>
+    <a:masterClrMapping/>
+  </p:clrMapOvr>
+  <p:timing>
+    <p:tnLst>
+      <p:par>
+        <p:cTn id="1" dur="indefinite" restart="never" nodeType="tmRoot"/>
+      </p:par>
+    </p:tnLst>
+  </p:timing>
+</p:sldLayout>
+</file>
+
+<file path=ppt/slideLayouts/slideLayout7.xml><?xml version="1.0" encoding="utf-8"?>
 <p:sldLayout xmlns:a="http://schemas.openxmlformats.org/drawingml/2006/main" xmlns:r="http://schemas.openxmlformats.org/officeDocument/2006/relationships" xmlns:p="http://schemas.openxmlformats.org/presentationml/2006/main" showMasterSp="0" type="objTx" preserve="1">
   <p:cSld name="캡션 있는 콘텐츠">
     <p:spTree>
@@ -1023,8 +2490,8 @@
           <a:lstStyle/>
           <a:p>
             <a:fld id="{1CF131DD-A141-4471-BCF9-C6073EDD7E20}" type="datetimeFigureOut">
-              <a:rPr lang="en-US" dirty="0"/>
-              <a:t>12/2/2014</a:t>
+              <a:rPr lang="en-US" smtClean="0"/>
+              <a:t>12/4/2014</a:t>
             </a:fld>
             <a:endParaRPr lang="en-US" dirty="0"/>
           </a:p>
@@ -1082,7 +2549,7 @@
           </a:lstStyle>
           <a:p>
             <a:fld id="{4FAB73BC-B049-4115-A692-8D63A059BFB8}" type="slidenum">
-              <a:rPr lang="en-US" dirty="0"/>
+              <a:rPr lang="en-US" smtClean="0"/>
               <a:pPr/>
               <a:t>‹#›</a:t>
             </a:fld>
@@ -1130,6 +2597,11 @@
         </p:style>
       </p:sp>
     </p:spTree>
+    <p:extLst>
+      <p:ext uri="{BB962C8B-B14F-4D97-AF65-F5344CB8AC3E}">
+        <p14:creationId xmlns:p14="http://schemas.microsoft.com/office/powerpoint/2010/main" val="3923816266"/>
+      </p:ext>
+    </p:extLst>
   </p:cSld>
   <p:clrMapOvr>
     <a:masterClrMapping/>
@@ -1137,7 +2609,7 @@
 </p:sldLayout>
 </file>
 
-<file path=ppt/slideLayouts/slideLayout11.xml><?xml version="1.0" encoding="utf-8"?>
+<file path=ppt/slideLayouts/slideLayout8.xml><?xml version="1.0" encoding="utf-8"?>
 <p:sldLayout xmlns:a="http://schemas.openxmlformats.org/drawingml/2006/main" xmlns:r="http://schemas.openxmlformats.org/officeDocument/2006/relationships" xmlns:p="http://schemas.openxmlformats.org/presentationml/2006/main" showMasterSp="0" type="picTx" preserve="1">
   <p:cSld name="캡션 있는 그림">
     <p:spTree>
@@ -1413,8 +2885,8 @@
           </a:lstStyle>
           <a:p>
             <a:fld id="{AB334A90-EB03-42F3-8859-2C2B2724C058}" type="datetimeFigureOut">
-              <a:rPr lang="en-US" dirty="0"/>
-              <a:t>12/2/2014</a:t>
+              <a:rPr lang="en-US" smtClean="0"/>
+              <a:t>12/4/2014</a:t>
             </a:fld>
             <a:endParaRPr lang="en-US" dirty="0"/>
           </a:p>
@@ -1486,7 +2958,7 @@
           </a:lstStyle>
           <a:p>
             <a:fld id="{4FAB73BC-B049-4115-A692-8D63A059BFB8}" type="slidenum">
-              <a:rPr lang="en-US" dirty="0"/>
+              <a:rPr lang="en-US" smtClean="0"/>
               <a:pPr/>
               <a:t>‹#›</a:t>
             </a:fld>
@@ -1534,6 +3006,11 @@
         </p:style>
       </p:sp>
     </p:spTree>
+    <p:extLst>
+      <p:ext uri="{BB962C8B-B14F-4D97-AF65-F5344CB8AC3E}">
+        <p14:creationId xmlns:p14="http://schemas.microsoft.com/office/powerpoint/2010/main" val="1107181140"/>
+      </p:ext>
+    </p:extLst>
   </p:cSld>
   <p:clrMapOvr>
     <a:masterClrMapping/>
@@ -1541,7 +3018,7 @@
 </p:sldLayout>
 </file>
 
-<file path=ppt/slideLayouts/slideLayout12.xml><?xml version="1.0" encoding="utf-8"?>
+<file path=ppt/slideLayouts/slideLayout9.xml><?xml version="1.0" encoding="utf-8"?>
 <p:sldLayout xmlns:a="http://schemas.openxmlformats.org/drawingml/2006/main" xmlns:r="http://schemas.openxmlformats.org/officeDocument/2006/relationships" xmlns:p="http://schemas.openxmlformats.org/presentationml/2006/main" type="vertTx" preserve="1">
   <p:cSld name="제목 및 세로 텍스트">
     <p:spTree>
@@ -1649,8 +3126,8 @@
           <a:lstStyle/>
           <a:p>
             <a:fld id="{D11A6AA8-A04B-4104-9AE2-BD48D340E27F}" type="datetimeFigureOut">
-              <a:rPr lang="en-US" dirty="0"/>
-              <a:t>12/2/2014</a:t>
+              <a:rPr lang="en-US" smtClean="0"/>
+              <a:t>12/4/2014</a:t>
             </a:fld>
             <a:endParaRPr lang="en-US" dirty="0"/>
           </a:p>
@@ -1691,544 +3168,7 @@
           <a:lstStyle/>
           <a:p>
             <a:fld id="{4FAB73BC-B049-4115-A692-8D63A059BFB8}" type="slidenum">
-              <a:rPr lang="en-US" dirty="0"/>
-              <a:t>‹#›</a:t>
-            </a:fld>
-            <a:endParaRPr lang="en-US" dirty="0"/>
-          </a:p>
-        </p:txBody>
-      </p:sp>
-    </p:spTree>
-  </p:cSld>
-  <p:clrMapOvr>
-    <a:masterClrMapping/>
-  </p:clrMapOvr>
-</p:sldLayout>
-</file>
-
-<file path=ppt/slideLayouts/slideLayout13.xml><?xml version="1.0" encoding="utf-8"?>
-<p:sldLayout xmlns:a="http://schemas.openxmlformats.org/drawingml/2006/main" xmlns:r="http://schemas.openxmlformats.org/officeDocument/2006/relationships" xmlns:p="http://schemas.openxmlformats.org/presentationml/2006/main" type="vertTitleAndTx" preserve="1">
-  <p:cSld name="세로 제목 및 텍스트">
-    <p:spTree>
-      <p:nvGrpSpPr>
-        <p:cNvPr id="1" name=""/>
-        <p:cNvGrpSpPr/>
-        <p:nvPr/>
-      </p:nvGrpSpPr>
-      <p:grpSpPr>
-        <a:xfrm>
-          <a:off x="0" y="0"/>
-          <a:ext cx="0" cy="0"/>
-          <a:chOff x="0" y="0"/>
-          <a:chExt cx="0" cy="0"/>
-        </a:xfrm>
-      </p:grpSpPr>
-      <p:sp>
-        <p:nvSpPr>
-          <p:cNvPr id="2" name="Vertical Title 1"/>
-          <p:cNvSpPr>
-            <a:spLocks noGrp="1"/>
-          </p:cNvSpPr>
-          <p:nvPr>
-            <p:ph type="title" orient="vert"/>
-          </p:nvPr>
-        </p:nvSpPr>
-        <p:spPr>
-          <a:xfrm>
-            <a:off x="8991600" y="762000"/>
-            <a:ext cx="2362200" cy="5257800"/>
-          </a:xfrm>
-        </p:spPr>
-        <p:txBody>
-          <a:bodyPr vert="eaVert"/>
-          <a:lstStyle/>
-          <a:p>
-            <a:r>
-              <a:rPr lang="ko-KR" altLang="en-US" smtClean="0"/>
-              <a:t>마스터 제목 스타일 편집</a:t>
-            </a:r>
-            <a:endParaRPr lang="en-US" dirty="0"/>
-          </a:p>
-        </p:txBody>
-      </p:sp>
-      <p:sp>
-        <p:nvSpPr>
-          <p:cNvPr id="3" name="Vertical Text Placeholder 2"/>
-          <p:cNvSpPr>
-            <a:spLocks noGrp="1"/>
-          </p:cNvSpPr>
-          <p:nvPr>
-            <p:ph type="body" orient="vert" idx="1"/>
-          </p:nvPr>
-        </p:nvSpPr>
-        <p:spPr>
-          <a:xfrm>
-            <a:off x="838200" y="762000"/>
-            <a:ext cx="8077200" cy="5257800"/>
-          </a:xfrm>
-        </p:spPr>
-        <p:txBody>
-          <a:bodyPr vert="eaVert"/>
-          <a:lstStyle/>
-          <a:p>
-            <a:pPr lvl="0"/>
-            <a:r>
-              <a:rPr lang="ko-KR" altLang="en-US" smtClean="0"/>
-              <a:t>마스터 텍스트 스타일을 편집합니다</a:t>
-            </a:r>
-          </a:p>
-          <a:p>
-            <a:pPr lvl="1"/>
-            <a:r>
-              <a:rPr lang="ko-KR" altLang="en-US" smtClean="0"/>
-              <a:t>둘째 수준</a:t>
-            </a:r>
-          </a:p>
-          <a:p>
-            <a:pPr lvl="2"/>
-            <a:r>
-              <a:rPr lang="ko-KR" altLang="en-US" smtClean="0"/>
-              <a:t>셋째 수준</a:t>
-            </a:r>
-          </a:p>
-          <a:p>
-            <a:pPr lvl="3"/>
-            <a:r>
-              <a:rPr lang="ko-KR" altLang="en-US" smtClean="0"/>
-              <a:t>넷째 수준</a:t>
-            </a:r>
-          </a:p>
-          <a:p>
-            <a:pPr lvl="4"/>
-            <a:r>
-              <a:rPr lang="ko-KR" altLang="en-US" smtClean="0"/>
-              <a:t>다섯째 수준</a:t>
-            </a:r>
-            <a:endParaRPr lang="en-US" dirty="0"/>
-          </a:p>
-        </p:txBody>
-      </p:sp>
-      <p:sp>
-        <p:nvSpPr>
-          <p:cNvPr id="4" name="Date Placeholder 3"/>
-          <p:cNvSpPr>
-            <a:spLocks noGrp="1"/>
-          </p:cNvSpPr>
-          <p:nvPr>
-            <p:ph type="dt" sz="half" idx="10"/>
-          </p:nvPr>
-        </p:nvSpPr>
-        <p:spPr/>
-        <p:txBody>
-          <a:bodyPr/>
-          <a:lstStyle/>
-          <a:p>
-            <a:fld id="{B4E0BF79-FAC6-4A96-8DE1-F7B82E2E1652}" type="datetimeFigureOut">
-              <a:rPr lang="en-US" dirty="0"/>
-              <a:t>12/2/2014</a:t>
-            </a:fld>
-            <a:endParaRPr lang="en-US" dirty="0"/>
-          </a:p>
-        </p:txBody>
-      </p:sp>
-      <p:sp>
-        <p:nvSpPr>
-          <p:cNvPr id="5" name="Footer Placeholder 4"/>
-          <p:cNvSpPr>
-            <a:spLocks noGrp="1"/>
-          </p:cNvSpPr>
-          <p:nvPr>
-            <p:ph type="ftr" sz="quarter" idx="11"/>
-          </p:nvPr>
-        </p:nvSpPr>
-        <p:spPr/>
-        <p:txBody>
-          <a:bodyPr/>
-          <a:lstStyle/>
-          <a:p>
-            <a:endParaRPr lang="en-US" dirty="0"/>
-          </a:p>
-        </p:txBody>
-      </p:sp>
-      <p:sp>
-        <p:nvSpPr>
-          <p:cNvPr id="6" name="Slide Number Placeholder 5"/>
-          <p:cNvSpPr>
-            <a:spLocks noGrp="1"/>
-          </p:cNvSpPr>
-          <p:nvPr>
-            <p:ph type="sldNum" sz="quarter" idx="12"/>
-          </p:nvPr>
-        </p:nvSpPr>
-        <p:spPr/>
-        <p:txBody>
-          <a:bodyPr/>
-          <a:lstStyle/>
-          <a:p>
-            <a:fld id="{4FAB73BC-B049-4115-A692-8D63A059BFB8}" type="slidenum">
-              <a:rPr lang="en-US" dirty="0"/>
-              <a:t>‹#›</a:t>
-            </a:fld>
-            <a:endParaRPr lang="en-US" dirty="0"/>
-          </a:p>
-        </p:txBody>
-      </p:sp>
-    </p:spTree>
-  </p:cSld>
-  <p:clrMapOvr>
-    <a:masterClrMapping/>
-  </p:clrMapOvr>
-</p:sldLayout>
-</file>
-
-<file path=ppt/slideLayouts/slideLayout2.xml><?xml version="1.0" encoding="utf-8"?>
-<p:sldLayout xmlns:a="http://schemas.openxmlformats.org/drawingml/2006/main" xmlns:r="http://schemas.openxmlformats.org/officeDocument/2006/relationships" xmlns:p="http://schemas.openxmlformats.org/presentationml/2006/main" showMasterSp="0" type="title" preserve="1">
-  <p:cSld name="1_제목 슬라이드">
-    <p:bg>
-      <p:bgRef idx="1002">
-        <a:schemeClr val="bg2"/>
-      </p:bgRef>
-    </p:bg>
-    <p:spTree>
-      <p:nvGrpSpPr>
-        <p:cNvPr id="1" name=""/>
-        <p:cNvGrpSpPr/>
-        <p:nvPr/>
-      </p:nvGrpSpPr>
-      <p:grpSpPr>
-        <a:xfrm>
-          <a:off x="0" y="0"/>
-          <a:ext cx="0" cy="0"/>
-          <a:chOff x="0" y="0"/>
-          <a:chExt cx="0" cy="0"/>
-        </a:xfrm>
-      </p:grpSpPr>
-      <p:sp>
-        <p:nvSpPr>
-          <p:cNvPr id="16" name="Rectangle 15"/>
-          <p:cNvSpPr/>
-          <p:nvPr userDrawn="1"/>
-        </p:nvSpPr>
-        <p:spPr>
-          <a:xfrm>
-            <a:off x="0" y="0"/>
-            <a:ext cx="12192000" cy="6858000"/>
-          </a:xfrm>
-          <a:prstGeom prst="rect">
-            <a:avLst/>
-          </a:prstGeom>
-          <a:solidFill>
-            <a:srgbClr val="EEEEEE"/>
-          </a:solidFill>
-          <a:ln>
-            <a:noFill/>
-          </a:ln>
-        </p:spPr>
-        <p:style>
-          <a:lnRef idx="2">
-            <a:schemeClr val="accent1">
-              <a:shade val="50000"/>
-            </a:schemeClr>
-          </a:lnRef>
-          <a:fillRef idx="1">
-            <a:schemeClr val="accent1"/>
-          </a:fillRef>
-          <a:effectRef idx="0">
-            <a:schemeClr val="accent1"/>
-          </a:effectRef>
-          <a:fontRef idx="minor">
-            <a:schemeClr val="lt1"/>
-          </a:fontRef>
-        </p:style>
-      </p:sp>
-      <p:sp>
-        <p:nvSpPr>
-          <p:cNvPr id="10" name="Rectangle 9"/>
-          <p:cNvSpPr/>
-          <p:nvPr userDrawn="1"/>
-        </p:nvSpPr>
-        <p:spPr>
-          <a:xfrm>
-            <a:off x="1307870" y="1267730"/>
-            <a:ext cx="9576262" cy="4307950"/>
-          </a:xfrm>
-          <a:prstGeom prst="rect">
-            <a:avLst/>
-          </a:prstGeom>
-          <a:solidFill>
-            <a:schemeClr val="bg1"/>
-          </a:solidFill>
-          <a:ln w="6350" cap="flat" cmpd="sng" algn="ctr">
-            <a:noFill/>
-            <a:prstDash val="solid"/>
-          </a:ln>
-          <a:effectLst>
-            <a:outerShdw blurRad="50800" algn="ctr" rotWithShape="0">
-              <a:prstClr val="black">
-                <a:alpha val="66000"/>
-              </a:prstClr>
-            </a:outerShdw>
-            <a:softEdge rad="0"/>
-          </a:effectLst>
-        </p:spPr>
-      </p:sp>
-      <p:sp>
-        <p:nvSpPr>
-          <p:cNvPr id="11" name="Rectangle 10"/>
-          <p:cNvSpPr/>
-          <p:nvPr/>
-        </p:nvSpPr>
-        <p:spPr>
-          <a:xfrm>
-            <a:off x="1447801" y="1411615"/>
-            <a:ext cx="9296400" cy="4034770"/>
-          </a:xfrm>
-          <a:prstGeom prst="rect">
-            <a:avLst/>
-          </a:prstGeom>
-          <a:noFill/>
-          <a:ln w="6350" cap="sq" cmpd="sng" algn="ctr">
-            <a:solidFill>
-              <a:schemeClr val="tx1">
-                <a:lumMod val="75000"/>
-                <a:lumOff val="25000"/>
-              </a:schemeClr>
-            </a:solidFill>
-            <a:prstDash val="solid"/>
-            <a:miter lim="800000"/>
-          </a:ln>
-          <a:effectLst/>
-        </p:spPr>
-      </p:sp>
-      <p:sp>
-        <p:nvSpPr>
-          <p:cNvPr id="15" name="Rectangle 14"/>
-          <p:cNvSpPr/>
-          <p:nvPr userDrawn="1"/>
-        </p:nvSpPr>
-        <p:spPr>
-          <a:xfrm>
-            <a:off x="5135880" y="1267730"/>
-            <a:ext cx="1920240" cy="731520"/>
-          </a:xfrm>
-          <a:prstGeom prst="rect">
-            <a:avLst/>
-          </a:prstGeom>
-          <a:noFill/>
-          <a:ln>
-            <a:noFill/>
-          </a:ln>
-        </p:spPr>
-        <p:style>
-          <a:lnRef idx="2">
-            <a:schemeClr val="accent1">
-              <a:shade val="50000"/>
-            </a:schemeClr>
-          </a:lnRef>
-          <a:fillRef idx="1">
-            <a:schemeClr val="accent1"/>
-          </a:fillRef>
-          <a:effectRef idx="0">
-            <a:schemeClr val="accent1"/>
-          </a:effectRef>
-          <a:fontRef idx="minor">
-            <a:schemeClr val="lt1"/>
-          </a:fontRef>
-        </p:style>
-      </p:sp>
-      <p:sp>
-        <p:nvSpPr>
-          <p:cNvPr id="2" name="Title 1"/>
-          <p:cNvSpPr>
-            <a:spLocks noGrp="1"/>
-          </p:cNvSpPr>
-          <p:nvPr>
-            <p:ph type="ctrTitle"/>
-          </p:nvPr>
-        </p:nvSpPr>
-        <p:spPr>
-          <a:xfrm>
-            <a:off x="1561708" y="2091263"/>
-            <a:ext cx="9068586" cy="2138110"/>
-          </a:xfrm>
-        </p:spPr>
-        <p:txBody>
-          <a:bodyPr tIns="45720" bIns="45720" anchor="ctr">
-            <a:noAutofit/>
-          </a:bodyPr>
-          <a:lstStyle>
-            <a:lvl1pPr algn="ctr">
-              <a:lnSpc>
-                <a:spcPct val="83000"/>
-              </a:lnSpc>
-              <a:defRPr lang="en-US" sz="7200" b="0" kern="1200" cap="all" spc="-100" baseline="0" dirty="0">
-                <a:solidFill>
-                  <a:schemeClr val="tx1">
-                    <a:lumMod val="85000"/>
-                    <a:lumOff val="15000"/>
-                  </a:schemeClr>
-                </a:solidFill>
-                <a:effectLst/>
-                <a:latin typeface="+mj-ea"/>
-                <a:ea typeface="+mj-ea"/>
-                <a:cs typeface="+mn-cs"/>
-              </a:defRPr>
-            </a:lvl1pPr>
-          </a:lstStyle>
-          <a:p>
-            <a:r>
-              <a:rPr lang="ko-KR" altLang="en-US" dirty="0" smtClean="0"/>
-              <a:t>마스터 제목 스타일 편집</a:t>
-            </a:r>
-            <a:endParaRPr lang="en-US" dirty="0"/>
-          </a:p>
-        </p:txBody>
-      </p:sp>
-      <p:sp>
-        <p:nvSpPr>
-          <p:cNvPr id="3" name="Subtitle 2"/>
-          <p:cNvSpPr>
-            <a:spLocks noGrp="1"/>
-          </p:cNvSpPr>
-          <p:nvPr>
-            <p:ph type="subTitle" idx="1"/>
-          </p:nvPr>
-        </p:nvSpPr>
-        <p:spPr>
-          <a:xfrm>
-            <a:off x="1562100" y="4236098"/>
-            <a:ext cx="9070848" cy="903165"/>
-          </a:xfrm>
-        </p:spPr>
-        <p:txBody>
-          <a:bodyPr anchor="ctr">
-            <a:normAutofit/>
-          </a:bodyPr>
-          <a:lstStyle>
-            <a:lvl1pPr marL="0" indent="0" algn="ctr">
-              <a:spcBef>
-                <a:spcPts val="0"/>
-              </a:spcBef>
-              <a:buNone/>
-              <a:defRPr sz="4000" spc="80" baseline="0">
-                <a:solidFill>
-                  <a:schemeClr val="tx1"/>
-                </a:solidFill>
-                <a:latin typeface="+mj-ea"/>
-                <a:ea typeface="+mj-ea"/>
-              </a:defRPr>
-            </a:lvl1pPr>
-            <a:lvl2pPr marL="457200" indent="0" algn="ctr">
-              <a:buNone/>
-              <a:defRPr sz="1600"/>
-            </a:lvl2pPr>
-            <a:lvl3pPr marL="914400" indent="0" algn="ctr">
-              <a:buNone/>
-              <a:defRPr sz="1600"/>
-            </a:lvl3pPr>
-            <a:lvl4pPr marL="1371600" indent="0" algn="ctr">
-              <a:buNone/>
-              <a:defRPr sz="1600"/>
-            </a:lvl4pPr>
-            <a:lvl5pPr marL="1828800" indent="0" algn="ctr">
-              <a:buNone/>
-              <a:defRPr sz="1600"/>
-            </a:lvl5pPr>
-            <a:lvl6pPr marL="2286000" indent="0" algn="ctr">
-              <a:buNone/>
-              <a:defRPr sz="1600"/>
-            </a:lvl6pPr>
-            <a:lvl7pPr marL="2743200" indent="0" algn="ctr">
-              <a:buNone/>
-              <a:defRPr sz="1600"/>
-            </a:lvl7pPr>
-            <a:lvl8pPr marL="3200400" indent="0" algn="ctr">
-              <a:buNone/>
-              <a:defRPr sz="1600"/>
-            </a:lvl8pPr>
-            <a:lvl9pPr marL="3657600" indent="0" algn="ctr">
-              <a:buNone/>
-              <a:defRPr sz="1600"/>
-            </a:lvl9pPr>
-          </a:lstStyle>
-          <a:p>
-            <a:r>
-              <a:rPr lang="ko-KR" altLang="en-US" dirty="0" smtClean="0"/>
-              <a:t>마스터 부제목 스타일 편집</a:t>
-            </a:r>
-            <a:endParaRPr lang="en-US" dirty="0"/>
-          </a:p>
-        </p:txBody>
-      </p:sp>
-      <p:sp>
-        <p:nvSpPr>
-          <p:cNvPr id="21" name="Footer Placeholder 20"/>
-          <p:cNvSpPr>
-            <a:spLocks noGrp="1"/>
-          </p:cNvSpPr>
-          <p:nvPr>
-            <p:ph type="ftr" sz="quarter" idx="11"/>
-          </p:nvPr>
-        </p:nvSpPr>
-        <p:spPr>
-          <a:xfrm>
-            <a:off x="1453896" y="5211060"/>
-            <a:ext cx="5905500" cy="228600"/>
-          </a:xfrm>
-        </p:spPr>
-        <p:txBody>
-          <a:bodyPr/>
-          <a:lstStyle>
-            <a:lvl1pPr algn="l">
-              <a:defRPr>
-                <a:solidFill>
-                  <a:schemeClr val="tx1">
-                    <a:lumMod val="75000"/>
-                    <a:lumOff val="25000"/>
-                  </a:schemeClr>
-                </a:solidFill>
-              </a:defRPr>
-            </a:lvl1pPr>
-          </a:lstStyle>
-          <a:p>
-            <a:endParaRPr lang="en-US" dirty="0"/>
-          </a:p>
-        </p:txBody>
-      </p:sp>
-      <p:sp>
-        <p:nvSpPr>
-          <p:cNvPr id="22" name="Slide Number Placeholder 21"/>
-          <p:cNvSpPr>
-            <a:spLocks noGrp="1"/>
-          </p:cNvSpPr>
-          <p:nvPr>
-            <p:ph type="sldNum" sz="quarter" idx="12"/>
-          </p:nvPr>
-        </p:nvSpPr>
-        <p:spPr>
-          <a:xfrm>
-            <a:off x="8606919" y="5212080"/>
-            <a:ext cx="2111881" cy="228600"/>
-          </a:xfrm>
-        </p:spPr>
-        <p:txBody>
-          <a:bodyPr/>
-          <a:lstStyle>
-            <a:lvl1pPr>
-              <a:defRPr>
-                <a:solidFill>
-                  <a:schemeClr val="tx1">
-                    <a:lumMod val="75000"/>
-                    <a:lumOff val="25000"/>
-                  </a:schemeClr>
-                </a:solidFill>
-              </a:defRPr>
-            </a:lvl1pPr>
-          </a:lstStyle>
-          <a:p>
-            <a:fld id="{4FAB73BC-B049-4115-A692-8D63A059BFB8}" type="slidenum">
-              <a:rPr lang="en-US" dirty="0"/>
-              <a:pPr/>
+              <a:rPr lang="en-US" smtClean="0"/>
               <a:t>‹#›</a:t>
             </a:fld>
             <a:endParaRPr lang="en-US" dirty="0"/>
@@ -2238,1963 +3178,13 @@
     </p:spTree>
     <p:extLst>
       <p:ext uri="{BB962C8B-B14F-4D97-AF65-F5344CB8AC3E}">
-        <p14:creationId xmlns:p14="http://schemas.microsoft.com/office/powerpoint/2010/main" val="322692867"/>
+        <p14:creationId xmlns:p14="http://schemas.microsoft.com/office/powerpoint/2010/main" val="4167429114"/>
       </p:ext>
     </p:extLst>
   </p:cSld>
   <p:clrMapOvr>
-    <a:overrideClrMapping bg1="lt1" tx1="dk1" bg2="lt2" tx2="dk2" accent1="accent1" accent2="accent2" accent3="accent3" accent4="accent4" accent5="accent5" accent6="accent6" hlink="hlink" folHlink="folHlink"/>
-  </p:clrMapOvr>
-  <p:timing>
-    <p:tnLst>
-      <p:par>
-        <p:cTn id="1" dur="indefinite" restart="never" nodeType="tmRoot"/>
-      </p:par>
-    </p:tnLst>
-  </p:timing>
-</p:sldLayout>
-</file>
-
-<file path=ppt/slideLayouts/slideLayout3.xml><?xml version="1.0" encoding="utf-8"?>
-<p:sldLayout xmlns:a="http://schemas.openxmlformats.org/drawingml/2006/main" xmlns:r="http://schemas.openxmlformats.org/officeDocument/2006/relationships" xmlns:p="http://schemas.openxmlformats.org/presentationml/2006/main" showMasterSp="0" preserve="1" userDrawn="1">
-  <p:cSld name="3_제목 슬라이드">
-    <p:bg>
-      <p:bgRef idx="1002">
-        <a:schemeClr val="bg2"/>
-      </p:bgRef>
-    </p:bg>
-    <p:spTree>
-      <p:nvGrpSpPr>
-        <p:cNvPr id="1" name=""/>
-        <p:cNvGrpSpPr/>
-        <p:nvPr/>
-      </p:nvGrpSpPr>
-      <p:grpSpPr>
-        <a:xfrm>
-          <a:off x="0" y="0"/>
-          <a:ext cx="0" cy="0"/>
-          <a:chOff x="0" y="0"/>
-          <a:chExt cx="0" cy="0"/>
-        </a:xfrm>
-      </p:grpSpPr>
-      <p:sp>
-        <p:nvSpPr>
-          <p:cNvPr id="16" name="Rectangle 15"/>
-          <p:cNvSpPr/>
-          <p:nvPr userDrawn="1"/>
-        </p:nvSpPr>
-        <p:spPr>
-          <a:xfrm>
-            <a:off x="0" y="0"/>
-            <a:ext cx="12192000" cy="6858000"/>
-          </a:xfrm>
-          <a:prstGeom prst="rect">
-            <a:avLst/>
-          </a:prstGeom>
-          <a:solidFill>
-            <a:srgbClr val="EEEEEE"/>
-          </a:solidFill>
-          <a:ln>
-            <a:noFill/>
-          </a:ln>
-        </p:spPr>
-        <p:style>
-          <a:lnRef idx="2">
-            <a:schemeClr val="accent1">
-              <a:shade val="50000"/>
-            </a:schemeClr>
-          </a:lnRef>
-          <a:fillRef idx="1">
-            <a:schemeClr val="accent1"/>
-          </a:fillRef>
-          <a:effectRef idx="0">
-            <a:schemeClr val="accent1"/>
-          </a:effectRef>
-          <a:fontRef idx="minor">
-            <a:schemeClr val="lt1"/>
-          </a:fontRef>
-        </p:style>
-      </p:sp>
-      <p:sp>
-        <p:nvSpPr>
-          <p:cNvPr id="15" name="Rectangle 14"/>
-          <p:cNvSpPr/>
-          <p:nvPr userDrawn="1"/>
-        </p:nvSpPr>
-        <p:spPr>
-          <a:xfrm>
-            <a:off x="5135880" y="1267730"/>
-            <a:ext cx="1920240" cy="731520"/>
-          </a:xfrm>
-          <a:prstGeom prst="rect">
-            <a:avLst/>
-          </a:prstGeom>
-          <a:noFill/>
-          <a:ln>
-            <a:noFill/>
-          </a:ln>
-        </p:spPr>
-        <p:style>
-          <a:lnRef idx="2">
-            <a:schemeClr val="accent1">
-              <a:shade val="50000"/>
-            </a:schemeClr>
-          </a:lnRef>
-          <a:fillRef idx="1">
-            <a:schemeClr val="accent1"/>
-          </a:fillRef>
-          <a:effectRef idx="0">
-            <a:schemeClr val="accent1"/>
-          </a:effectRef>
-          <a:fontRef idx="minor">
-            <a:schemeClr val="lt1"/>
-          </a:fontRef>
-        </p:style>
-      </p:sp>
-      <p:sp>
-        <p:nvSpPr>
-          <p:cNvPr id="2" name="Title 1"/>
-          <p:cNvSpPr>
-            <a:spLocks noGrp="1"/>
-          </p:cNvSpPr>
-          <p:nvPr>
-            <p:ph type="ctrTitle"/>
-          </p:nvPr>
-        </p:nvSpPr>
-        <p:spPr>
-          <a:xfrm>
-            <a:off x="545430" y="834945"/>
-            <a:ext cx="11217945" cy="3308430"/>
-          </a:xfrm>
-        </p:spPr>
-        <p:txBody>
-          <a:bodyPr tIns="45720" bIns="45720" anchor="ctr">
-            <a:noAutofit/>
-          </a:bodyPr>
-          <a:lstStyle>
-            <a:lvl1pPr algn="l">
-              <a:lnSpc>
-                <a:spcPct val="83000"/>
-              </a:lnSpc>
-              <a:defRPr lang="en-US" sz="13800" b="0" kern="1200" cap="none" spc="-100" baseline="0" dirty="0">
-                <a:solidFill>
-                  <a:srgbClr val="333333"/>
-                </a:solidFill>
-                <a:effectLst/>
-                <a:latin typeface="+mj-ea"/>
-                <a:ea typeface="+mj-ea"/>
-                <a:cs typeface="+mn-cs"/>
-              </a:defRPr>
-            </a:lvl1pPr>
-          </a:lstStyle>
-          <a:p>
-            <a:r>
-              <a:rPr lang="ko-KR" altLang="en-US" dirty="0" smtClean="0"/>
-              <a:t>마스터 제목 스타일 편집</a:t>
-            </a:r>
-            <a:endParaRPr lang="en-US" dirty="0"/>
-          </a:p>
-        </p:txBody>
-      </p:sp>
-      <p:sp>
-        <p:nvSpPr>
-          <p:cNvPr id="4" name="직사각형 3"/>
-          <p:cNvSpPr/>
-          <p:nvPr userDrawn="1"/>
-        </p:nvSpPr>
-        <p:spPr>
-          <a:xfrm>
-            <a:off x="545431" y="4714875"/>
-            <a:ext cx="11217944" cy="1657350"/>
-          </a:xfrm>
-          <a:prstGeom prst="rect">
-            <a:avLst/>
-          </a:prstGeom>
-          <a:solidFill>
-            <a:srgbClr val="333333"/>
-          </a:solidFill>
-          <a:ln>
-            <a:noFill/>
-          </a:ln>
-        </p:spPr>
-        <p:style>
-          <a:lnRef idx="2">
-            <a:schemeClr val="accent1">
-              <a:shade val="50000"/>
-            </a:schemeClr>
-          </a:lnRef>
-          <a:fillRef idx="1">
-            <a:schemeClr val="accent1"/>
-          </a:fillRef>
-          <a:effectRef idx="0">
-            <a:schemeClr val="accent1"/>
-          </a:effectRef>
-          <a:fontRef idx="minor">
-            <a:schemeClr val="lt1"/>
-          </a:fontRef>
-        </p:style>
-        <p:txBody>
-          <a:bodyPr rot="0" spcFirstLastPara="0" vertOverflow="overflow" horzOverflow="overflow" vert="horz" wrap="square" lIns="91440" tIns="45720" rIns="91440" bIns="45720" numCol="1" spcCol="0" rtlCol="0" fromWordArt="0" anchor="ctr" anchorCtr="0" forceAA="0" compatLnSpc="1">
-            <a:prstTxWarp prst="textNoShape">
-              <a:avLst/>
-            </a:prstTxWarp>
-            <a:noAutofit/>
-          </a:bodyPr>
-          <a:lstStyle/>
-          <a:p>
-            <a:pPr algn="ctr"/>
-            <a:endParaRPr lang="ko-KR" altLang="en-US" dirty="0">
-              <a:solidFill>
-                <a:schemeClr val="tx1"/>
-              </a:solidFill>
-            </a:endParaRPr>
-          </a:p>
-        </p:txBody>
-      </p:sp>
-      <p:sp>
-        <p:nvSpPr>
-          <p:cNvPr id="5" name="TextBox 4"/>
-          <p:cNvSpPr txBox="1"/>
-          <p:nvPr userDrawn="1"/>
-        </p:nvSpPr>
-        <p:spPr>
-          <a:xfrm>
-            <a:off x="819150" y="4648200"/>
-            <a:ext cx="11191875" cy="2015936"/>
-          </a:xfrm>
-          <a:prstGeom prst="rect">
-            <a:avLst/>
-          </a:prstGeom>
-          <a:noFill/>
-        </p:spPr>
-        <p:txBody>
-          <a:bodyPr wrap="square" rtlCol="0">
-            <a:spAutoFit/>
-          </a:bodyPr>
-          <a:lstStyle/>
-          <a:p>
-            <a:r>
-              <a:rPr lang="en-US" altLang="ko-KR" sz="12500" dirty="0" smtClean="0">
-                <a:solidFill>
-                  <a:srgbClr val="EEEEEE"/>
-                </a:solidFill>
-                <a:latin typeface="+mj-lt"/>
-              </a:rPr>
-              <a:t>Data</a:t>
-            </a:r>
-            <a:r>
-              <a:rPr lang="en-US" altLang="ko-KR" sz="12500" baseline="0" dirty="0" smtClean="0">
-                <a:solidFill>
-                  <a:srgbClr val="EEEEEE"/>
-                </a:solidFill>
-                <a:latin typeface="+mj-lt"/>
-              </a:rPr>
-              <a:t> Structure</a:t>
-            </a:r>
-            <a:endParaRPr lang="ko-KR" altLang="en-US" sz="12500" dirty="0">
-              <a:solidFill>
-                <a:srgbClr val="EEEEEE"/>
-              </a:solidFill>
-              <a:latin typeface="+mj-lt"/>
-            </a:endParaRPr>
-          </a:p>
-        </p:txBody>
-      </p:sp>
-    </p:spTree>
-    <p:extLst>
-      <p:ext uri="{BB962C8B-B14F-4D97-AF65-F5344CB8AC3E}">
-        <p14:creationId xmlns:p14="http://schemas.microsoft.com/office/powerpoint/2010/main" val="3200943926"/>
-      </p:ext>
-    </p:extLst>
-  </p:cSld>
-  <p:clrMapOvr>
-    <a:overrideClrMapping bg1="lt1" tx1="dk1" bg2="lt2" tx2="dk2" accent1="accent1" accent2="accent2" accent3="accent3" accent4="accent4" accent5="accent5" accent6="accent6" hlink="hlink" folHlink="folHlink"/>
-  </p:clrMapOvr>
-  <p:timing>
-    <p:tnLst>
-      <p:par>
-        <p:cTn id="1" dur="indefinite" restart="never" nodeType="tmRoot"/>
-      </p:par>
-    </p:tnLst>
-  </p:timing>
-</p:sldLayout>
-</file>
-
-<file path=ppt/slideLayouts/slideLayout4.xml><?xml version="1.0" encoding="utf-8"?>
-<p:sldLayout xmlns:a="http://schemas.openxmlformats.org/drawingml/2006/main" xmlns:r="http://schemas.openxmlformats.org/officeDocument/2006/relationships" xmlns:p="http://schemas.openxmlformats.org/presentationml/2006/main" type="obj" preserve="1">
-  <p:cSld name="제목 및 내용">
-    <p:spTree>
-      <p:nvGrpSpPr>
-        <p:cNvPr id="1" name=""/>
-        <p:cNvGrpSpPr/>
-        <p:nvPr/>
-      </p:nvGrpSpPr>
-      <p:grpSpPr>
-        <a:xfrm>
-          <a:off x="0" y="0"/>
-          <a:ext cx="0" cy="0"/>
-          <a:chOff x="0" y="0"/>
-          <a:chExt cx="0" cy="0"/>
-        </a:xfrm>
-      </p:grpSpPr>
-      <p:sp>
-        <p:nvSpPr>
-          <p:cNvPr id="2" name="Title 1"/>
-          <p:cNvSpPr>
-            <a:spLocks noGrp="1"/>
-          </p:cNvSpPr>
-          <p:nvPr>
-            <p:ph type="title"/>
-          </p:nvPr>
-        </p:nvSpPr>
-        <p:spPr/>
-        <p:txBody>
-          <a:bodyPr/>
-          <a:lstStyle/>
-          <a:p>
-            <a:r>
-              <a:rPr lang="ko-KR" altLang="en-US" smtClean="0"/>
-              <a:t>마스터 제목 스타일 편집</a:t>
-            </a:r>
-            <a:endParaRPr lang="en-US" dirty="0"/>
-          </a:p>
-        </p:txBody>
-      </p:sp>
-      <p:sp>
-        <p:nvSpPr>
-          <p:cNvPr id="3" name="Content Placeholder 2"/>
-          <p:cNvSpPr>
-            <a:spLocks noGrp="1"/>
-          </p:cNvSpPr>
-          <p:nvPr>
-            <p:ph idx="1"/>
-          </p:nvPr>
-        </p:nvSpPr>
-        <p:spPr/>
-        <p:txBody>
-          <a:bodyPr/>
-          <a:lstStyle/>
-          <a:p>
-            <a:pPr lvl="0"/>
-            <a:r>
-              <a:rPr lang="ko-KR" altLang="en-US" smtClean="0"/>
-              <a:t>마스터 텍스트 스타일을 편집합니다</a:t>
-            </a:r>
-          </a:p>
-          <a:p>
-            <a:pPr lvl="1"/>
-            <a:r>
-              <a:rPr lang="ko-KR" altLang="en-US" smtClean="0"/>
-              <a:t>둘째 수준</a:t>
-            </a:r>
-          </a:p>
-          <a:p>
-            <a:pPr lvl="2"/>
-            <a:r>
-              <a:rPr lang="ko-KR" altLang="en-US" smtClean="0"/>
-              <a:t>셋째 수준</a:t>
-            </a:r>
-          </a:p>
-          <a:p>
-            <a:pPr lvl="3"/>
-            <a:r>
-              <a:rPr lang="ko-KR" altLang="en-US" smtClean="0"/>
-              <a:t>넷째 수준</a:t>
-            </a:r>
-          </a:p>
-          <a:p>
-            <a:pPr lvl="4"/>
-            <a:r>
-              <a:rPr lang="ko-KR" altLang="en-US" smtClean="0"/>
-              <a:t>다섯째 수준</a:t>
-            </a:r>
-            <a:endParaRPr lang="en-US" dirty="0"/>
-          </a:p>
-        </p:txBody>
-      </p:sp>
-      <p:sp>
-        <p:nvSpPr>
-          <p:cNvPr id="7" name="Date Placeholder 6"/>
-          <p:cNvSpPr>
-            <a:spLocks noGrp="1"/>
-          </p:cNvSpPr>
-          <p:nvPr>
-            <p:ph type="dt" sz="half" idx="10"/>
-          </p:nvPr>
-        </p:nvSpPr>
-        <p:spPr/>
-        <p:txBody>
-          <a:bodyPr/>
-          <a:lstStyle/>
-          <a:p>
-            <a:fld id="{82FF5DD9-2C52-442D-92E2-8072C0C3D7CD}" type="datetimeFigureOut">
-              <a:rPr lang="en-US" dirty="0"/>
-              <a:t>12/2/2014</a:t>
-            </a:fld>
-            <a:endParaRPr lang="en-US" dirty="0"/>
-          </a:p>
-        </p:txBody>
-      </p:sp>
-      <p:sp>
-        <p:nvSpPr>
-          <p:cNvPr id="8" name="Footer Placeholder 7"/>
-          <p:cNvSpPr>
-            <a:spLocks noGrp="1"/>
-          </p:cNvSpPr>
-          <p:nvPr>
-            <p:ph type="ftr" sz="quarter" idx="11"/>
-          </p:nvPr>
-        </p:nvSpPr>
-        <p:spPr/>
-        <p:txBody>
-          <a:bodyPr/>
-          <a:lstStyle/>
-          <a:p>
-            <a:endParaRPr lang="en-US" dirty="0"/>
-          </a:p>
-        </p:txBody>
-      </p:sp>
-      <p:sp>
-        <p:nvSpPr>
-          <p:cNvPr id="9" name="Slide Number Placeholder 8"/>
-          <p:cNvSpPr>
-            <a:spLocks noGrp="1"/>
-          </p:cNvSpPr>
-          <p:nvPr>
-            <p:ph type="sldNum" sz="quarter" idx="12"/>
-          </p:nvPr>
-        </p:nvSpPr>
-        <p:spPr/>
-        <p:txBody>
-          <a:bodyPr/>
-          <a:lstStyle/>
-          <a:p>
-            <a:fld id="{4FAB73BC-B049-4115-A692-8D63A059BFB8}" type="slidenum">
-              <a:rPr lang="en-US" dirty="0"/>
-              <a:pPr/>
-              <a:t>‹#›</a:t>
-            </a:fld>
-            <a:endParaRPr lang="en-US" dirty="0"/>
-          </a:p>
-        </p:txBody>
-      </p:sp>
-    </p:spTree>
-  </p:cSld>
-  <p:clrMapOvr>
     <a:masterClrMapping/>
   </p:clrMapOvr>
-  <p:timing>
-    <p:tnLst>
-      <p:par>
-        <p:cTn id="1" dur="indefinite" restart="never" nodeType="tmRoot"/>
-      </p:par>
-    </p:tnLst>
-  </p:timing>
-</p:sldLayout>
-</file>
-
-<file path=ppt/slideLayouts/slideLayout5.xml><?xml version="1.0" encoding="utf-8"?>
-<p:sldLayout xmlns:a="http://schemas.openxmlformats.org/drawingml/2006/main" xmlns:r="http://schemas.openxmlformats.org/officeDocument/2006/relationships" xmlns:p="http://schemas.openxmlformats.org/presentationml/2006/main" showMasterSp="0" type="secHead" preserve="1">
-  <p:cSld name="구역 머리글">
-    <p:bg>
-      <p:bgRef idx="1002">
-        <a:schemeClr val="bg2"/>
-      </p:bgRef>
-    </p:bg>
-    <p:spTree>
-      <p:nvGrpSpPr>
-        <p:cNvPr id="1" name=""/>
-        <p:cNvGrpSpPr/>
-        <p:nvPr/>
-      </p:nvGrpSpPr>
-      <p:grpSpPr>
-        <a:xfrm>
-          <a:off x="0" y="0"/>
-          <a:ext cx="0" cy="0"/>
-          <a:chOff x="0" y="0"/>
-          <a:chExt cx="0" cy="0"/>
-        </a:xfrm>
-      </p:grpSpPr>
-      <p:sp>
-        <p:nvSpPr>
-          <p:cNvPr id="22" name="Rectangle 21"/>
-          <p:cNvSpPr/>
-          <p:nvPr/>
-        </p:nvSpPr>
-        <p:spPr>
-          <a:xfrm>
-            <a:off x="0" y="0"/>
-            <a:ext cx="12192000" cy="6858000"/>
-          </a:xfrm>
-          <a:prstGeom prst="rect">
-            <a:avLst/>
-          </a:prstGeom>
-          <a:blipFill dpi="0" rotWithShape="1">
-            <a:blip r:embed="rId2">
-              <a:alphaModFix amt="45000"/>
-              <a:duotone>
-                <a:schemeClr val="accent2">
-                  <a:shade val="45000"/>
-                  <a:satMod val="135000"/>
-                </a:schemeClr>
-                <a:prstClr val="white"/>
-              </a:duotone>
-            </a:blip>
-            <a:srcRect/>
-            <a:tile tx="-44450" ty="38100" sx="85000" sy="85000" flip="none" algn="tl"/>
-          </a:blipFill>
-          <a:ln>
-            <a:noFill/>
-          </a:ln>
-        </p:spPr>
-        <p:style>
-          <a:lnRef idx="2">
-            <a:schemeClr val="accent1">
-              <a:shade val="50000"/>
-            </a:schemeClr>
-          </a:lnRef>
-          <a:fillRef idx="1">
-            <a:schemeClr val="accent1"/>
-          </a:fillRef>
-          <a:effectRef idx="0">
-            <a:schemeClr val="accent1"/>
-          </a:effectRef>
-          <a:fontRef idx="minor">
-            <a:schemeClr val="lt1"/>
-          </a:fontRef>
-        </p:style>
-      </p:sp>
-      <p:sp>
-        <p:nvSpPr>
-          <p:cNvPr id="23" name="Rectangle 22"/>
-          <p:cNvSpPr/>
-          <p:nvPr/>
-        </p:nvSpPr>
-        <p:spPr>
-          <a:xfrm>
-            <a:off x="1307870" y="1267730"/>
-            <a:ext cx="9576262" cy="4307950"/>
-          </a:xfrm>
-          <a:prstGeom prst="rect">
-            <a:avLst/>
-          </a:prstGeom>
-          <a:solidFill>
-            <a:schemeClr val="bg1"/>
-          </a:solidFill>
-          <a:ln w="6350" cap="flat" cmpd="sng" algn="ctr">
-            <a:noFill/>
-            <a:prstDash val="solid"/>
-          </a:ln>
-          <a:effectLst>
-            <a:outerShdw blurRad="50800" algn="ctr" rotWithShape="0">
-              <a:prstClr val="black">
-                <a:alpha val="66000"/>
-              </a:prstClr>
-            </a:outerShdw>
-            <a:softEdge rad="0"/>
-          </a:effectLst>
-        </p:spPr>
-      </p:sp>
-      <p:sp>
-        <p:nvSpPr>
-          <p:cNvPr id="24" name="Rectangle 23"/>
-          <p:cNvSpPr/>
-          <p:nvPr/>
-        </p:nvSpPr>
-        <p:spPr>
-          <a:xfrm>
-            <a:off x="1447800" y="1411615"/>
-            <a:ext cx="9296400" cy="4034770"/>
-          </a:xfrm>
-          <a:prstGeom prst="rect">
-            <a:avLst/>
-          </a:prstGeom>
-          <a:noFill/>
-          <a:ln w="6350" cap="sq" cmpd="sng" algn="ctr">
-            <a:solidFill>
-              <a:schemeClr val="tx1">
-                <a:lumMod val="75000"/>
-                <a:lumOff val="25000"/>
-              </a:schemeClr>
-            </a:solidFill>
-            <a:prstDash val="solid"/>
-            <a:miter lim="800000"/>
-          </a:ln>
-          <a:effectLst/>
-        </p:spPr>
-      </p:sp>
-      <p:sp>
-        <p:nvSpPr>
-          <p:cNvPr id="30" name="Rectangle 29"/>
-          <p:cNvSpPr/>
-          <p:nvPr/>
-        </p:nvSpPr>
-        <p:spPr>
-          <a:xfrm>
-            <a:off x="5135880" y="1267730"/>
-            <a:ext cx="1920240" cy="731520"/>
-          </a:xfrm>
-          <a:prstGeom prst="rect">
-            <a:avLst/>
-          </a:prstGeom>
-          <a:solidFill>
-            <a:schemeClr val="bg2"/>
-          </a:solidFill>
-          <a:ln>
-            <a:noFill/>
-          </a:ln>
-        </p:spPr>
-        <p:style>
-          <a:lnRef idx="2">
-            <a:schemeClr val="accent1">
-              <a:shade val="50000"/>
-            </a:schemeClr>
-          </a:lnRef>
-          <a:fillRef idx="1">
-            <a:schemeClr val="accent1"/>
-          </a:fillRef>
-          <a:effectRef idx="0">
-            <a:schemeClr val="accent1"/>
-          </a:effectRef>
-          <a:fontRef idx="minor">
-            <a:schemeClr val="lt1"/>
-          </a:fontRef>
-        </p:style>
-      </p:sp>
-      <p:grpSp>
-        <p:nvGrpSpPr>
-          <p:cNvPr id="31" name="Group 30"/>
-          <p:cNvGrpSpPr/>
-          <p:nvPr/>
-        </p:nvGrpSpPr>
-        <p:grpSpPr>
-          <a:xfrm>
-            <a:off x="5250180" y="1267730"/>
-            <a:ext cx="1691640" cy="645295"/>
-            <a:chOff x="5318306" y="1386268"/>
-            <a:chExt cx="1567331" cy="645295"/>
-          </a:xfrm>
-        </p:grpSpPr>
-        <p:cxnSp>
-          <p:nvCxnSpPr>
-            <p:cNvPr id="32" name="Straight Connector 31"/>
-            <p:cNvCxnSpPr/>
-            <p:nvPr/>
-          </p:nvCxnSpPr>
-          <p:spPr>
-            <a:xfrm>
-              <a:off x="5318306" y="1386268"/>
-              <a:ext cx="0" cy="640080"/>
-            </a:xfrm>
-            <a:prstGeom prst="line">
-              <a:avLst/>
-            </a:prstGeom>
-            <a:solidFill>
-              <a:schemeClr val="tx1">
-                <a:lumMod val="85000"/>
-                <a:lumOff val="15000"/>
-              </a:schemeClr>
-            </a:solidFill>
-            <a:ln>
-              <a:solidFill>
-                <a:schemeClr val="tx1"/>
-              </a:solidFill>
-              <a:miter lim="800000"/>
-            </a:ln>
-          </p:spPr>
-          <p:style>
-            <a:lnRef idx="1">
-              <a:schemeClr val="accent1"/>
-            </a:lnRef>
-            <a:fillRef idx="0">
-              <a:schemeClr val="accent1"/>
-            </a:fillRef>
-            <a:effectRef idx="0">
-              <a:schemeClr val="accent1"/>
-            </a:effectRef>
-            <a:fontRef idx="minor">
-              <a:schemeClr val="tx1"/>
-            </a:fontRef>
-          </p:style>
-        </p:cxnSp>
-        <p:cxnSp>
-          <p:nvCxnSpPr>
-            <p:cNvPr id="33" name="Straight Connector 32"/>
-            <p:cNvCxnSpPr/>
-            <p:nvPr/>
-          </p:nvCxnSpPr>
-          <p:spPr>
-            <a:xfrm>
-              <a:off x="6885637" y="1386268"/>
-              <a:ext cx="0" cy="640080"/>
-            </a:xfrm>
-            <a:prstGeom prst="line">
-              <a:avLst/>
-            </a:prstGeom>
-            <a:solidFill>
-              <a:schemeClr val="tx1">
-                <a:lumMod val="85000"/>
-                <a:lumOff val="15000"/>
-              </a:schemeClr>
-            </a:solidFill>
-            <a:ln>
-              <a:solidFill>
-                <a:schemeClr val="tx1"/>
-              </a:solidFill>
-              <a:miter lim="800000"/>
-            </a:ln>
-          </p:spPr>
-          <p:style>
-            <a:lnRef idx="1">
-              <a:schemeClr val="accent1"/>
-            </a:lnRef>
-            <a:fillRef idx="0">
-              <a:schemeClr val="accent1"/>
-            </a:fillRef>
-            <a:effectRef idx="0">
-              <a:schemeClr val="accent1"/>
-            </a:effectRef>
-            <a:fontRef idx="minor">
-              <a:schemeClr val="tx1"/>
-            </a:fontRef>
-          </p:style>
-        </p:cxnSp>
-        <p:cxnSp>
-          <p:nvCxnSpPr>
-            <p:cNvPr id="34" name="Straight Connector 33"/>
-            <p:cNvCxnSpPr/>
-            <p:nvPr/>
-          </p:nvCxnSpPr>
-          <p:spPr>
-            <a:xfrm>
-              <a:off x="5318306" y="2031563"/>
-              <a:ext cx="1567331" cy="0"/>
-            </a:xfrm>
-            <a:prstGeom prst="line">
-              <a:avLst/>
-            </a:prstGeom>
-            <a:solidFill>
-              <a:schemeClr val="tx1">
-                <a:lumMod val="85000"/>
-                <a:lumOff val="15000"/>
-              </a:schemeClr>
-            </a:solidFill>
-            <a:ln>
-              <a:solidFill>
-                <a:schemeClr val="tx1"/>
-              </a:solidFill>
-              <a:miter lim="800000"/>
-            </a:ln>
-          </p:spPr>
-          <p:style>
-            <a:lnRef idx="1">
-              <a:schemeClr val="accent1"/>
-            </a:lnRef>
-            <a:fillRef idx="0">
-              <a:schemeClr val="accent1"/>
-            </a:fillRef>
-            <a:effectRef idx="0">
-              <a:schemeClr val="accent1"/>
-            </a:effectRef>
-            <a:fontRef idx="minor">
-              <a:schemeClr val="tx1"/>
-            </a:fontRef>
-          </p:style>
-        </p:cxnSp>
-      </p:grpSp>
-      <p:sp>
-        <p:nvSpPr>
-          <p:cNvPr id="2" name="Title 1"/>
-          <p:cNvSpPr>
-            <a:spLocks noGrp="1"/>
-          </p:cNvSpPr>
-          <p:nvPr>
-            <p:ph type="title"/>
-          </p:nvPr>
-        </p:nvSpPr>
-        <p:spPr>
-          <a:xfrm>
-            <a:off x="1563623" y="2094309"/>
-            <a:ext cx="9070848" cy="2587752"/>
-          </a:xfrm>
-        </p:spPr>
-        <p:txBody>
-          <a:bodyPr anchor="ctr">
-            <a:noAutofit/>
-          </a:bodyPr>
-          <a:lstStyle>
-            <a:lvl1pPr algn="ctr">
-              <a:lnSpc>
-                <a:spcPct val="83000"/>
-              </a:lnSpc>
-              <a:defRPr lang="en-US" sz="7200" kern="1200" cap="all" spc="-100" baseline="0" dirty="0">
-                <a:solidFill>
-                  <a:schemeClr val="tx1">
-                    <a:lumMod val="85000"/>
-                    <a:lumOff val="15000"/>
-                  </a:schemeClr>
-                </a:solidFill>
-                <a:effectLst/>
-                <a:latin typeface="+mj-lt"/>
-                <a:ea typeface="+mn-ea"/>
-                <a:cs typeface="+mn-cs"/>
-              </a:defRPr>
-            </a:lvl1pPr>
-          </a:lstStyle>
-          <a:p>
-            <a:r>
-              <a:rPr lang="ko-KR" altLang="en-US" smtClean="0"/>
-              <a:t>마스터 제목 스타일 편집</a:t>
-            </a:r>
-            <a:endParaRPr lang="en-US" dirty="0"/>
-          </a:p>
-        </p:txBody>
-      </p:sp>
-      <p:sp>
-        <p:nvSpPr>
-          <p:cNvPr id="3" name="Text Placeholder 2"/>
-          <p:cNvSpPr>
-            <a:spLocks noGrp="1"/>
-          </p:cNvSpPr>
-          <p:nvPr>
-            <p:ph type="body" idx="1"/>
-          </p:nvPr>
-        </p:nvSpPr>
-        <p:spPr>
-          <a:xfrm>
-            <a:off x="1563624" y="4682062"/>
-            <a:ext cx="9070848" cy="457200"/>
-          </a:xfrm>
-        </p:spPr>
-        <p:txBody>
-          <a:bodyPr anchor="t">
-            <a:normAutofit/>
-          </a:bodyPr>
-          <a:lstStyle>
-            <a:lvl1pPr marL="0" indent="0" algn="ctr">
-              <a:buNone/>
-              <a:defRPr sz="1600">
-                <a:solidFill>
-                  <a:schemeClr val="tx1"/>
-                </a:solidFill>
-                <a:effectLst/>
-              </a:defRPr>
-            </a:lvl1pPr>
-            <a:lvl2pPr marL="457200" indent="0">
-              <a:buNone/>
-              <a:defRPr sz="1600">
-                <a:solidFill>
-                  <a:schemeClr val="tx1">
-                    <a:tint val="75000"/>
-                  </a:schemeClr>
-                </a:solidFill>
-              </a:defRPr>
-            </a:lvl2pPr>
-            <a:lvl3pPr marL="914400" indent="0">
-              <a:buNone/>
-              <a:defRPr sz="1600">
-                <a:solidFill>
-                  <a:schemeClr val="tx1">
-                    <a:tint val="75000"/>
-                  </a:schemeClr>
-                </a:solidFill>
-              </a:defRPr>
-            </a:lvl3pPr>
-            <a:lvl4pPr marL="1371600" indent="0">
-              <a:buNone/>
-              <a:defRPr sz="1400">
-                <a:solidFill>
-                  <a:schemeClr val="tx1">
-                    <a:tint val="75000"/>
-                  </a:schemeClr>
-                </a:solidFill>
-              </a:defRPr>
-            </a:lvl4pPr>
-            <a:lvl5pPr marL="1828800" indent="0">
-              <a:buNone/>
-              <a:defRPr sz="1400">
-                <a:solidFill>
-                  <a:schemeClr val="tx1">
-                    <a:tint val="75000"/>
-                  </a:schemeClr>
-                </a:solidFill>
-              </a:defRPr>
-            </a:lvl5pPr>
-            <a:lvl6pPr marL="2286000" indent="0">
-              <a:buNone/>
-              <a:defRPr sz="1400">
-                <a:solidFill>
-                  <a:schemeClr val="tx1">
-                    <a:tint val="75000"/>
-                  </a:schemeClr>
-                </a:solidFill>
-              </a:defRPr>
-            </a:lvl6pPr>
-            <a:lvl7pPr marL="2743200" indent="0">
-              <a:buNone/>
-              <a:defRPr sz="1400">
-                <a:solidFill>
-                  <a:schemeClr val="tx1">
-                    <a:tint val="75000"/>
-                  </a:schemeClr>
-                </a:solidFill>
-              </a:defRPr>
-            </a:lvl7pPr>
-            <a:lvl8pPr marL="3200400" indent="0">
-              <a:buNone/>
-              <a:defRPr sz="1400">
-                <a:solidFill>
-                  <a:schemeClr val="tx1">
-                    <a:tint val="75000"/>
-                  </a:schemeClr>
-                </a:solidFill>
-              </a:defRPr>
-            </a:lvl8pPr>
-            <a:lvl9pPr marL="3657600" indent="0">
-              <a:buNone/>
-              <a:defRPr sz="1400">
-                <a:solidFill>
-                  <a:schemeClr val="tx1">
-                    <a:tint val="75000"/>
-                  </a:schemeClr>
-                </a:solidFill>
-              </a:defRPr>
-            </a:lvl9pPr>
-          </a:lstStyle>
-          <a:p>
-            <a:pPr lvl="0"/>
-            <a:r>
-              <a:rPr lang="ko-KR" altLang="en-US" smtClean="0"/>
-              <a:t>마스터 텍스트 스타일을 편집합니다</a:t>
-            </a:r>
-          </a:p>
-        </p:txBody>
-      </p:sp>
-      <p:sp>
-        <p:nvSpPr>
-          <p:cNvPr id="4" name="Date Placeholder 3"/>
-          <p:cNvSpPr>
-            <a:spLocks noGrp="1"/>
-          </p:cNvSpPr>
-          <p:nvPr>
-            <p:ph type="dt" sz="half" idx="10"/>
-          </p:nvPr>
-        </p:nvSpPr>
-        <p:spPr>
-          <a:xfrm>
-            <a:off x="5321808" y="1344502"/>
-            <a:ext cx="1554480" cy="530352"/>
-          </a:xfrm>
-        </p:spPr>
-        <p:txBody>
-          <a:bodyPr/>
-          <a:lstStyle>
-            <a:lvl1pPr algn="ctr">
-              <a:defRPr lang="en-US" sz="1300" kern="1200" spc="0" baseline="0">
-                <a:solidFill>
-                  <a:schemeClr val="tx1"/>
-                </a:solidFill>
-                <a:latin typeface="+mn-lt"/>
-                <a:ea typeface="+mn-ea"/>
-                <a:cs typeface="+mn-cs"/>
-              </a:defRPr>
-            </a:lvl1pPr>
-          </a:lstStyle>
-          <a:p>
-            <a:fld id="{C44961B7-6B89-48AB-966F-622E2788EECC}" type="datetimeFigureOut">
-              <a:rPr lang="en-US" dirty="0"/>
-              <a:t>12/2/2014</a:t>
-            </a:fld>
-            <a:endParaRPr lang="en-US" dirty="0"/>
-          </a:p>
-        </p:txBody>
-      </p:sp>
-      <p:sp>
-        <p:nvSpPr>
-          <p:cNvPr id="5" name="Footer Placeholder 4"/>
-          <p:cNvSpPr>
-            <a:spLocks noGrp="1"/>
-          </p:cNvSpPr>
-          <p:nvPr>
-            <p:ph type="ftr" sz="quarter" idx="11"/>
-          </p:nvPr>
-        </p:nvSpPr>
-        <p:spPr>
-          <a:xfrm>
-            <a:off x="1453553" y="5211060"/>
-            <a:ext cx="5907024" cy="228600"/>
-          </a:xfrm>
-        </p:spPr>
-        <p:txBody>
-          <a:bodyPr/>
-          <a:lstStyle>
-            <a:lvl1pPr algn="l">
-              <a:defRPr/>
-            </a:lvl1pPr>
-          </a:lstStyle>
-          <a:p>
-            <a:endParaRPr lang="en-US" dirty="0"/>
-          </a:p>
-        </p:txBody>
-      </p:sp>
-      <p:sp>
-        <p:nvSpPr>
-          <p:cNvPr id="6" name="Slide Number Placeholder 5"/>
-          <p:cNvSpPr>
-            <a:spLocks noGrp="1"/>
-          </p:cNvSpPr>
-          <p:nvPr>
-            <p:ph type="sldNum" sz="quarter" idx="12"/>
-          </p:nvPr>
-        </p:nvSpPr>
-        <p:spPr>
-          <a:xfrm>
-            <a:off x="8604504" y="5211060"/>
-            <a:ext cx="2112264" cy="228600"/>
-          </a:xfrm>
-        </p:spPr>
-        <p:txBody>
-          <a:bodyPr/>
-          <a:lstStyle/>
-          <a:p>
-            <a:fld id="{4FAB73BC-B049-4115-A692-8D63A059BFB8}" type="slidenum">
-              <a:rPr lang="en-US" dirty="0"/>
-              <a:t>‹#›</a:t>
-            </a:fld>
-            <a:endParaRPr lang="en-US" dirty="0"/>
-          </a:p>
-        </p:txBody>
-      </p:sp>
-    </p:spTree>
-  </p:cSld>
-  <p:clrMapOvr>
-    <a:overrideClrMapping bg1="lt1" tx1="dk1" bg2="lt2" tx2="dk2" accent1="accent1" accent2="accent2" accent3="accent3" accent4="accent4" accent5="accent5" accent6="accent6" hlink="hlink" folHlink="folHlink"/>
-  </p:clrMapOvr>
-</p:sldLayout>
-</file>
-
-<file path=ppt/slideLayouts/slideLayout6.xml><?xml version="1.0" encoding="utf-8"?>
-<p:sldLayout xmlns:a="http://schemas.openxmlformats.org/drawingml/2006/main" xmlns:r="http://schemas.openxmlformats.org/officeDocument/2006/relationships" xmlns:p="http://schemas.openxmlformats.org/presentationml/2006/main" type="twoObj" preserve="1">
-  <p:cSld name="콘텐츠 2개">
-    <p:spTree>
-      <p:nvGrpSpPr>
-        <p:cNvPr id="1" name=""/>
-        <p:cNvGrpSpPr/>
-        <p:nvPr/>
-      </p:nvGrpSpPr>
-      <p:grpSpPr>
-        <a:xfrm>
-          <a:off x="0" y="0"/>
-          <a:ext cx="0" cy="0"/>
-          <a:chOff x="0" y="0"/>
-          <a:chExt cx="0" cy="0"/>
-        </a:xfrm>
-      </p:grpSpPr>
-      <p:sp>
-        <p:nvSpPr>
-          <p:cNvPr id="8" name="Title 7"/>
-          <p:cNvSpPr>
-            <a:spLocks noGrp="1"/>
-          </p:cNvSpPr>
-          <p:nvPr>
-            <p:ph type="title"/>
-          </p:nvPr>
-        </p:nvSpPr>
-        <p:spPr/>
-        <p:txBody>
-          <a:bodyPr/>
-          <a:lstStyle/>
-          <a:p>
-            <a:r>
-              <a:rPr lang="ko-KR" altLang="en-US" smtClean="0"/>
-              <a:t>마스터 제목 스타일 편집</a:t>
-            </a:r>
-            <a:endParaRPr lang="en-US" dirty="0"/>
-          </a:p>
-        </p:txBody>
-      </p:sp>
-      <p:sp>
-        <p:nvSpPr>
-          <p:cNvPr id="3" name="Content Placeholder 2"/>
-          <p:cNvSpPr>
-            <a:spLocks noGrp="1"/>
-          </p:cNvSpPr>
-          <p:nvPr>
-            <p:ph sz="half" idx="1"/>
-          </p:nvPr>
-        </p:nvSpPr>
-        <p:spPr>
-          <a:xfrm>
-            <a:off x="1066800" y="2103120"/>
-            <a:ext cx="4754880" cy="3749040"/>
-          </a:xfrm>
-        </p:spPr>
-        <p:txBody>
-          <a:bodyPr/>
-          <a:lstStyle>
-            <a:lvl1pPr>
-              <a:defRPr sz="1800"/>
-            </a:lvl1pPr>
-            <a:lvl2pPr>
-              <a:defRPr sz="1600"/>
-            </a:lvl2pPr>
-            <a:lvl3pPr>
-              <a:defRPr sz="1400"/>
-            </a:lvl3pPr>
-            <a:lvl4pPr>
-              <a:defRPr sz="1400"/>
-            </a:lvl4pPr>
-            <a:lvl5pPr>
-              <a:defRPr sz="1400"/>
-            </a:lvl5pPr>
-            <a:lvl6pPr>
-              <a:defRPr sz="1400"/>
-            </a:lvl6pPr>
-            <a:lvl7pPr>
-              <a:defRPr sz="1400"/>
-            </a:lvl7pPr>
-            <a:lvl8pPr>
-              <a:defRPr sz="1400"/>
-            </a:lvl8pPr>
-            <a:lvl9pPr>
-              <a:defRPr sz="1400"/>
-            </a:lvl9pPr>
-          </a:lstStyle>
-          <a:p>
-            <a:pPr lvl="0"/>
-            <a:r>
-              <a:rPr lang="ko-KR" altLang="en-US" smtClean="0"/>
-              <a:t>마스터 텍스트 스타일을 편집합니다</a:t>
-            </a:r>
-          </a:p>
-          <a:p>
-            <a:pPr lvl="1"/>
-            <a:r>
-              <a:rPr lang="ko-KR" altLang="en-US" smtClean="0"/>
-              <a:t>둘째 수준</a:t>
-            </a:r>
-          </a:p>
-          <a:p>
-            <a:pPr lvl="2"/>
-            <a:r>
-              <a:rPr lang="ko-KR" altLang="en-US" smtClean="0"/>
-              <a:t>셋째 수준</a:t>
-            </a:r>
-          </a:p>
-          <a:p>
-            <a:pPr lvl="3"/>
-            <a:r>
-              <a:rPr lang="ko-KR" altLang="en-US" smtClean="0"/>
-              <a:t>넷째 수준</a:t>
-            </a:r>
-          </a:p>
-          <a:p>
-            <a:pPr lvl="4"/>
-            <a:r>
-              <a:rPr lang="ko-KR" altLang="en-US" smtClean="0"/>
-              <a:t>다섯째 수준</a:t>
-            </a:r>
-            <a:endParaRPr lang="en-US" dirty="0"/>
-          </a:p>
-        </p:txBody>
-      </p:sp>
-      <p:sp>
-        <p:nvSpPr>
-          <p:cNvPr id="4" name="Content Placeholder 3"/>
-          <p:cNvSpPr>
-            <a:spLocks noGrp="1"/>
-          </p:cNvSpPr>
-          <p:nvPr>
-            <p:ph sz="half" idx="2"/>
-          </p:nvPr>
-        </p:nvSpPr>
-        <p:spPr>
-          <a:xfrm>
-            <a:off x="6370320" y="2103120"/>
-            <a:ext cx="4754880" cy="3749040"/>
-          </a:xfrm>
-        </p:spPr>
-        <p:txBody>
-          <a:bodyPr/>
-          <a:lstStyle>
-            <a:lvl1pPr>
-              <a:defRPr sz="1800"/>
-            </a:lvl1pPr>
-            <a:lvl2pPr>
-              <a:defRPr sz="1600"/>
-            </a:lvl2pPr>
-            <a:lvl3pPr>
-              <a:defRPr sz="1400"/>
-            </a:lvl3pPr>
-            <a:lvl4pPr>
-              <a:defRPr sz="1400"/>
-            </a:lvl4pPr>
-            <a:lvl5pPr>
-              <a:defRPr sz="1400"/>
-            </a:lvl5pPr>
-            <a:lvl6pPr>
-              <a:defRPr sz="1400"/>
-            </a:lvl6pPr>
-            <a:lvl7pPr>
-              <a:defRPr sz="1400"/>
-            </a:lvl7pPr>
-            <a:lvl8pPr>
-              <a:defRPr sz="1400"/>
-            </a:lvl8pPr>
-            <a:lvl9pPr>
-              <a:defRPr sz="1400"/>
-            </a:lvl9pPr>
-          </a:lstStyle>
-          <a:p>
-            <a:pPr lvl="0"/>
-            <a:r>
-              <a:rPr lang="ko-KR" altLang="en-US" smtClean="0"/>
-              <a:t>마스터 텍스트 스타일을 편집합니다</a:t>
-            </a:r>
-          </a:p>
-          <a:p>
-            <a:pPr lvl="1"/>
-            <a:r>
-              <a:rPr lang="ko-KR" altLang="en-US" smtClean="0"/>
-              <a:t>둘째 수준</a:t>
-            </a:r>
-          </a:p>
-          <a:p>
-            <a:pPr lvl="2"/>
-            <a:r>
-              <a:rPr lang="ko-KR" altLang="en-US" smtClean="0"/>
-              <a:t>셋째 수준</a:t>
-            </a:r>
-          </a:p>
-          <a:p>
-            <a:pPr lvl="3"/>
-            <a:r>
-              <a:rPr lang="ko-KR" altLang="en-US" smtClean="0"/>
-              <a:t>넷째 수준</a:t>
-            </a:r>
-          </a:p>
-          <a:p>
-            <a:pPr lvl="4"/>
-            <a:r>
-              <a:rPr lang="ko-KR" altLang="en-US" smtClean="0"/>
-              <a:t>다섯째 수준</a:t>
-            </a:r>
-            <a:endParaRPr lang="en-US" dirty="0"/>
-          </a:p>
-        </p:txBody>
-      </p:sp>
-      <p:sp>
-        <p:nvSpPr>
-          <p:cNvPr id="5" name="Date Placeholder 4"/>
-          <p:cNvSpPr>
-            <a:spLocks noGrp="1"/>
-          </p:cNvSpPr>
-          <p:nvPr>
-            <p:ph type="dt" sz="half" idx="10"/>
-          </p:nvPr>
-        </p:nvSpPr>
-        <p:spPr/>
-        <p:txBody>
-          <a:bodyPr/>
-          <a:lstStyle/>
-          <a:p>
-            <a:fld id="{DBD3D6FB-79CC-4683-A046-BBE785BA1BED}" type="datetimeFigureOut">
-              <a:rPr lang="en-US" dirty="0"/>
-              <a:t>12/2/2014</a:t>
-            </a:fld>
-            <a:endParaRPr lang="en-US" dirty="0"/>
-          </a:p>
-        </p:txBody>
-      </p:sp>
-      <p:sp>
-        <p:nvSpPr>
-          <p:cNvPr id="6" name="Footer Placeholder 5"/>
-          <p:cNvSpPr>
-            <a:spLocks noGrp="1"/>
-          </p:cNvSpPr>
-          <p:nvPr>
-            <p:ph type="ftr" sz="quarter" idx="11"/>
-          </p:nvPr>
-        </p:nvSpPr>
-        <p:spPr/>
-        <p:txBody>
-          <a:bodyPr/>
-          <a:lstStyle/>
-          <a:p>
-            <a:endParaRPr lang="en-US" dirty="0"/>
-          </a:p>
-        </p:txBody>
-      </p:sp>
-      <p:sp>
-        <p:nvSpPr>
-          <p:cNvPr id="7" name="Slide Number Placeholder 6"/>
-          <p:cNvSpPr>
-            <a:spLocks noGrp="1"/>
-          </p:cNvSpPr>
-          <p:nvPr>
-            <p:ph type="sldNum" sz="quarter" idx="12"/>
-          </p:nvPr>
-        </p:nvSpPr>
-        <p:spPr/>
-        <p:txBody>
-          <a:bodyPr/>
-          <a:lstStyle/>
-          <a:p>
-            <a:fld id="{4FAB73BC-B049-4115-A692-8D63A059BFB8}" type="slidenum">
-              <a:rPr lang="en-US" dirty="0"/>
-              <a:t>‹#›</a:t>
-            </a:fld>
-            <a:endParaRPr lang="en-US" dirty="0"/>
-          </a:p>
-        </p:txBody>
-      </p:sp>
-    </p:spTree>
-  </p:cSld>
-  <p:clrMapOvr>
-    <a:masterClrMapping/>
-  </p:clrMapOvr>
-</p:sldLayout>
-</file>
-
-<file path=ppt/slideLayouts/slideLayout7.xml><?xml version="1.0" encoding="utf-8"?>
-<p:sldLayout xmlns:a="http://schemas.openxmlformats.org/drawingml/2006/main" xmlns:r="http://schemas.openxmlformats.org/officeDocument/2006/relationships" xmlns:p="http://schemas.openxmlformats.org/presentationml/2006/main" type="twoTxTwoObj" preserve="1">
-  <p:cSld name="비교">
-    <p:spTree>
-      <p:nvGrpSpPr>
-        <p:cNvPr id="1" name=""/>
-        <p:cNvGrpSpPr/>
-        <p:nvPr/>
-      </p:nvGrpSpPr>
-      <p:grpSpPr>
-        <a:xfrm>
-          <a:off x="0" y="0"/>
-          <a:ext cx="0" cy="0"/>
-          <a:chOff x="0" y="0"/>
-          <a:chExt cx="0" cy="0"/>
-        </a:xfrm>
-      </p:grpSpPr>
-      <p:sp>
-        <p:nvSpPr>
-          <p:cNvPr id="2" name="Title 1"/>
-          <p:cNvSpPr>
-            <a:spLocks noGrp="1"/>
-          </p:cNvSpPr>
-          <p:nvPr>
-            <p:ph type="title"/>
-          </p:nvPr>
-        </p:nvSpPr>
-        <p:spPr/>
-        <p:txBody>
-          <a:bodyPr/>
-          <a:lstStyle/>
-          <a:p>
-            <a:r>
-              <a:rPr lang="ko-KR" altLang="en-US" smtClean="0"/>
-              <a:t>마스터 제목 스타일 편집</a:t>
-            </a:r>
-            <a:endParaRPr lang="en-US" dirty="0"/>
-          </a:p>
-        </p:txBody>
-      </p:sp>
-      <p:sp>
-        <p:nvSpPr>
-          <p:cNvPr id="3" name="Text Placeholder 2"/>
-          <p:cNvSpPr>
-            <a:spLocks noGrp="1"/>
-          </p:cNvSpPr>
-          <p:nvPr>
-            <p:ph type="body" idx="1"/>
-          </p:nvPr>
-        </p:nvSpPr>
-        <p:spPr>
-          <a:xfrm>
-            <a:off x="1069848" y="2074334"/>
-            <a:ext cx="4754880" cy="640080"/>
-          </a:xfrm>
-        </p:spPr>
-        <p:txBody>
-          <a:bodyPr anchor="ctr">
-            <a:normAutofit/>
-          </a:bodyPr>
-          <a:lstStyle>
-            <a:lvl1pPr marL="0" indent="0" algn="ctr">
-              <a:spcBef>
-                <a:spcPts val="0"/>
-              </a:spcBef>
-              <a:buNone/>
-              <a:defRPr sz="1900" b="0">
-                <a:solidFill>
-                  <a:schemeClr val="tx2"/>
-                </a:solidFill>
-                <a:latin typeface="+mn-lt"/>
-              </a:defRPr>
-            </a:lvl1pPr>
-            <a:lvl2pPr marL="457200" indent="0">
-              <a:buNone/>
-              <a:defRPr sz="1900" b="1"/>
-            </a:lvl2pPr>
-            <a:lvl3pPr marL="914400" indent="0">
-              <a:buNone/>
-              <a:defRPr sz="1800" b="1"/>
-            </a:lvl3pPr>
-            <a:lvl4pPr marL="1371600" indent="0">
-              <a:buNone/>
-              <a:defRPr sz="1600" b="1"/>
-            </a:lvl4pPr>
-            <a:lvl5pPr marL="1828800" indent="0">
-              <a:buNone/>
-              <a:defRPr sz="1600" b="1"/>
-            </a:lvl5pPr>
-            <a:lvl6pPr marL="2286000" indent="0">
-              <a:buNone/>
-              <a:defRPr sz="1600" b="1"/>
-            </a:lvl6pPr>
-            <a:lvl7pPr marL="2743200" indent="0">
-              <a:buNone/>
-              <a:defRPr sz="1600" b="1"/>
-            </a:lvl7pPr>
-            <a:lvl8pPr marL="3200400" indent="0">
-              <a:buNone/>
-              <a:defRPr sz="1600" b="1"/>
-            </a:lvl8pPr>
-            <a:lvl9pPr marL="3657600" indent="0">
-              <a:buNone/>
-              <a:defRPr sz="1600" b="1"/>
-            </a:lvl9pPr>
-          </a:lstStyle>
-          <a:p>
-            <a:pPr lvl="0"/>
-            <a:r>
-              <a:rPr lang="ko-KR" altLang="en-US" smtClean="0"/>
-              <a:t>마스터 텍스트 스타일을 편집합니다</a:t>
-            </a:r>
-          </a:p>
-        </p:txBody>
-      </p:sp>
-      <p:sp>
-        <p:nvSpPr>
-          <p:cNvPr id="4" name="Content Placeholder 3"/>
-          <p:cNvSpPr>
-            <a:spLocks noGrp="1"/>
-          </p:cNvSpPr>
-          <p:nvPr>
-            <p:ph sz="half" idx="2"/>
-          </p:nvPr>
-        </p:nvSpPr>
-        <p:spPr>
-          <a:xfrm>
-            <a:off x="1069848" y="2755898"/>
-            <a:ext cx="4754880" cy="3200400"/>
-          </a:xfrm>
-        </p:spPr>
-        <p:txBody>
-          <a:bodyPr/>
-          <a:lstStyle>
-            <a:lvl1pPr>
-              <a:defRPr sz="1800"/>
-            </a:lvl1pPr>
-            <a:lvl2pPr>
-              <a:defRPr sz="1600"/>
-            </a:lvl2pPr>
-            <a:lvl3pPr>
-              <a:defRPr sz="1400"/>
-            </a:lvl3pPr>
-            <a:lvl4pPr>
-              <a:defRPr sz="1400"/>
-            </a:lvl4pPr>
-            <a:lvl5pPr>
-              <a:defRPr sz="1400"/>
-            </a:lvl5pPr>
-            <a:lvl6pPr>
-              <a:defRPr sz="1400"/>
-            </a:lvl6pPr>
-            <a:lvl7pPr>
-              <a:defRPr sz="1400"/>
-            </a:lvl7pPr>
-            <a:lvl8pPr>
-              <a:defRPr sz="1400"/>
-            </a:lvl8pPr>
-            <a:lvl9pPr>
-              <a:defRPr sz="1400"/>
-            </a:lvl9pPr>
-          </a:lstStyle>
-          <a:p>
-            <a:pPr lvl="0"/>
-            <a:r>
-              <a:rPr lang="ko-KR" altLang="en-US" smtClean="0"/>
-              <a:t>마스터 텍스트 스타일을 편집합니다</a:t>
-            </a:r>
-          </a:p>
-          <a:p>
-            <a:pPr lvl="1"/>
-            <a:r>
-              <a:rPr lang="ko-KR" altLang="en-US" smtClean="0"/>
-              <a:t>둘째 수준</a:t>
-            </a:r>
-          </a:p>
-          <a:p>
-            <a:pPr lvl="2"/>
-            <a:r>
-              <a:rPr lang="ko-KR" altLang="en-US" smtClean="0"/>
-              <a:t>셋째 수준</a:t>
-            </a:r>
-          </a:p>
-          <a:p>
-            <a:pPr lvl="3"/>
-            <a:r>
-              <a:rPr lang="ko-KR" altLang="en-US" smtClean="0"/>
-              <a:t>넷째 수준</a:t>
-            </a:r>
-          </a:p>
-          <a:p>
-            <a:pPr lvl="4"/>
-            <a:r>
-              <a:rPr lang="ko-KR" altLang="en-US" smtClean="0"/>
-              <a:t>다섯째 수준</a:t>
-            </a:r>
-            <a:endParaRPr lang="en-US" dirty="0"/>
-          </a:p>
-        </p:txBody>
-      </p:sp>
-      <p:sp>
-        <p:nvSpPr>
-          <p:cNvPr id="5" name="Text Placeholder 4"/>
-          <p:cNvSpPr>
-            <a:spLocks noGrp="1"/>
-          </p:cNvSpPr>
-          <p:nvPr>
-            <p:ph type="body" sz="quarter" idx="3"/>
-          </p:nvPr>
-        </p:nvSpPr>
-        <p:spPr>
-          <a:xfrm>
-            <a:off x="6373368" y="2074334"/>
-            <a:ext cx="4754880" cy="640080"/>
-          </a:xfrm>
-        </p:spPr>
-        <p:txBody>
-          <a:bodyPr anchor="ctr">
-            <a:normAutofit/>
-          </a:bodyPr>
-          <a:lstStyle>
-            <a:lvl1pPr marL="0" indent="0" algn="ctr">
-              <a:spcBef>
-                <a:spcPts val="0"/>
-              </a:spcBef>
-              <a:buNone/>
-              <a:defRPr sz="1900" b="0">
-                <a:solidFill>
-                  <a:schemeClr val="tx2"/>
-                </a:solidFill>
-              </a:defRPr>
-            </a:lvl1pPr>
-            <a:lvl2pPr marL="457200" indent="0">
-              <a:buNone/>
-              <a:defRPr sz="1900" b="1"/>
-            </a:lvl2pPr>
-            <a:lvl3pPr marL="914400" indent="0">
-              <a:buNone/>
-              <a:defRPr sz="1800" b="1"/>
-            </a:lvl3pPr>
-            <a:lvl4pPr marL="1371600" indent="0">
-              <a:buNone/>
-              <a:defRPr sz="1600" b="1"/>
-            </a:lvl4pPr>
-            <a:lvl5pPr marL="1828800" indent="0">
-              <a:buNone/>
-              <a:defRPr sz="1600" b="1"/>
-            </a:lvl5pPr>
-            <a:lvl6pPr marL="2286000" indent="0">
-              <a:buNone/>
-              <a:defRPr sz="1600" b="1"/>
-            </a:lvl6pPr>
-            <a:lvl7pPr marL="2743200" indent="0">
-              <a:buNone/>
-              <a:defRPr sz="1600" b="1"/>
-            </a:lvl7pPr>
-            <a:lvl8pPr marL="3200400" indent="0">
-              <a:buNone/>
-              <a:defRPr sz="1600" b="1"/>
-            </a:lvl8pPr>
-            <a:lvl9pPr marL="3657600" indent="0">
-              <a:buNone/>
-              <a:defRPr sz="1600" b="1"/>
-            </a:lvl9pPr>
-          </a:lstStyle>
-          <a:p>
-            <a:pPr lvl="0"/>
-            <a:r>
-              <a:rPr lang="ko-KR" altLang="en-US" smtClean="0"/>
-              <a:t>마스터 텍스트 스타일을 편집합니다</a:t>
-            </a:r>
-          </a:p>
-        </p:txBody>
-      </p:sp>
-      <p:sp>
-        <p:nvSpPr>
-          <p:cNvPr id="6" name="Content Placeholder 5"/>
-          <p:cNvSpPr>
-            <a:spLocks noGrp="1"/>
-          </p:cNvSpPr>
-          <p:nvPr>
-            <p:ph sz="quarter" idx="4"/>
-          </p:nvPr>
-        </p:nvSpPr>
-        <p:spPr>
-          <a:xfrm>
-            <a:off x="6373368" y="2756581"/>
-            <a:ext cx="4754880" cy="3200400"/>
-          </a:xfrm>
-        </p:spPr>
-        <p:txBody>
-          <a:bodyPr/>
-          <a:lstStyle>
-            <a:lvl1pPr>
-              <a:defRPr sz="1800"/>
-            </a:lvl1pPr>
-            <a:lvl2pPr>
-              <a:defRPr sz="1600"/>
-            </a:lvl2pPr>
-            <a:lvl3pPr>
-              <a:defRPr sz="1400"/>
-            </a:lvl3pPr>
-            <a:lvl4pPr>
-              <a:defRPr sz="1400"/>
-            </a:lvl4pPr>
-            <a:lvl5pPr>
-              <a:defRPr sz="1400"/>
-            </a:lvl5pPr>
-            <a:lvl6pPr>
-              <a:defRPr sz="1400"/>
-            </a:lvl6pPr>
-            <a:lvl7pPr>
-              <a:defRPr sz="1400"/>
-            </a:lvl7pPr>
-            <a:lvl8pPr>
-              <a:defRPr sz="1400"/>
-            </a:lvl8pPr>
-            <a:lvl9pPr>
-              <a:defRPr sz="1400"/>
-            </a:lvl9pPr>
-          </a:lstStyle>
-          <a:p>
-            <a:pPr lvl="0"/>
-            <a:r>
-              <a:rPr lang="ko-KR" altLang="en-US" smtClean="0"/>
-              <a:t>마스터 텍스트 스타일을 편집합니다</a:t>
-            </a:r>
-          </a:p>
-          <a:p>
-            <a:pPr lvl="1"/>
-            <a:r>
-              <a:rPr lang="ko-KR" altLang="en-US" smtClean="0"/>
-              <a:t>둘째 수준</a:t>
-            </a:r>
-          </a:p>
-          <a:p>
-            <a:pPr lvl="2"/>
-            <a:r>
-              <a:rPr lang="ko-KR" altLang="en-US" smtClean="0"/>
-              <a:t>셋째 수준</a:t>
-            </a:r>
-          </a:p>
-          <a:p>
-            <a:pPr lvl="3"/>
-            <a:r>
-              <a:rPr lang="ko-KR" altLang="en-US" smtClean="0"/>
-              <a:t>넷째 수준</a:t>
-            </a:r>
-          </a:p>
-          <a:p>
-            <a:pPr lvl="4"/>
-            <a:r>
-              <a:rPr lang="ko-KR" altLang="en-US" smtClean="0"/>
-              <a:t>다섯째 수준</a:t>
-            </a:r>
-            <a:endParaRPr lang="en-US" dirty="0"/>
-          </a:p>
-        </p:txBody>
-      </p:sp>
-      <p:sp>
-        <p:nvSpPr>
-          <p:cNvPr id="7" name="Date Placeholder 6"/>
-          <p:cNvSpPr>
-            <a:spLocks noGrp="1"/>
-          </p:cNvSpPr>
-          <p:nvPr>
-            <p:ph type="dt" sz="half" idx="10"/>
-          </p:nvPr>
-        </p:nvSpPr>
-        <p:spPr/>
-        <p:txBody>
-          <a:bodyPr/>
-          <a:lstStyle/>
-          <a:p>
-            <a:fld id="{9512B3E8-48F1-4B23-8498-D8A04A81EC9C}" type="datetimeFigureOut">
-              <a:rPr lang="en-US" dirty="0"/>
-              <a:t>12/2/2014</a:t>
-            </a:fld>
-            <a:endParaRPr lang="en-US" dirty="0"/>
-          </a:p>
-        </p:txBody>
-      </p:sp>
-      <p:sp>
-        <p:nvSpPr>
-          <p:cNvPr id="8" name="Footer Placeholder 7"/>
-          <p:cNvSpPr>
-            <a:spLocks noGrp="1"/>
-          </p:cNvSpPr>
-          <p:nvPr>
-            <p:ph type="ftr" sz="quarter" idx="11"/>
-          </p:nvPr>
-        </p:nvSpPr>
-        <p:spPr/>
-        <p:txBody>
-          <a:bodyPr/>
-          <a:lstStyle/>
-          <a:p>
-            <a:endParaRPr lang="en-US" dirty="0"/>
-          </a:p>
-        </p:txBody>
-      </p:sp>
-      <p:sp>
-        <p:nvSpPr>
-          <p:cNvPr id="9" name="Slide Number Placeholder 8"/>
-          <p:cNvSpPr>
-            <a:spLocks noGrp="1"/>
-          </p:cNvSpPr>
-          <p:nvPr>
-            <p:ph type="sldNum" sz="quarter" idx="12"/>
-          </p:nvPr>
-        </p:nvSpPr>
-        <p:spPr/>
-        <p:txBody>
-          <a:bodyPr/>
-          <a:lstStyle/>
-          <a:p>
-            <a:fld id="{4FAB73BC-B049-4115-A692-8D63A059BFB8}" type="slidenum">
-              <a:rPr lang="en-US" dirty="0"/>
-              <a:t>‹#›</a:t>
-            </a:fld>
-            <a:endParaRPr lang="en-US" dirty="0"/>
-          </a:p>
-        </p:txBody>
-      </p:sp>
-    </p:spTree>
-  </p:cSld>
-  <p:clrMapOvr>
-    <a:masterClrMapping/>
-  </p:clrMapOvr>
-</p:sldLayout>
-</file>
-
-<file path=ppt/slideLayouts/slideLayout8.xml><?xml version="1.0" encoding="utf-8"?>
-<p:sldLayout xmlns:a="http://schemas.openxmlformats.org/drawingml/2006/main" xmlns:r="http://schemas.openxmlformats.org/officeDocument/2006/relationships" xmlns:p="http://schemas.openxmlformats.org/presentationml/2006/main" type="titleOnly" preserve="1">
-  <p:cSld name="제목만">
-    <p:spTree>
-      <p:nvGrpSpPr>
-        <p:cNvPr id="1" name=""/>
-        <p:cNvGrpSpPr/>
-        <p:nvPr/>
-      </p:nvGrpSpPr>
-      <p:grpSpPr>
-        <a:xfrm>
-          <a:off x="0" y="0"/>
-          <a:ext cx="0" cy="0"/>
-          <a:chOff x="0" y="0"/>
-          <a:chExt cx="0" cy="0"/>
-        </a:xfrm>
-      </p:grpSpPr>
-      <p:sp>
-        <p:nvSpPr>
-          <p:cNvPr id="2" name="Title 1"/>
-          <p:cNvSpPr>
-            <a:spLocks noGrp="1"/>
-          </p:cNvSpPr>
-          <p:nvPr>
-            <p:ph type="title"/>
-          </p:nvPr>
-        </p:nvSpPr>
-        <p:spPr/>
-        <p:txBody>
-          <a:bodyPr/>
-          <a:lstStyle/>
-          <a:p>
-            <a:r>
-              <a:rPr lang="ko-KR" altLang="en-US" smtClean="0"/>
-              <a:t>마스터 제목 스타일 편집</a:t>
-            </a:r>
-            <a:endParaRPr lang="en-US" dirty="0"/>
-          </a:p>
-        </p:txBody>
-      </p:sp>
-      <p:sp>
-        <p:nvSpPr>
-          <p:cNvPr id="3" name="Date Placeholder 2"/>
-          <p:cNvSpPr>
-            <a:spLocks noGrp="1"/>
-          </p:cNvSpPr>
-          <p:nvPr>
-            <p:ph type="dt" sz="half" idx="10"/>
-          </p:nvPr>
-        </p:nvSpPr>
-        <p:spPr/>
-        <p:txBody>
-          <a:bodyPr/>
-          <a:lstStyle/>
-          <a:p>
-            <a:fld id="{10B90D90-AA62-404D-A741-635B4370F9CB}" type="datetimeFigureOut">
-              <a:rPr lang="en-US" dirty="0"/>
-              <a:t>12/2/2014</a:t>
-            </a:fld>
-            <a:endParaRPr lang="en-US" dirty="0"/>
-          </a:p>
-        </p:txBody>
-      </p:sp>
-      <p:sp>
-        <p:nvSpPr>
-          <p:cNvPr id="4" name="Footer Placeholder 3"/>
-          <p:cNvSpPr>
-            <a:spLocks noGrp="1"/>
-          </p:cNvSpPr>
-          <p:nvPr>
-            <p:ph type="ftr" sz="quarter" idx="11"/>
-          </p:nvPr>
-        </p:nvSpPr>
-        <p:spPr/>
-        <p:txBody>
-          <a:bodyPr/>
-          <a:lstStyle/>
-          <a:p>
-            <a:endParaRPr lang="en-US" dirty="0"/>
-          </a:p>
-        </p:txBody>
-      </p:sp>
-      <p:sp>
-        <p:nvSpPr>
-          <p:cNvPr id="5" name="Slide Number Placeholder 4"/>
-          <p:cNvSpPr>
-            <a:spLocks noGrp="1"/>
-          </p:cNvSpPr>
-          <p:nvPr>
-            <p:ph type="sldNum" sz="quarter" idx="12"/>
-          </p:nvPr>
-        </p:nvSpPr>
-        <p:spPr/>
-        <p:txBody>
-          <a:bodyPr/>
-          <a:lstStyle/>
-          <a:p>
-            <a:fld id="{4FAB73BC-B049-4115-A692-8D63A059BFB8}" type="slidenum">
-              <a:rPr lang="en-US" dirty="0"/>
-              <a:t>‹#›</a:t>
-            </a:fld>
-            <a:endParaRPr lang="en-US" dirty="0"/>
-          </a:p>
-        </p:txBody>
-      </p:sp>
-    </p:spTree>
-  </p:cSld>
-  <p:clrMapOvr>
-    <a:masterClrMapping/>
-  </p:clrMapOvr>
-</p:sldLayout>
-</file>
-
-<file path=ppt/slideLayouts/slideLayout9.xml><?xml version="1.0" encoding="utf-8"?>
-<p:sldLayout xmlns:a="http://schemas.openxmlformats.org/drawingml/2006/main" xmlns:r="http://schemas.openxmlformats.org/officeDocument/2006/relationships" xmlns:p="http://schemas.openxmlformats.org/presentationml/2006/main" type="blank" preserve="1">
-  <p:cSld name="빈 화면">
-    <p:spTree>
-      <p:nvGrpSpPr>
-        <p:cNvPr id="1" name=""/>
-        <p:cNvGrpSpPr/>
-        <p:nvPr/>
-      </p:nvGrpSpPr>
-      <p:grpSpPr>
-        <a:xfrm>
-          <a:off x="0" y="0"/>
-          <a:ext cx="0" cy="0"/>
-          <a:chOff x="0" y="0"/>
-          <a:chExt cx="0" cy="0"/>
-        </a:xfrm>
-      </p:grpSpPr>
-      <p:sp>
-        <p:nvSpPr>
-          <p:cNvPr id="2" name="Date Placeholder 1"/>
-          <p:cNvSpPr>
-            <a:spLocks noGrp="1"/>
-          </p:cNvSpPr>
-          <p:nvPr>
-            <p:ph type="dt" sz="half" idx="10"/>
-          </p:nvPr>
-        </p:nvSpPr>
-        <p:spPr/>
-        <p:txBody>
-          <a:bodyPr/>
-          <a:lstStyle/>
-          <a:p>
-            <a:fld id="{A57002E4-6836-46D1-9DBB-3C27C0DD3A89}" type="datetimeFigureOut">
-              <a:rPr lang="en-US" dirty="0"/>
-              <a:t>12/2/2014</a:t>
-            </a:fld>
-            <a:endParaRPr lang="en-US" dirty="0"/>
-          </a:p>
-        </p:txBody>
-      </p:sp>
-      <p:sp>
-        <p:nvSpPr>
-          <p:cNvPr id="3" name="Footer Placeholder 2"/>
-          <p:cNvSpPr>
-            <a:spLocks noGrp="1"/>
-          </p:cNvSpPr>
-          <p:nvPr>
-            <p:ph type="ftr" sz="quarter" idx="11"/>
-          </p:nvPr>
-        </p:nvSpPr>
-        <p:spPr/>
-        <p:txBody>
-          <a:bodyPr/>
-          <a:lstStyle/>
-          <a:p>
-            <a:endParaRPr lang="en-US" dirty="0"/>
-          </a:p>
-        </p:txBody>
-      </p:sp>
-      <p:sp>
-        <p:nvSpPr>
-          <p:cNvPr id="4" name="Slide Number Placeholder 3"/>
-          <p:cNvSpPr>
-            <a:spLocks noGrp="1"/>
-          </p:cNvSpPr>
-          <p:nvPr>
-            <p:ph type="sldNum" sz="quarter" idx="12"/>
-          </p:nvPr>
-        </p:nvSpPr>
-        <p:spPr/>
-        <p:txBody>
-          <a:bodyPr/>
-          <a:lstStyle/>
-          <a:p>
-            <a:fld id="{4FAB73BC-B049-4115-A692-8D63A059BFB8}" type="slidenum">
-              <a:rPr lang="en-US" dirty="0"/>
-              <a:t>‹#›</a:t>
-            </a:fld>
-            <a:endParaRPr lang="en-US" dirty="0"/>
-          </a:p>
-        </p:txBody>
-      </p:sp>
-    </p:spTree>
-  </p:cSld>
-  <p:clrMapOvr>
-    <a:masterClrMapping/>
-  </p:clrMapOvr>
-  <p:timing>
-    <p:tnLst>
-      <p:par>
-        <p:cTn id="1" dur="indefinite" restart="never" nodeType="tmRoot"/>
-      </p:par>
-    </p:tnLst>
-  </p:timing>
 </p:sldLayout>
 </file>
 
@@ -4379,8 +3369,8 @@
           </a:lstStyle>
           <a:p>
             <a:fld id="{CBC48EC7-AF6A-48D3-8284-14BACBEBDD84}" type="datetimeFigureOut">
-              <a:rPr lang="en-US" dirty="0"/>
-              <a:t>12/2/2014</a:t>
+              <a:rPr lang="en-US" smtClean="0"/>
+              <a:t>12/4/2014</a:t>
             </a:fld>
             <a:endParaRPr lang="en-US" dirty="0"/>
           </a:p>
@@ -4459,7 +3449,7 @@
           </a:lstStyle>
           <a:p>
             <a:fld id="{4FAB73BC-B049-4115-A692-8D63A059BFB8}" type="slidenum">
-              <a:rPr lang="en-US" dirty="0"/>
+              <a:rPr lang="en-US" smtClean="0"/>
               <a:pPr/>
               <a:t>‹#›</a:t>
             </a:fld>
@@ -4468,22 +3458,25 @@
         </p:txBody>
       </p:sp>
     </p:spTree>
+    <p:extLst>
+      <p:ext uri="{BB962C8B-B14F-4D97-AF65-F5344CB8AC3E}">
+        <p14:creationId xmlns:p14="http://schemas.microsoft.com/office/powerpoint/2010/main" val="285437845"/>
+      </p:ext>
+    </p:extLst>
   </p:cSld>
   <p:clrMap bg1="lt1" tx1="dk1" bg2="lt2" tx2="dk2" accent1="accent1" accent2="accent2" accent3="accent3" accent4="accent4" accent5="accent5" accent6="accent6" hlink="hlink" folHlink="folHlink"/>
   <p:sldLayoutIdLst>
-    <p:sldLayoutId id="2147483769" r:id="rId1"/>
-    <p:sldLayoutId id="2147483780" r:id="rId2"/>
-    <p:sldLayoutId id="2147483781" r:id="rId3"/>
-    <p:sldLayoutId id="2147483770" r:id="rId4"/>
-    <p:sldLayoutId id="2147483771" r:id="rId5"/>
-    <p:sldLayoutId id="2147483772" r:id="rId6"/>
-    <p:sldLayoutId id="2147483773" r:id="rId7"/>
-    <p:sldLayoutId id="2147483774" r:id="rId8"/>
-    <p:sldLayoutId id="2147483775" r:id="rId9"/>
-    <p:sldLayoutId id="2147483776" r:id="rId10"/>
-    <p:sldLayoutId id="2147483777" r:id="rId11"/>
-    <p:sldLayoutId id="2147483778" r:id="rId12"/>
-    <p:sldLayoutId id="2147483779" r:id="rId13"/>
+    <p:sldLayoutId id="2147483783" r:id="rId1"/>
+    <p:sldLayoutId id="2147483784" r:id="rId2"/>
+    <p:sldLayoutId id="2147483785" r:id="rId3"/>
+    <p:sldLayoutId id="2147483786" r:id="rId4"/>
+    <p:sldLayoutId id="2147483787" r:id="rId5"/>
+    <p:sldLayoutId id="2147483788" r:id="rId6"/>
+    <p:sldLayoutId id="2147483789" r:id="rId7"/>
+    <p:sldLayoutId id="2147483790" r:id="rId8"/>
+    <p:sldLayoutId id="2147483791" r:id="rId9"/>
+    <p:sldLayoutId id="2147483792" r:id="rId10"/>
+    <p:sldLayoutId id="2147483781" r:id="rId11"/>
   </p:sldLayoutIdLst>
   <p:timing>
     <p:tnLst>
@@ -4866,7 +3859,7 @@
         </p:nvSpPr>
         <p:spPr>
           <a:xfrm>
-            <a:off x="554760" y="1236162"/>
+            <a:off x="393183" y="1005264"/>
             <a:ext cx="11217945" cy="3308430"/>
           </a:xfrm>
         </p:spPr>
@@ -4875,15 +3868,10 @@
           <a:lstStyle/>
           <a:p>
             <a:r>
-              <a:rPr lang="en-US" altLang="ko-KR" sz="23900" cap="none" dirty="0" smtClean="0">
-                <a:latin typeface="+mj-lt"/>
-                <a:ea typeface="Adobe Song Std L" panose="02020300000000000000" pitchFamily="18" charset="-128"/>
-              </a:rPr>
+              <a:rPr lang="en-US" altLang="ko-KR" sz="28700" dirty="0"/>
               <a:t>List</a:t>
             </a:r>
-            <a:endParaRPr lang="ko-KR" altLang="en-US" sz="23900" cap="none" dirty="0">
-              <a:latin typeface="+mj-lt"/>
-            </a:endParaRPr>
+            <a:endParaRPr lang="ko-KR" altLang="en-US" sz="28700" dirty="0"/>
           </a:p>
         </p:txBody>
       </p:sp>
@@ -5224,8 +4212,8 @@
         </p:nvSpPr>
         <p:spPr>
           <a:xfrm>
-            <a:off x="2382853" y="1259175"/>
-            <a:ext cx="7426295" cy="4339650"/>
+            <a:off x="1844570" y="2321005"/>
+            <a:ext cx="8502861" cy="2215991"/>
           </a:xfrm>
           <a:prstGeom prst="rect">
             <a:avLst/>
@@ -5302,8 +4290,8 @@
         </p:nvSpPr>
         <p:spPr>
           <a:xfrm>
-            <a:off x="391683" y="735955"/>
-            <a:ext cx="11408635" cy="5386090"/>
+            <a:off x="406197" y="1174537"/>
+            <a:ext cx="11408635" cy="4508927"/>
           </a:xfrm>
           <a:prstGeom prst="rect">
             <a:avLst/>
@@ -5318,7 +4306,7 @@
           <a:p>
             <a:pPr algn="ctr"/>
             <a:r>
-              <a:rPr lang="en-US" altLang="ko-KR" sz="34400" b="1" dirty="0" smtClean="0">
+              <a:rPr lang="en-US" altLang="ko-KR" sz="28700" dirty="0" smtClean="0">
                 <a:solidFill>
                   <a:srgbClr val="333333"/>
                 </a:solidFill>
@@ -5326,7 +4314,7 @@
               </a:rPr>
               <a:t>C</a:t>
             </a:r>
-            <a:endParaRPr lang="ko-KR" altLang="en-US" sz="34400" b="1" dirty="0">
+            <a:endParaRPr lang="ko-KR" altLang="en-US" sz="28700" dirty="0">
               <a:solidFill>
                 <a:srgbClr val="333333"/>
               </a:solidFill>
@@ -5492,7 +4480,7 @@
           <a:p>
             <a:pPr algn="ctr"/>
             <a:r>
-              <a:rPr lang="en-US" altLang="ko-KR" sz="16600" b="1" dirty="0" smtClean="0">
+              <a:rPr lang="en-US" altLang="ko-KR" sz="16600" dirty="0" smtClean="0">
                 <a:solidFill>
                   <a:srgbClr val="333333"/>
                 </a:solidFill>
@@ -5500,7 +4488,7 @@
               </a:rPr>
               <a:t>JavaScript</a:t>
             </a:r>
-            <a:endParaRPr lang="ko-KR" altLang="en-US" sz="16600" b="1" dirty="0">
+            <a:endParaRPr lang="ko-KR" altLang="en-US" sz="16600" dirty="0">
               <a:solidFill>
                 <a:srgbClr val="333333"/>
               </a:solidFill>
@@ -5802,7 +4790,7 @@
           <a:p>
             <a:pPr algn="ctr"/>
             <a:r>
-              <a:rPr lang="en-US" altLang="ko-KR" sz="16600" b="1" dirty="0" smtClean="0">
+              <a:rPr lang="en-US" altLang="ko-KR" sz="16600" dirty="0" smtClean="0">
                 <a:solidFill>
                   <a:srgbClr val="333333"/>
                 </a:solidFill>
@@ -5810,7 +4798,7 @@
               </a:rPr>
               <a:t>Python</a:t>
             </a:r>
-            <a:endParaRPr lang="ko-KR" altLang="en-US" sz="16600" b="1" dirty="0">
+            <a:endParaRPr lang="ko-KR" altLang="en-US" sz="16600" dirty="0">
               <a:solidFill>
                 <a:srgbClr val="333333"/>
               </a:solidFill>
@@ -6176,7 +5164,7 @@
           <a:p>
             <a:pPr algn="ctr"/>
             <a:r>
-              <a:rPr lang="ko-KR" altLang="en-US" sz="13800" b="1" dirty="0" smtClean="0">
+              <a:rPr lang="ko-KR" altLang="en-US" sz="13800" dirty="0" smtClean="0">
                 <a:solidFill>
                   <a:srgbClr val="333333"/>
                 </a:solidFill>
@@ -6184,7 +5172,7 @@
               </a:rPr>
               <a:t>리스트가</a:t>
             </a:r>
-            <a:endParaRPr lang="en-US" altLang="ko-KR" sz="13800" b="1" dirty="0" smtClean="0">
+            <a:endParaRPr lang="en-US" altLang="ko-KR" sz="13800" dirty="0" smtClean="0">
               <a:solidFill>
                 <a:srgbClr val="333333"/>
               </a:solidFill>
@@ -6194,7 +5182,7 @@
           <a:p>
             <a:pPr algn="ctr"/>
             <a:r>
-              <a:rPr lang="ko-KR" altLang="en-US" sz="13800" b="1" dirty="0" smtClean="0">
+              <a:rPr lang="ko-KR" altLang="en-US" sz="13800" dirty="0" smtClean="0">
                 <a:solidFill>
                   <a:srgbClr val="333333"/>
                 </a:solidFill>
@@ -6202,7 +5190,7 @@
               </a:rPr>
               <a:t>배열</a:t>
             </a:r>
-            <a:endParaRPr lang="en-US" altLang="ko-KR" sz="13800" b="1" dirty="0" smtClean="0">
+            <a:endParaRPr lang="en-US" altLang="ko-KR" sz="13800" dirty="0" smtClean="0">
               <a:solidFill>
                 <a:srgbClr val="333333"/>
               </a:solidFill>
@@ -6272,7 +5260,7 @@
           <a:p>
             <a:pPr algn="ctr"/>
             <a:r>
-              <a:rPr lang="ko-KR" altLang="en-US" sz="16600" b="1" dirty="0" smtClean="0">
+              <a:rPr lang="ko-KR" altLang="en-US" sz="16600" dirty="0" smtClean="0">
                 <a:solidFill>
                   <a:srgbClr val="333333"/>
                 </a:solidFill>
@@ -6280,7 +5268,7 @@
               </a:rPr>
               <a:t>결론</a:t>
             </a:r>
-            <a:endParaRPr lang="ko-KR" altLang="en-US" sz="16600" b="1" dirty="0">
+            <a:endParaRPr lang="ko-KR" altLang="en-US" sz="16600" dirty="0">
               <a:solidFill>
                 <a:srgbClr val="333333"/>
               </a:solidFill>
@@ -6350,7 +5338,7 @@
           <a:p>
             <a:pPr algn="ctr"/>
             <a:r>
-              <a:rPr lang="ko-KR" altLang="en-US" sz="8000" b="1" dirty="0" smtClean="0">
+              <a:rPr lang="ko-KR" altLang="en-US" sz="8000" dirty="0" smtClean="0">
                 <a:solidFill>
                   <a:srgbClr val="333333"/>
                 </a:solidFill>
@@ -6358,7 +5346,7 @@
               </a:rPr>
               <a:t>최근의 언어는 </a:t>
             </a:r>
-            <a:endParaRPr lang="en-US" altLang="ko-KR" sz="8000" b="1" dirty="0" smtClean="0">
+            <a:endParaRPr lang="en-US" altLang="ko-KR" sz="8000" dirty="0" smtClean="0">
               <a:solidFill>
                 <a:srgbClr val="333333"/>
               </a:solidFill>
@@ -6368,7 +5356,7 @@
           <a:p>
             <a:pPr algn="ctr"/>
             <a:r>
-              <a:rPr lang="ko-KR" altLang="en-US" sz="8000" b="1" dirty="0" smtClean="0">
+              <a:rPr lang="ko-KR" altLang="en-US" sz="8000" dirty="0" smtClean="0">
                 <a:solidFill>
                   <a:srgbClr val="333333"/>
                 </a:solidFill>
@@ -6376,7 +5364,7 @@
               </a:rPr>
               <a:t>리스트를 </a:t>
             </a:r>
-            <a:endParaRPr lang="en-US" altLang="ko-KR" sz="8000" b="1" dirty="0" smtClean="0">
+            <a:endParaRPr lang="en-US" altLang="ko-KR" sz="8000" dirty="0" smtClean="0">
               <a:solidFill>
                 <a:srgbClr val="333333"/>
               </a:solidFill>
@@ -6386,7 +5374,7 @@
           <a:p>
             <a:pPr algn="ctr"/>
             <a:r>
-              <a:rPr lang="ko-KR" altLang="en-US" sz="8000" b="1" dirty="0" smtClean="0">
+              <a:rPr lang="ko-KR" altLang="en-US" sz="8000" dirty="0" smtClean="0">
                 <a:solidFill>
                   <a:srgbClr val="C00000"/>
                 </a:solidFill>
@@ -6395,7 +5383,7 @@
               <a:t>기본적</a:t>
             </a:r>
             <a:r>
-              <a:rPr lang="ko-KR" altLang="en-US" sz="8000" b="1" dirty="0" smtClean="0">
+              <a:rPr lang="ko-KR" altLang="en-US" sz="8000" dirty="0" smtClean="0">
                 <a:solidFill>
                   <a:srgbClr val="333333"/>
                 </a:solidFill>
@@ -6403,7 +5391,7 @@
               </a:rPr>
               <a:t>으로</a:t>
             </a:r>
-            <a:endParaRPr lang="en-US" altLang="ko-KR" sz="8000" b="1" dirty="0" smtClean="0">
+            <a:endParaRPr lang="en-US" altLang="ko-KR" sz="8000" dirty="0" smtClean="0">
               <a:solidFill>
                 <a:srgbClr val="333333"/>
               </a:solidFill>
@@ -6413,7 +5401,7 @@
           <a:p>
             <a:pPr algn="ctr"/>
             <a:r>
-              <a:rPr lang="ko-KR" altLang="en-US" sz="8000" b="1" dirty="0" smtClean="0">
+              <a:rPr lang="ko-KR" altLang="en-US" sz="8000" dirty="0" smtClean="0">
                 <a:solidFill>
                   <a:srgbClr val="333333"/>
                 </a:solidFill>
@@ -6421,7 +5409,7 @@
               </a:rPr>
               <a:t>지원한다</a:t>
             </a:r>
-            <a:endParaRPr lang="ko-KR" altLang="en-US" sz="8000" b="1" dirty="0">
+            <a:endParaRPr lang="ko-KR" altLang="en-US" sz="8000" dirty="0">
               <a:solidFill>
                 <a:srgbClr val="333333"/>
               </a:solidFill>
@@ -6491,7 +5479,7 @@
           <a:p>
             <a:pPr algn="ctr"/>
             <a:r>
-              <a:rPr lang="en-US" altLang="ko-KR" sz="16600" b="1" dirty="0" smtClean="0">
+              <a:rPr lang="en-US" altLang="ko-KR" sz="16600" dirty="0" smtClean="0">
                 <a:solidFill>
                   <a:srgbClr val="333333"/>
                 </a:solidFill>
@@ -6499,7 +5487,7 @@
               </a:rPr>
               <a:t>Java</a:t>
             </a:r>
-            <a:endParaRPr lang="ko-KR" altLang="en-US" sz="16600" b="1" dirty="0">
+            <a:endParaRPr lang="ko-KR" altLang="en-US" sz="16600" dirty="0">
               <a:solidFill>
                 <a:srgbClr val="333333"/>
               </a:solidFill>
@@ -6947,7 +5935,7 @@
           <a:p>
             <a:pPr algn="ctr"/>
             <a:r>
-              <a:rPr lang="ko-KR" altLang="en-US" sz="8800" b="1" dirty="0" smtClean="0">
+              <a:rPr lang="ko-KR" altLang="en-US" sz="8800" dirty="0" smtClean="0">
                 <a:solidFill>
                   <a:srgbClr val="333333"/>
                 </a:solidFill>
@@ -6955,7 +5943,7 @@
               </a:rPr>
               <a:t>배열과</a:t>
             </a:r>
-            <a:endParaRPr lang="en-US" altLang="ko-KR" sz="8800" b="1" dirty="0" smtClean="0">
+            <a:endParaRPr lang="en-US" altLang="ko-KR" sz="8800" dirty="0" smtClean="0">
               <a:solidFill>
                 <a:srgbClr val="333333"/>
               </a:solidFill>
@@ -6965,7 +5953,7 @@
           <a:p>
             <a:pPr algn="ctr"/>
             <a:r>
-              <a:rPr lang="ko-KR" altLang="en-US" sz="8800" b="1" dirty="0" smtClean="0">
+              <a:rPr lang="ko-KR" altLang="en-US" sz="8800" dirty="0" smtClean="0">
                 <a:solidFill>
                   <a:srgbClr val="333333"/>
                 </a:solidFill>
@@ -6973,7 +5961,7 @@
               </a:rPr>
               <a:t>리스트</a:t>
             </a:r>
-            <a:endParaRPr lang="en-US" altLang="ko-KR" sz="8800" b="1" dirty="0" smtClean="0">
+            <a:endParaRPr lang="en-US" altLang="ko-KR" sz="8800" dirty="0" smtClean="0">
               <a:solidFill>
                 <a:srgbClr val="333333"/>
               </a:solidFill>
@@ -6983,7 +5971,7 @@
           <a:p>
             <a:pPr algn="ctr"/>
             <a:r>
-              <a:rPr lang="ko-KR" altLang="en-US" sz="8800" b="1" dirty="0" smtClean="0">
+              <a:rPr lang="ko-KR" altLang="en-US" sz="8800" dirty="0" smtClean="0">
                 <a:solidFill>
                   <a:srgbClr val="C00000"/>
                 </a:solidFill>
@@ -6991,7 +5979,7 @@
               </a:rPr>
               <a:t>모두</a:t>
             </a:r>
-            <a:endParaRPr lang="en-US" altLang="ko-KR" sz="8800" b="1" dirty="0" smtClean="0">
+            <a:endParaRPr lang="en-US" altLang="ko-KR" sz="8800" dirty="0" smtClean="0">
               <a:solidFill>
                 <a:srgbClr val="C00000"/>
               </a:solidFill>
@@ -7001,7 +5989,7 @@
           <a:p>
             <a:pPr algn="ctr"/>
             <a:r>
-              <a:rPr lang="ko-KR" altLang="en-US" sz="8800" b="1" dirty="0" smtClean="0">
+              <a:rPr lang="ko-KR" altLang="en-US" sz="8800" dirty="0" smtClean="0">
                 <a:solidFill>
                   <a:srgbClr val="333333"/>
                 </a:solidFill>
@@ -7009,7 +5997,7 @@
               </a:rPr>
               <a:t>지원</a:t>
             </a:r>
-            <a:endParaRPr lang="en-US" altLang="ko-KR" sz="8800" b="1" dirty="0" smtClean="0">
+            <a:endParaRPr lang="en-US" altLang="ko-KR" sz="8800" dirty="0" smtClean="0">
               <a:solidFill>
                 <a:srgbClr val="333333"/>
               </a:solidFill>
@@ -7063,7 +6051,7 @@
         </p:nvSpPr>
         <p:spPr>
           <a:xfrm>
-            <a:off x="1087770" y="2367171"/>
+            <a:off x="1900570" y="2367171"/>
             <a:ext cx="10016460" cy="2123658"/>
           </a:xfrm>
           <a:prstGeom prst="rect">
@@ -7163,8 +6151,8 @@
         </p:nvSpPr>
         <p:spPr>
           <a:xfrm>
-            <a:off x="400229" y="700038"/>
-            <a:ext cx="11408635" cy="5139869"/>
+            <a:off x="391683" y="797511"/>
+            <a:ext cx="11408635" cy="5262979"/>
           </a:xfrm>
           <a:prstGeom prst="rect">
             <a:avLst/>
@@ -7177,8 +6165,9 @@
           </a:bodyPr>
           <a:lstStyle/>
           <a:p>
-            <a:r>
-              <a:rPr lang="ko-KR" altLang="en-US" sz="8800" b="1" dirty="0" smtClean="0">
+            <a:pPr algn="ctr"/>
+            <a:r>
+              <a:rPr lang="ko-KR" altLang="en-US" sz="9600" b="1" dirty="0" smtClean="0">
                 <a:solidFill>
                   <a:srgbClr val="333333"/>
                 </a:solidFill>
@@ -7187,7 +6176,7 @@
               <a:t>리스트를 두 개 지원</a:t>
             </a:r>
             <a:r>
-              <a:rPr lang="en-US" altLang="ko-KR" sz="8800" b="1" dirty="0" smtClean="0">
+              <a:rPr lang="en-US" altLang="ko-KR" sz="9600" b="1" dirty="0" smtClean="0">
                 <a:solidFill>
                   <a:srgbClr val="333333"/>
                 </a:solidFill>
@@ -7197,6 +6186,34 @@
             </a:r>
           </a:p>
           <a:p>
+            <a:pPr algn="ctr"/>
+            <a:endParaRPr lang="en-US" altLang="ko-KR" sz="8000" b="1" dirty="0" smtClean="0">
+              <a:solidFill>
+                <a:srgbClr val="333333"/>
+              </a:solidFill>
+              <a:latin typeface="+mj-lt"/>
+            </a:endParaRPr>
+          </a:p>
+          <a:p>
+            <a:pPr lvl="2" algn="ctr"/>
+            <a:r>
+              <a:rPr lang="en-US" altLang="ko-KR" sz="8000" b="1" dirty="0" smtClean="0">
+                <a:solidFill>
+                  <a:srgbClr val="C00000"/>
+                </a:solidFill>
+                <a:latin typeface="+mj-lt"/>
+              </a:rPr>
+              <a:t>Linked</a:t>
+            </a:r>
+            <a:r>
+              <a:rPr lang="en-US" altLang="ko-KR" sz="8000" b="1" dirty="0" smtClean="0">
+                <a:solidFill>
+                  <a:srgbClr val="333333"/>
+                </a:solidFill>
+                <a:latin typeface="+mj-lt"/>
+              </a:rPr>
+              <a:t>List</a:t>
+            </a:r>
             <a:endParaRPr lang="en-US" altLang="ko-KR" sz="8000" b="1" dirty="0">
               <a:solidFill>
                 <a:srgbClr val="333333"/>
@@ -7205,28 +6222,7 @@
             </a:endParaRPr>
           </a:p>
           <a:p>
-            <a:pPr lvl="2"/>
-            <a:r>
-              <a:rPr lang="en-US" altLang="ko-KR" sz="8000" b="1" dirty="0" smtClean="0">
-                <a:solidFill>
-                  <a:srgbClr val="C00000"/>
-                </a:solidFill>
-                <a:latin typeface="+mj-lt"/>
-              </a:rPr>
-              <a:t>Linked</a:t>
-            </a:r>
-            <a:r>
-              <a:rPr lang="en-US" altLang="ko-KR" sz="8000" b="1" dirty="0" smtClean="0">
-                <a:solidFill>
-                  <a:srgbClr val="333333"/>
-                </a:solidFill>
-                <a:latin typeface="+mj-lt"/>
-              </a:rPr>
-              <a:t>List</a:t>
-            </a:r>
-          </a:p>
-          <a:p>
-            <a:pPr lvl="2"/>
+            <a:pPr lvl="2" algn="ctr"/>
             <a:r>
               <a:rPr lang="en-US" altLang="ko-KR" sz="8000" b="1" dirty="0" smtClean="0">
                 <a:solidFill>
@@ -7307,7 +6303,7 @@
         </p:blipFill>
         <p:spPr>
           <a:xfrm>
-            <a:off x="7102523" y="1815047"/>
+            <a:off x="8260005" y="2119847"/>
             <a:ext cx="1791375" cy="1791375"/>
           </a:xfrm>
           <a:prstGeom prst="rect">
@@ -7323,7 +6319,7 @@
         </p:nvSpPr>
         <p:spPr>
           <a:xfrm>
-            <a:off x="2036488" y="2418348"/>
+            <a:off x="1728354" y="2723148"/>
             <a:ext cx="2016899" cy="584775"/>
           </a:xfrm>
           <a:prstGeom prst="rect">
@@ -7357,7 +6353,7 @@
         </p:nvSpPr>
         <p:spPr>
           <a:xfrm>
-            <a:off x="1864903" y="4126835"/>
+            <a:off x="1556769" y="4431635"/>
             <a:ext cx="2188484" cy="584775"/>
           </a:xfrm>
           <a:prstGeom prst="rect">
@@ -7391,7 +6387,7 @@
         </p:nvSpPr>
         <p:spPr>
           <a:xfrm>
-            <a:off x="4632158" y="1347533"/>
+            <a:off x="4970798" y="1196358"/>
             <a:ext cx="1784463" cy="584775"/>
           </a:xfrm>
           <a:prstGeom prst="rect">
@@ -7437,7 +6433,7 @@
         </p:nvSpPr>
         <p:spPr>
           <a:xfrm>
-            <a:off x="7004468" y="1378310"/>
+            <a:off x="8257048" y="1227135"/>
             <a:ext cx="1797288" cy="523220"/>
           </a:xfrm>
           <a:prstGeom prst="rect">
@@ -7486,7 +6482,7 @@
         </p:blipFill>
         <p:spPr>
           <a:xfrm>
-            <a:off x="4467607" y="3523534"/>
+            <a:off x="4967342" y="3828334"/>
             <a:ext cx="1791375" cy="1791375"/>
           </a:xfrm>
           <a:prstGeom prst="rect">
@@ -7516,7 +6512,7 @@
         </p:blipFill>
         <p:spPr>
           <a:xfrm>
-            <a:off x="4795834" y="2052144"/>
+            <a:off x="5204439" y="2356944"/>
             <a:ext cx="1317180" cy="1317180"/>
           </a:xfrm>
           <a:prstGeom prst="rect">
@@ -7546,7 +6542,7 @@
         </p:blipFill>
         <p:spPr>
           <a:xfrm>
-            <a:off x="7539034" y="3832821"/>
+            <a:off x="8497102" y="4137621"/>
             <a:ext cx="1317180" cy="1317180"/>
           </a:xfrm>
           <a:prstGeom prst="rect">
@@ -7629,7 +6625,7 @@
         </p:nvSpPr>
         <p:spPr>
           <a:xfrm>
-            <a:off x="2384855" y="1598139"/>
+            <a:off x="2325130" y="1598139"/>
             <a:ext cx="7541740" cy="1200329"/>
           </a:xfrm>
           <a:prstGeom prst="rect">
@@ -7643,6 +6639,7 @@
           </a:bodyPr>
           <a:lstStyle/>
           <a:p>
+            <a:pPr algn="ctr"/>
             <a:r>
               <a:rPr lang="en-US" altLang="ko-KR" sz="7200" dirty="0" smtClean="0">
                 <a:solidFill>
@@ -7737,7 +6734,7 @@
           <a:p>
             <a:pPr algn="ctr"/>
             <a:r>
-              <a:rPr lang="ko-KR" altLang="en-US" sz="8000" b="1" dirty="0" smtClean="0">
+              <a:rPr lang="ko-KR" altLang="en-US" sz="8000" dirty="0" smtClean="0">
                 <a:solidFill>
                   <a:srgbClr val="333333"/>
                 </a:solidFill>
@@ -7745,7 +6742,7 @@
               </a:rPr>
               <a:t>데이터</a:t>
             </a:r>
-            <a:endParaRPr lang="en-US" altLang="ko-KR" sz="8000" b="1" dirty="0" smtClean="0">
+            <a:endParaRPr lang="en-US" altLang="ko-KR" sz="8000" dirty="0" smtClean="0">
               <a:solidFill>
                 <a:srgbClr val="333333"/>
               </a:solidFill>
@@ -7755,7 +6752,7 @@
           <a:p>
             <a:pPr algn="ctr"/>
             <a:r>
-              <a:rPr lang="ko-KR" altLang="en-US" sz="8000" b="1" dirty="0" smtClean="0">
+              <a:rPr lang="ko-KR" altLang="en-US" sz="8000" dirty="0" smtClean="0">
                 <a:solidFill>
                   <a:srgbClr val="333333"/>
                 </a:solidFill>
@@ -7763,7 +6760,7 @@
               </a:rPr>
               <a:t>스트럭쳐는</a:t>
             </a:r>
-            <a:endParaRPr lang="en-US" altLang="ko-KR" sz="8000" b="1" dirty="0">
+            <a:endParaRPr lang="en-US" altLang="ko-KR" sz="8000" dirty="0">
               <a:solidFill>
                 <a:srgbClr val="333333"/>
               </a:solidFill>
@@ -7773,7 +6770,7 @@
           <a:p>
             <a:pPr algn="ctr"/>
             <a:r>
-              <a:rPr lang="ko-KR" altLang="en-US" sz="8000" b="1" dirty="0" smtClean="0">
+              <a:rPr lang="ko-KR" altLang="en-US" sz="8000" dirty="0" smtClean="0">
                 <a:solidFill>
                   <a:srgbClr val="333333"/>
                 </a:solidFill>
@@ -7781,7 +6778,7 @@
               </a:rPr>
               <a:t>언어마다</a:t>
             </a:r>
-            <a:endParaRPr lang="en-US" altLang="ko-KR" sz="8000" b="1" dirty="0" smtClean="0">
+            <a:endParaRPr lang="en-US" altLang="ko-KR" sz="8000" dirty="0" smtClean="0">
               <a:solidFill>
                 <a:srgbClr val="333333"/>
               </a:solidFill>
@@ -7791,7 +6788,7 @@
           <a:p>
             <a:pPr algn="ctr"/>
             <a:r>
-              <a:rPr lang="ko-KR" altLang="en-US" sz="8000" b="1" dirty="0" smtClean="0">
+              <a:rPr lang="ko-KR" altLang="en-US" sz="8000" dirty="0" smtClean="0">
                 <a:solidFill>
                   <a:srgbClr val="333333"/>
                 </a:solidFill>
@@ -7799,7 +6796,7 @@
               </a:rPr>
               <a:t>다르다</a:t>
             </a:r>
-            <a:endParaRPr lang="en-US" altLang="ko-KR" sz="8000" b="1" dirty="0" smtClean="0">
+            <a:endParaRPr lang="en-US" altLang="ko-KR" sz="8000" dirty="0" smtClean="0">
               <a:solidFill>
                 <a:srgbClr val="333333"/>
               </a:solidFill>
@@ -7853,8 +6850,8 @@
         </p:nvSpPr>
         <p:spPr>
           <a:xfrm>
-            <a:off x="1617567" y="1851645"/>
-            <a:ext cx="8102283" cy="3770263"/>
+            <a:off x="2378476" y="1543869"/>
+            <a:ext cx="7435049" cy="3770263"/>
           </a:xfrm>
           <a:prstGeom prst="rect">
             <a:avLst/>
@@ -7868,14 +6865,14 @@
           <a:p>
             <a:pPr lvl="2"/>
             <a:r>
-              <a:rPr lang="en-US" altLang="ko-KR" sz="23900" b="1" i="1" dirty="0" smtClean="0">
+              <a:rPr lang="en-US" altLang="ko-KR" sz="23900" dirty="0" smtClean="0">
                 <a:solidFill>
                   <a:srgbClr val="333333"/>
                 </a:solidFill>
               </a:rPr>
               <a:t>NEXT</a:t>
             </a:r>
-            <a:endParaRPr lang="en-US" altLang="ko-KR" sz="23900" b="1" i="1" dirty="0">
+            <a:endParaRPr lang="en-US" altLang="ko-KR" sz="23900" dirty="0">
               <a:solidFill>
                 <a:srgbClr val="333333"/>
               </a:solidFill>
@@ -7928,8 +6925,8 @@
         </p:nvSpPr>
         <p:spPr>
           <a:xfrm>
-            <a:off x="1099559" y="2356825"/>
-            <a:ext cx="4335566" cy="2308324"/>
+            <a:off x="798284" y="1691467"/>
+            <a:ext cx="4622325" cy="3631763"/>
           </a:xfrm>
           <a:prstGeom prst="rect">
             <a:avLst/>
@@ -7943,14 +6940,14 @@
           <a:p>
             <a:pPr lvl="2" algn="r"/>
             <a:r>
-              <a:rPr lang="en-US" altLang="ko-KR" sz="7200" b="1" dirty="0" smtClean="0">
+              <a:rPr lang="en-US" altLang="ko-KR" sz="11500" dirty="0" smtClean="0">
                 <a:solidFill>
                   <a:srgbClr val="C00000"/>
                 </a:solidFill>
               </a:rPr>
               <a:t>Linked</a:t>
             </a:r>
-            <a:endParaRPr lang="en-US" altLang="ko-KR" sz="7200" b="1" dirty="0">
+            <a:endParaRPr lang="en-US" altLang="ko-KR" sz="11500" dirty="0">
               <a:solidFill>
                 <a:srgbClr val="333333"/>
               </a:solidFill>
@@ -7959,14 +6956,14 @@
           <a:p>
             <a:pPr lvl="2" algn="r"/>
             <a:r>
-              <a:rPr lang="en-US" altLang="ko-KR" sz="7200" b="1" dirty="0" smtClean="0">
+              <a:rPr lang="en-US" altLang="ko-KR" sz="11500" dirty="0" smtClean="0">
                 <a:solidFill>
                   <a:srgbClr val="C00000"/>
                 </a:solidFill>
               </a:rPr>
               <a:t>Array</a:t>
             </a:r>
-            <a:endParaRPr lang="en-US" altLang="ko-KR" sz="7200" b="1" dirty="0">
+            <a:endParaRPr lang="en-US" altLang="ko-KR" sz="11500" dirty="0">
               <a:solidFill>
                 <a:srgbClr val="333333"/>
               </a:solidFill>
@@ -7982,8 +6979,8 @@
         </p:nvSpPr>
         <p:spPr>
           <a:xfrm>
-            <a:off x="4879857" y="2217303"/>
-            <a:ext cx="4639412" cy="2646878"/>
+            <a:off x="5166840" y="1622218"/>
+            <a:ext cx="5426486" cy="3770263"/>
           </a:xfrm>
           <a:prstGeom prst="rect">
             <a:avLst/>
@@ -7997,7 +6994,7 @@
           <a:p>
             <a:pPr lvl="2" algn="r"/>
             <a:r>
-              <a:rPr lang="en-US" altLang="ko-KR" sz="16600" b="1" dirty="0">
+              <a:rPr lang="en-US" altLang="ko-KR" sz="23900" dirty="0">
                 <a:solidFill>
                   <a:srgbClr val="333333"/>
                 </a:solidFill>
@@ -8044,15 +7041,90 @@
           <a:chExt cx="0" cy="0"/>
         </a:xfrm>
       </p:grpSpPr>
+      <p:grpSp>
+        <p:nvGrpSpPr>
+          <p:cNvPr id="3" name="그룹 2"/>
+          <p:cNvGrpSpPr/>
+          <p:nvPr/>
+        </p:nvGrpSpPr>
+        <p:grpSpPr>
+          <a:xfrm>
+            <a:off x="2603328" y="3354345"/>
+            <a:ext cx="6985344" cy="2460711"/>
+            <a:chOff x="2552356" y="3381866"/>
+            <a:chExt cx="6985344" cy="2460711"/>
+          </a:xfrm>
+        </p:grpSpPr>
+        <p:pic>
+          <p:nvPicPr>
+            <p:cNvPr id="6" name="그림 5"/>
+            <p:cNvPicPr>
+              <a:picLocks noChangeAspect="1"/>
+            </p:cNvPicPr>
+            <p:nvPr/>
+          </p:nvPicPr>
+          <p:blipFill>
+            <a:blip r:embed="rId2" cstate="print">
+              <a:extLst>
+                <a:ext uri="{28A0092B-C50C-407E-A947-70E740481C1C}">
+                  <a14:useLocalDpi xmlns:a14="http://schemas.microsoft.com/office/drawing/2010/main" val="0"/>
+                </a:ext>
+              </a:extLst>
+            </a:blip>
+            <a:stretch>
+              <a:fillRect/>
+            </a:stretch>
+          </p:blipFill>
+          <p:spPr>
+            <a:xfrm>
+              <a:off x="2552356" y="3381866"/>
+              <a:ext cx="2460711" cy="2460711"/>
+            </a:xfrm>
+            <a:prstGeom prst="rect">
+              <a:avLst/>
+            </a:prstGeom>
+          </p:spPr>
+        </p:pic>
+        <p:pic>
+          <p:nvPicPr>
+            <p:cNvPr id="2" name="그림 1"/>
+            <p:cNvPicPr>
+              <a:picLocks noChangeAspect="1"/>
+            </p:cNvPicPr>
+            <p:nvPr/>
+          </p:nvPicPr>
+          <p:blipFill>
+            <a:blip r:embed="rId3">
+              <a:extLst>
+                <a:ext uri="{28A0092B-C50C-407E-A947-70E740481C1C}">
+                  <a14:useLocalDpi xmlns:a14="http://schemas.microsoft.com/office/drawing/2010/main" val="0"/>
+                </a:ext>
+              </a:extLst>
+            </a:blip>
+            <a:stretch>
+              <a:fillRect/>
+            </a:stretch>
+          </p:blipFill>
+          <p:spPr>
+            <a:xfrm>
+              <a:off x="7119895" y="3403319"/>
+              <a:ext cx="2417805" cy="2417805"/>
+            </a:xfrm>
+            <a:prstGeom prst="rect">
+              <a:avLst/>
+            </a:prstGeom>
+          </p:spPr>
+        </p:pic>
+      </p:grpSp>
       <p:sp>
         <p:nvSpPr>
-          <p:cNvPr id="4" name="TextBox 3"/>
+          <p:cNvPr id="5" name="TextBox 4"/>
           <p:cNvSpPr txBox="1"/>
           <p:nvPr/>
         </p:nvSpPr>
         <p:spPr>
           <a:xfrm>
-            <a:off x="2384855" y="1598139"/>
+            <a:off x="2325130" y="1598139"/>
             <a:ext cx="7541740" cy="1200329"/>
           </a:xfrm>
           <a:prstGeom prst="rect">
@@ -8066,6 +7138,7 @@
           </a:bodyPr>
           <a:lstStyle/>
           <a:p>
+            <a:pPr algn="ctr"/>
             <a:r>
               <a:rPr lang="en-US" altLang="ko-KR" sz="7200" dirty="0" smtClean="0">
                 <a:solidFill>
@@ -8099,66 +7172,6 @@
           </a:p>
         </p:txBody>
       </p:sp>
-      <p:pic>
-        <p:nvPicPr>
-          <p:cNvPr id="6" name="그림 5"/>
-          <p:cNvPicPr>
-            <a:picLocks noChangeAspect="1"/>
-          </p:cNvPicPr>
-          <p:nvPr/>
-        </p:nvPicPr>
-        <p:blipFill>
-          <a:blip r:embed="rId2" cstate="print">
-            <a:extLst>
-              <a:ext uri="{28A0092B-C50C-407E-A947-70E740481C1C}">
-                <a14:useLocalDpi xmlns:a14="http://schemas.microsoft.com/office/drawing/2010/main" val="0"/>
-              </a:ext>
-            </a:extLst>
-          </a:blip>
-          <a:stretch>
-            <a:fillRect/>
-          </a:stretch>
-        </p:blipFill>
-        <p:spPr>
-          <a:xfrm>
-            <a:off x="2539656" y="3152044"/>
-            <a:ext cx="2460711" cy="2460711"/>
-          </a:xfrm>
-          <a:prstGeom prst="rect">
-            <a:avLst/>
-          </a:prstGeom>
-        </p:spPr>
-      </p:pic>
-      <p:pic>
-        <p:nvPicPr>
-          <p:cNvPr id="2" name="그림 1"/>
-          <p:cNvPicPr>
-            <a:picLocks noChangeAspect="1"/>
-          </p:cNvPicPr>
-          <p:nvPr/>
-        </p:nvPicPr>
-        <p:blipFill>
-          <a:blip r:embed="rId3">
-            <a:extLst>
-              <a:ext uri="{28A0092B-C50C-407E-A947-70E740481C1C}">
-                <a14:useLocalDpi xmlns:a14="http://schemas.microsoft.com/office/drawing/2010/main" val="0"/>
-              </a:ext>
-            </a:extLst>
-          </a:blip>
-          <a:stretch>
-            <a:fillRect/>
-          </a:stretch>
-        </p:blipFill>
-        <p:spPr>
-          <a:xfrm>
-            <a:off x="7107195" y="3222793"/>
-            <a:ext cx="2417805" cy="2417805"/>
-          </a:xfrm>
-          <a:prstGeom prst="rect">
-            <a:avLst/>
-          </a:prstGeom>
-        </p:spPr>
-      </p:pic>
     </p:spTree>
     <p:extLst>
       <p:ext uri="{BB962C8B-B14F-4D97-AF65-F5344CB8AC3E}">
@@ -8358,6 +7371,7 @@
                     </a:solidFill>
                   </a:ln>
                   <a:noFill/>
+                  <a:latin typeface="+mn-ea"/>
                 </a:endParaRPr>
               </a:p>
             </p:txBody>
@@ -8425,8 +7439,7 @@
                     <a:solidFill>
                       <a:srgbClr val="333333"/>
                     </a:solidFill>
-                    <a:latin typeface="넥슨 풋볼고딕 B" panose="020B0803000000000000" pitchFamily="50" charset="-127"/>
-                    <a:ea typeface="넥슨 풋볼고딕 B" panose="020B0803000000000000" pitchFamily="50" charset="-127"/>
+                    <a:latin typeface="+mn-ea"/>
                   </a:rPr>
                   <a:t>0</a:t>
                 </a:r>
@@ -8434,8 +7447,7 @@
                   <a:solidFill>
                     <a:srgbClr val="333333"/>
                   </a:solidFill>
-                  <a:latin typeface="넥슨 풋볼고딕 B" panose="020B0803000000000000" pitchFamily="50" charset="-127"/>
-                  <a:ea typeface="넥슨 풋볼고딕 B" panose="020B0803000000000000" pitchFamily="50" charset="-127"/>
+                  <a:latin typeface="+mn-ea"/>
                 </a:endParaRPr>
               </a:p>
             </p:txBody>
@@ -8468,8 +7480,7 @@
                     <a:solidFill>
                       <a:srgbClr val="333333"/>
                     </a:solidFill>
-                    <a:latin typeface="넥슨 풋볼고딕 B" panose="020B0803000000000000" pitchFamily="50" charset="-127"/>
-                    <a:ea typeface="넥슨 풋볼고딕 B" panose="020B0803000000000000" pitchFamily="50" charset="-127"/>
+                    <a:latin typeface="+mn-ea"/>
                   </a:rPr>
                   <a:t>10</a:t>
                 </a:r>
@@ -8477,8 +7488,7 @@
                   <a:solidFill>
                     <a:srgbClr val="333333"/>
                   </a:solidFill>
-                  <a:latin typeface="넥슨 풋볼고딕 B" panose="020B0803000000000000" pitchFamily="50" charset="-127"/>
-                  <a:ea typeface="넥슨 풋볼고딕 B" panose="020B0803000000000000" pitchFamily="50" charset="-127"/>
+                  <a:latin typeface="+mn-ea"/>
                 </a:endParaRPr>
               </a:p>
             </p:txBody>
@@ -8554,6 +7564,7 @@
                     </a:solidFill>
                   </a:ln>
                   <a:noFill/>
+                  <a:latin typeface="+mn-ea"/>
                 </a:endParaRPr>
               </a:p>
             </p:txBody>
@@ -8621,8 +7632,7 @@
                     <a:solidFill>
                       <a:srgbClr val="333333"/>
                     </a:solidFill>
-                    <a:latin typeface="넥슨 풋볼고딕 B" panose="020B0803000000000000" pitchFamily="50" charset="-127"/>
-                    <a:ea typeface="넥슨 풋볼고딕 B" panose="020B0803000000000000" pitchFamily="50" charset="-127"/>
+                    <a:latin typeface="+mn-ea"/>
                   </a:rPr>
                   <a:t>1</a:t>
                 </a:r>
@@ -8630,8 +7640,7 @@
                   <a:solidFill>
                     <a:srgbClr val="333333"/>
                   </a:solidFill>
-                  <a:latin typeface="넥슨 풋볼고딕 B" panose="020B0803000000000000" pitchFamily="50" charset="-127"/>
-                  <a:ea typeface="넥슨 풋볼고딕 B" panose="020B0803000000000000" pitchFamily="50" charset="-127"/>
+                  <a:latin typeface="+mn-ea"/>
                 </a:endParaRPr>
               </a:p>
             </p:txBody>
@@ -8664,8 +7673,7 @@
                     <a:solidFill>
                       <a:srgbClr val="333333"/>
                     </a:solidFill>
-                    <a:latin typeface="넥슨 풋볼고딕 B" panose="020B0803000000000000" pitchFamily="50" charset="-127"/>
-                    <a:ea typeface="넥슨 풋볼고딕 B" panose="020B0803000000000000" pitchFamily="50" charset="-127"/>
+                    <a:latin typeface="+mn-ea"/>
                   </a:rPr>
                   <a:t>20</a:t>
                 </a:r>
@@ -8673,8 +7681,7 @@
                   <a:solidFill>
                     <a:srgbClr val="333333"/>
                   </a:solidFill>
-                  <a:latin typeface="넥슨 풋볼고딕 B" panose="020B0803000000000000" pitchFamily="50" charset="-127"/>
-                  <a:ea typeface="넥슨 풋볼고딕 B" panose="020B0803000000000000" pitchFamily="50" charset="-127"/>
+                  <a:latin typeface="+mn-ea"/>
                 </a:endParaRPr>
               </a:p>
             </p:txBody>
@@ -8750,6 +7757,7 @@
                     </a:solidFill>
                   </a:ln>
                   <a:noFill/>
+                  <a:latin typeface="+mn-ea"/>
                 </a:endParaRPr>
               </a:p>
             </p:txBody>
@@ -8817,8 +7825,7 @@
                     <a:solidFill>
                       <a:srgbClr val="333333"/>
                     </a:solidFill>
-                    <a:latin typeface="넥슨 풋볼고딕 B" panose="020B0803000000000000" pitchFamily="50" charset="-127"/>
-                    <a:ea typeface="넥슨 풋볼고딕 B" panose="020B0803000000000000" pitchFamily="50" charset="-127"/>
+                    <a:latin typeface="+mn-ea"/>
                   </a:rPr>
                   <a:t>2</a:t>
                 </a:r>
@@ -8826,8 +7833,7 @@
                   <a:solidFill>
                     <a:srgbClr val="333333"/>
                   </a:solidFill>
-                  <a:latin typeface="넥슨 풋볼고딕 B" panose="020B0803000000000000" pitchFamily="50" charset="-127"/>
-                  <a:ea typeface="넥슨 풋볼고딕 B" panose="020B0803000000000000" pitchFamily="50" charset="-127"/>
+                  <a:latin typeface="+mn-ea"/>
                 </a:endParaRPr>
               </a:p>
             </p:txBody>
@@ -8860,8 +7866,7 @@
                     <a:solidFill>
                       <a:srgbClr val="333333"/>
                     </a:solidFill>
-                    <a:latin typeface="넥슨 풋볼고딕 B" panose="020B0803000000000000" pitchFamily="50" charset="-127"/>
-                    <a:ea typeface="넥슨 풋볼고딕 B" panose="020B0803000000000000" pitchFamily="50" charset="-127"/>
+                    <a:latin typeface="+mn-ea"/>
                   </a:rPr>
                   <a:t>30</a:t>
                 </a:r>
@@ -8869,8 +7874,7 @@
                   <a:solidFill>
                     <a:srgbClr val="333333"/>
                   </a:solidFill>
-                  <a:latin typeface="넥슨 풋볼고딕 B" panose="020B0803000000000000" pitchFamily="50" charset="-127"/>
-                  <a:ea typeface="넥슨 풋볼고딕 B" panose="020B0803000000000000" pitchFamily="50" charset="-127"/>
+                  <a:latin typeface="+mn-ea"/>
                 </a:endParaRPr>
               </a:p>
             </p:txBody>
@@ -8899,10 +7903,10 @@
           </p:nvGrpSpPr>
           <p:grpSpPr>
             <a:xfrm>
-              <a:off x="2358328" y="3016971"/>
-              <a:ext cx="1275605" cy="1225562"/>
+              <a:off x="2358328" y="3016970"/>
+              <a:ext cx="1275605" cy="1270521"/>
               <a:chOff x="1877654" y="1556951"/>
-              <a:chExt cx="873783" cy="839506"/>
+              <a:chExt cx="873783" cy="870303"/>
             </a:xfrm>
           </p:grpSpPr>
           <p:sp>
@@ -8961,6 +7965,7 @@
                     </a:solidFill>
                   </a:ln>
                   <a:noFill/>
+                  <a:latin typeface="+mn-ea"/>
                 </a:endParaRPr>
               </a:p>
             </p:txBody>
@@ -9009,7 +8014,7 @@
             <p:spPr>
               <a:xfrm>
                 <a:off x="1877654" y="2120555"/>
-                <a:ext cx="870143" cy="274074"/>
+                <a:ext cx="870143" cy="306699"/>
               </a:xfrm>
               <a:prstGeom prst="rect">
                 <a:avLst/>
@@ -9028,8 +8033,7 @@
                     <a:solidFill>
                       <a:srgbClr val="333333"/>
                     </a:solidFill>
-                    <a:latin typeface="넥슨 풋볼고딕 B" panose="020B0803000000000000" pitchFamily="50" charset="-127"/>
-                    <a:ea typeface="넥슨 풋볼고딕 B" panose="020B0803000000000000" pitchFamily="50" charset="-127"/>
+                    <a:latin typeface="+mn-ea"/>
                   </a:rPr>
                   <a:t>0</a:t>
                 </a:r>
@@ -9037,8 +8041,7 @@
                   <a:solidFill>
                     <a:srgbClr val="333333"/>
                   </a:solidFill>
-                  <a:latin typeface="넥슨 풋볼고딕 B" panose="020B0803000000000000" pitchFamily="50" charset="-127"/>
-                  <a:ea typeface="넥슨 풋볼고딕 B" panose="020B0803000000000000" pitchFamily="50" charset="-127"/>
+                  <a:latin typeface="+mn-ea"/>
                 </a:endParaRPr>
               </a:p>
             </p:txBody>
@@ -9071,8 +8074,7 @@
                     <a:solidFill>
                       <a:srgbClr val="333333"/>
                     </a:solidFill>
-                    <a:latin typeface="넥슨 풋볼고딕 B" panose="020B0803000000000000" pitchFamily="50" charset="-127"/>
-                    <a:ea typeface="넥슨 풋볼고딕 B" panose="020B0803000000000000" pitchFamily="50" charset="-127"/>
+                    <a:latin typeface="+mn-ea"/>
                   </a:rPr>
                   <a:t>10</a:t>
                 </a:r>
@@ -9080,8 +8082,7 @@
                   <a:solidFill>
                     <a:srgbClr val="333333"/>
                   </a:solidFill>
-                  <a:latin typeface="넥슨 풋볼고딕 B" panose="020B0803000000000000" pitchFamily="50" charset="-127"/>
-                  <a:ea typeface="넥슨 풋볼고딕 B" panose="020B0803000000000000" pitchFamily="50" charset="-127"/>
+                  <a:latin typeface="+mn-ea"/>
                 </a:endParaRPr>
               </a:p>
             </p:txBody>
@@ -9095,10 +8096,10 @@
           </p:nvGrpSpPr>
           <p:grpSpPr>
             <a:xfrm>
-              <a:off x="4145947" y="3016971"/>
-              <a:ext cx="1275605" cy="1225562"/>
+              <a:off x="4145947" y="3016970"/>
+              <a:ext cx="1275605" cy="1270521"/>
               <a:chOff x="1877654" y="1556951"/>
-              <a:chExt cx="873783" cy="839506"/>
+              <a:chExt cx="873783" cy="870303"/>
             </a:xfrm>
           </p:grpSpPr>
           <p:sp>
@@ -9157,6 +8158,7 @@
                     </a:solidFill>
                   </a:ln>
                   <a:noFill/>
+                  <a:latin typeface="+mn-ea"/>
                 </a:endParaRPr>
               </a:p>
             </p:txBody>
@@ -9205,7 +8207,7 @@
             <p:spPr>
               <a:xfrm>
                 <a:off x="1877654" y="2120555"/>
-                <a:ext cx="870143" cy="274074"/>
+                <a:ext cx="870143" cy="306699"/>
               </a:xfrm>
               <a:prstGeom prst="rect">
                 <a:avLst/>
@@ -9224,8 +8226,7 @@
                     <a:solidFill>
                       <a:srgbClr val="333333"/>
                     </a:solidFill>
-                    <a:latin typeface="넥슨 풋볼고딕 B" panose="020B0803000000000000" pitchFamily="50" charset="-127"/>
-                    <a:ea typeface="넥슨 풋볼고딕 B" panose="020B0803000000000000" pitchFamily="50" charset="-127"/>
+                    <a:latin typeface="+mn-ea"/>
                   </a:rPr>
                   <a:t>1</a:t>
                 </a:r>
@@ -9233,8 +8234,7 @@
                   <a:solidFill>
                     <a:srgbClr val="333333"/>
                   </a:solidFill>
-                  <a:latin typeface="넥슨 풋볼고딕 B" panose="020B0803000000000000" pitchFamily="50" charset="-127"/>
-                  <a:ea typeface="넥슨 풋볼고딕 B" panose="020B0803000000000000" pitchFamily="50" charset="-127"/>
+                  <a:latin typeface="+mn-ea"/>
                 </a:endParaRPr>
               </a:p>
             </p:txBody>
@@ -9267,8 +8267,7 @@
                     <a:solidFill>
                       <a:srgbClr val="333333"/>
                     </a:solidFill>
-                    <a:latin typeface="넥슨 풋볼고딕 B" panose="020B0803000000000000" pitchFamily="50" charset="-127"/>
-                    <a:ea typeface="넥슨 풋볼고딕 B" panose="020B0803000000000000" pitchFamily="50" charset="-127"/>
+                    <a:latin typeface="+mn-ea"/>
                   </a:rPr>
                   <a:t>20</a:t>
                 </a:r>
@@ -9276,8 +8275,7 @@
                   <a:solidFill>
                     <a:srgbClr val="333333"/>
                   </a:solidFill>
-                  <a:latin typeface="넥슨 풋볼고딕 B" panose="020B0803000000000000" pitchFamily="50" charset="-127"/>
-                  <a:ea typeface="넥슨 풋볼고딕 B" panose="020B0803000000000000" pitchFamily="50" charset="-127"/>
+                  <a:latin typeface="+mn-ea"/>
                 </a:endParaRPr>
               </a:p>
             </p:txBody>
@@ -9353,6 +8351,7 @@
                     </a:solidFill>
                   </a:ln>
                   <a:noFill/>
+                  <a:latin typeface="+mn-ea"/>
                 </a:endParaRPr>
               </a:p>
             </p:txBody>
@@ -9401,7 +8400,7 @@
             <p:spPr>
               <a:xfrm>
                 <a:off x="1877654" y="2120555"/>
-                <a:ext cx="870143" cy="274074"/>
+                <a:ext cx="870143" cy="306699"/>
               </a:xfrm>
               <a:prstGeom prst="rect">
                 <a:avLst/>
@@ -9420,8 +8419,7 @@
                     <a:solidFill>
                       <a:srgbClr val="333333"/>
                     </a:solidFill>
-                    <a:latin typeface="넥슨 풋볼고딕 B" panose="020B0803000000000000" pitchFamily="50" charset="-127"/>
-                    <a:ea typeface="넥슨 풋볼고딕 B" panose="020B0803000000000000" pitchFamily="50" charset="-127"/>
+                    <a:latin typeface="+mn-ea"/>
                   </a:rPr>
                   <a:t>2</a:t>
                 </a:r>
@@ -9429,8 +8427,7 @@
                   <a:solidFill>
                     <a:srgbClr val="333333"/>
                   </a:solidFill>
-                  <a:latin typeface="넥슨 풋볼고딕 B" panose="020B0803000000000000" pitchFamily="50" charset="-127"/>
-                  <a:ea typeface="넥슨 풋볼고딕 B" panose="020B0803000000000000" pitchFamily="50" charset="-127"/>
+                  <a:latin typeface="+mn-ea"/>
                 </a:endParaRPr>
               </a:p>
             </p:txBody>
@@ -9463,8 +8460,7 @@
                     <a:solidFill>
                       <a:srgbClr val="333333"/>
                     </a:solidFill>
-                    <a:latin typeface="넥슨 풋볼고딕 B" panose="020B0803000000000000" pitchFamily="50" charset="-127"/>
-                    <a:ea typeface="넥슨 풋볼고딕 B" panose="020B0803000000000000" pitchFamily="50" charset="-127"/>
+                    <a:latin typeface="+mn-ea"/>
                   </a:rPr>
                   <a:t>30</a:t>
                 </a:r>
@@ -9472,8 +8468,7 @@
                   <a:solidFill>
                     <a:srgbClr val="333333"/>
                   </a:solidFill>
-                  <a:latin typeface="넥슨 풋볼고딕 B" panose="020B0803000000000000" pitchFamily="50" charset="-127"/>
-                  <a:ea typeface="넥슨 풋볼고딕 B" panose="020B0803000000000000" pitchFamily="50" charset="-127"/>
+                  <a:latin typeface="+mn-ea"/>
                 </a:endParaRPr>
               </a:p>
             </p:txBody>
@@ -9534,6 +8529,7 @@
                     </a:solidFill>
                   </a:ln>
                   <a:noFill/>
+                  <a:latin typeface="+mn-ea"/>
                 </a:endParaRPr>
               </a:p>
             </p:txBody>
@@ -9601,8 +8597,7 @@
                     <a:solidFill>
                       <a:srgbClr val="333333"/>
                     </a:solidFill>
-                    <a:latin typeface="넥슨 풋볼고딕 B" panose="020B0803000000000000" pitchFamily="50" charset="-127"/>
-                    <a:ea typeface="넥슨 풋볼고딕 B" panose="020B0803000000000000" pitchFamily="50" charset="-127"/>
+                    <a:latin typeface="+mn-ea"/>
                   </a:rPr>
                   <a:t>3</a:t>
                 </a:r>
@@ -9610,8 +8605,7 @@
                   <a:solidFill>
                     <a:srgbClr val="333333"/>
                   </a:solidFill>
-                  <a:latin typeface="넥슨 풋볼고딕 B" panose="020B0803000000000000" pitchFamily="50" charset="-127"/>
-                  <a:ea typeface="넥슨 풋볼고딕 B" panose="020B0803000000000000" pitchFamily="50" charset="-127"/>
+                  <a:latin typeface="+mn-ea"/>
                 </a:endParaRPr>
               </a:p>
             </p:txBody>
@@ -9644,8 +8638,7 @@
                     <a:solidFill>
                       <a:srgbClr val="333333"/>
                     </a:solidFill>
-                    <a:latin typeface="넥슨 풋볼고딕 B" panose="020B0803000000000000" pitchFamily="50" charset="-127"/>
-                    <a:ea typeface="넥슨 풋볼고딕 B" panose="020B0803000000000000" pitchFamily="50" charset="-127"/>
+                    <a:latin typeface="+mn-ea"/>
                   </a:rPr>
                   <a:t>50</a:t>
                 </a:r>
@@ -9653,8 +8646,7 @@
                   <a:solidFill>
                     <a:srgbClr val="333333"/>
                   </a:solidFill>
-                  <a:latin typeface="넥슨 풋볼고딕 B" panose="020B0803000000000000" pitchFamily="50" charset="-127"/>
-                  <a:ea typeface="넥슨 풋볼고딕 B" panose="020B0803000000000000" pitchFamily="50" charset="-127"/>
+                  <a:latin typeface="+mn-ea"/>
                 </a:endParaRPr>
               </a:p>
             </p:txBody>
@@ -9715,6 +8707,7 @@
                     </a:solidFill>
                   </a:ln>
                   <a:noFill/>
+                  <a:latin typeface="+mn-ea"/>
                 </a:endParaRPr>
               </a:p>
             </p:txBody>
@@ -9782,8 +8775,7 @@
                     <a:solidFill>
                       <a:srgbClr val="333333"/>
                     </a:solidFill>
-                    <a:latin typeface="넥슨 풋볼고딕 B" panose="020B0803000000000000" pitchFamily="50" charset="-127"/>
-                    <a:ea typeface="넥슨 풋볼고딕 B" panose="020B0803000000000000" pitchFamily="50" charset="-127"/>
+                    <a:latin typeface="+mn-ea"/>
                   </a:rPr>
                   <a:t>4</a:t>
                 </a:r>
@@ -9791,8 +8783,7 @@
                   <a:solidFill>
                     <a:srgbClr val="333333"/>
                   </a:solidFill>
-                  <a:latin typeface="넥슨 풋볼고딕 B" panose="020B0803000000000000" pitchFamily="50" charset="-127"/>
-                  <a:ea typeface="넥슨 풋볼고딕 B" panose="020B0803000000000000" pitchFamily="50" charset="-127"/>
+                  <a:latin typeface="+mn-ea"/>
                 </a:endParaRPr>
               </a:p>
             </p:txBody>
@@ -9825,8 +8816,7 @@
                     <a:solidFill>
                       <a:srgbClr val="333333"/>
                     </a:solidFill>
-                    <a:latin typeface="넥슨 풋볼고딕 B" panose="020B0803000000000000" pitchFamily="50" charset="-127"/>
-                    <a:ea typeface="넥슨 풋볼고딕 B" panose="020B0803000000000000" pitchFamily="50" charset="-127"/>
+                    <a:latin typeface="+mn-ea"/>
                   </a:rPr>
                   <a:t>40</a:t>
                 </a:r>
@@ -9834,8 +8824,7 @@
                   <a:solidFill>
                     <a:srgbClr val="333333"/>
                   </a:solidFill>
-                  <a:latin typeface="넥슨 풋볼고딕 B" panose="020B0803000000000000" pitchFamily="50" charset="-127"/>
-                  <a:ea typeface="넥슨 풋볼고딕 B" panose="020B0803000000000000" pitchFamily="50" charset="-127"/>
+                  <a:latin typeface="+mn-ea"/>
                 </a:endParaRPr>
               </a:p>
             </p:txBody>
@@ -9864,10 +8853,10 @@
           </p:nvGrpSpPr>
           <p:grpSpPr>
             <a:xfrm>
-              <a:off x="2358328" y="3016971"/>
-              <a:ext cx="1275605" cy="1225562"/>
+              <a:off x="2358328" y="3016970"/>
+              <a:ext cx="1275605" cy="1270521"/>
               <a:chOff x="1877654" y="1556951"/>
-              <a:chExt cx="873783" cy="839506"/>
+              <a:chExt cx="873783" cy="870303"/>
             </a:xfrm>
           </p:grpSpPr>
           <p:sp>
@@ -9926,6 +8915,7 @@
                     </a:solidFill>
                   </a:ln>
                   <a:noFill/>
+                  <a:latin typeface="+mn-ea"/>
                 </a:endParaRPr>
               </a:p>
             </p:txBody>
@@ -9974,7 +8964,7 @@
             <p:spPr>
               <a:xfrm>
                 <a:off x="1877654" y="2120555"/>
-                <a:ext cx="870143" cy="274074"/>
+                <a:ext cx="870143" cy="306699"/>
               </a:xfrm>
               <a:prstGeom prst="rect">
                 <a:avLst/>
@@ -9993,8 +8983,7 @@
                     <a:solidFill>
                       <a:srgbClr val="333333"/>
                     </a:solidFill>
-                    <a:latin typeface="넥슨 풋볼고딕 B" panose="020B0803000000000000" pitchFamily="50" charset="-127"/>
-                    <a:ea typeface="넥슨 풋볼고딕 B" panose="020B0803000000000000" pitchFamily="50" charset="-127"/>
+                    <a:latin typeface="+mn-ea"/>
                   </a:rPr>
                   <a:t>0</a:t>
                 </a:r>
@@ -10002,8 +8991,7 @@
                   <a:solidFill>
                     <a:srgbClr val="333333"/>
                   </a:solidFill>
-                  <a:latin typeface="넥슨 풋볼고딕 B" panose="020B0803000000000000" pitchFamily="50" charset="-127"/>
-                  <a:ea typeface="넥슨 풋볼고딕 B" panose="020B0803000000000000" pitchFamily="50" charset="-127"/>
+                  <a:latin typeface="+mn-ea"/>
                 </a:endParaRPr>
               </a:p>
             </p:txBody>
@@ -10036,8 +9024,7 @@
                     <a:solidFill>
                       <a:srgbClr val="333333"/>
                     </a:solidFill>
-                    <a:latin typeface="넥슨 풋볼고딕 B" panose="020B0803000000000000" pitchFamily="50" charset="-127"/>
-                    <a:ea typeface="넥슨 풋볼고딕 B" panose="020B0803000000000000" pitchFamily="50" charset="-127"/>
+                    <a:latin typeface="+mn-ea"/>
                   </a:rPr>
                   <a:t>10</a:t>
                 </a:r>
@@ -10045,8 +9032,7 @@
                   <a:solidFill>
                     <a:srgbClr val="333333"/>
                   </a:solidFill>
-                  <a:latin typeface="넥슨 풋볼고딕 B" panose="020B0803000000000000" pitchFamily="50" charset="-127"/>
-                  <a:ea typeface="넥슨 풋볼고딕 B" panose="020B0803000000000000" pitchFamily="50" charset="-127"/>
+                  <a:latin typeface="+mn-ea"/>
                 </a:endParaRPr>
               </a:p>
             </p:txBody>
@@ -10060,10 +9046,10 @@
           </p:nvGrpSpPr>
           <p:grpSpPr>
             <a:xfrm>
-              <a:off x="4145947" y="3016971"/>
-              <a:ext cx="1275605" cy="1225562"/>
+              <a:off x="4145947" y="3016970"/>
+              <a:ext cx="1275605" cy="1270521"/>
               <a:chOff x="1877654" y="1556951"/>
-              <a:chExt cx="873783" cy="839506"/>
+              <a:chExt cx="873783" cy="870303"/>
             </a:xfrm>
           </p:grpSpPr>
           <p:sp>
@@ -10122,6 +9108,7 @@
                     </a:solidFill>
                   </a:ln>
                   <a:noFill/>
+                  <a:latin typeface="+mn-ea"/>
                 </a:endParaRPr>
               </a:p>
             </p:txBody>
@@ -10170,7 +9157,7 @@
             <p:spPr>
               <a:xfrm>
                 <a:off x="1877654" y="2120555"/>
-                <a:ext cx="870143" cy="274074"/>
+                <a:ext cx="870143" cy="306699"/>
               </a:xfrm>
               <a:prstGeom prst="rect">
                 <a:avLst/>
@@ -10189,8 +9176,7 @@
                     <a:solidFill>
                       <a:srgbClr val="333333"/>
                     </a:solidFill>
-                    <a:latin typeface="넥슨 풋볼고딕 B" panose="020B0803000000000000" pitchFamily="50" charset="-127"/>
-                    <a:ea typeface="넥슨 풋볼고딕 B" panose="020B0803000000000000" pitchFamily="50" charset="-127"/>
+                    <a:latin typeface="+mn-ea"/>
                   </a:rPr>
                   <a:t>1</a:t>
                 </a:r>
@@ -10198,8 +9184,7 @@
                   <a:solidFill>
                     <a:srgbClr val="333333"/>
                   </a:solidFill>
-                  <a:latin typeface="넥슨 풋볼고딕 B" panose="020B0803000000000000" pitchFamily="50" charset="-127"/>
-                  <a:ea typeface="넥슨 풋볼고딕 B" panose="020B0803000000000000" pitchFamily="50" charset="-127"/>
+                  <a:latin typeface="+mn-ea"/>
                 </a:endParaRPr>
               </a:p>
             </p:txBody>
@@ -10232,8 +9217,7 @@
                     <a:solidFill>
                       <a:srgbClr val="333333"/>
                     </a:solidFill>
-                    <a:latin typeface="넥슨 풋볼고딕 B" panose="020B0803000000000000" pitchFamily="50" charset="-127"/>
-                    <a:ea typeface="넥슨 풋볼고딕 B" panose="020B0803000000000000" pitchFamily="50" charset="-127"/>
+                    <a:latin typeface="+mn-ea"/>
                   </a:rPr>
                   <a:t>20</a:t>
                 </a:r>
@@ -10241,8 +9225,7 @@
                   <a:solidFill>
                     <a:srgbClr val="333333"/>
                   </a:solidFill>
-                  <a:latin typeface="넥슨 풋볼고딕 B" panose="020B0803000000000000" pitchFamily="50" charset="-127"/>
-                  <a:ea typeface="넥슨 풋볼고딕 B" panose="020B0803000000000000" pitchFamily="50" charset="-127"/>
+                  <a:latin typeface="+mn-ea"/>
                 </a:endParaRPr>
               </a:p>
             </p:txBody>
@@ -10256,10 +9239,10 @@
           </p:nvGrpSpPr>
           <p:grpSpPr>
             <a:xfrm>
-              <a:off x="5933566" y="3016971"/>
-              <a:ext cx="1275605" cy="1225562"/>
+              <a:off x="5933566" y="3016970"/>
+              <a:ext cx="1275605" cy="1270521"/>
               <a:chOff x="1877654" y="1556951"/>
-              <a:chExt cx="873783" cy="839506"/>
+              <a:chExt cx="873783" cy="870303"/>
             </a:xfrm>
           </p:grpSpPr>
           <p:sp>
@@ -10318,6 +9301,7 @@
                     </a:solidFill>
                   </a:ln>
                   <a:noFill/>
+                  <a:latin typeface="+mn-ea"/>
                 </a:endParaRPr>
               </a:p>
             </p:txBody>
@@ -10366,7 +9350,7 @@
             <p:spPr>
               <a:xfrm>
                 <a:off x="1877654" y="2120555"/>
-                <a:ext cx="870143" cy="274074"/>
+                <a:ext cx="870143" cy="306699"/>
               </a:xfrm>
               <a:prstGeom prst="rect">
                 <a:avLst/>
@@ -10385,8 +9369,7 @@
                     <a:solidFill>
                       <a:srgbClr val="333333"/>
                     </a:solidFill>
-                    <a:latin typeface="넥슨 풋볼고딕 B" panose="020B0803000000000000" pitchFamily="50" charset="-127"/>
-                    <a:ea typeface="넥슨 풋볼고딕 B" panose="020B0803000000000000" pitchFamily="50" charset="-127"/>
+                    <a:latin typeface="+mn-ea"/>
                   </a:rPr>
                   <a:t>2</a:t>
                 </a:r>
@@ -10394,8 +9377,7 @@
                   <a:solidFill>
                     <a:srgbClr val="333333"/>
                   </a:solidFill>
-                  <a:latin typeface="넥슨 풋볼고딕 B" panose="020B0803000000000000" pitchFamily="50" charset="-127"/>
-                  <a:ea typeface="넥슨 풋볼고딕 B" panose="020B0803000000000000" pitchFamily="50" charset="-127"/>
+                  <a:latin typeface="+mn-ea"/>
                 </a:endParaRPr>
               </a:p>
             </p:txBody>
@@ -10428,8 +9410,7 @@
                     <a:solidFill>
                       <a:srgbClr val="333333"/>
                     </a:solidFill>
-                    <a:latin typeface="넥슨 풋볼고딕 B" panose="020B0803000000000000" pitchFamily="50" charset="-127"/>
-                    <a:ea typeface="넥슨 풋볼고딕 B" panose="020B0803000000000000" pitchFamily="50" charset="-127"/>
+                    <a:latin typeface="+mn-ea"/>
                   </a:rPr>
                   <a:t>30</a:t>
                 </a:r>
@@ -10437,8 +9418,7 @@
                   <a:solidFill>
                     <a:srgbClr val="333333"/>
                   </a:solidFill>
-                  <a:latin typeface="넥슨 풋볼고딕 B" panose="020B0803000000000000" pitchFamily="50" charset="-127"/>
-                  <a:ea typeface="넥슨 풋볼고딕 B" panose="020B0803000000000000" pitchFamily="50" charset="-127"/>
+                  <a:latin typeface="+mn-ea"/>
                 </a:endParaRPr>
               </a:p>
             </p:txBody>
@@ -10514,6 +9494,7 @@
                     </a:solidFill>
                   </a:ln>
                   <a:noFill/>
+                  <a:latin typeface="+mn-ea"/>
                 </a:endParaRPr>
               </a:p>
             </p:txBody>
@@ -10581,8 +9562,7 @@
                     <a:solidFill>
                       <a:srgbClr val="333333"/>
                     </a:solidFill>
-                    <a:latin typeface="넥슨 풋볼고딕 B" panose="020B0803000000000000" pitchFamily="50" charset="-127"/>
-                    <a:ea typeface="넥슨 풋볼고딕 B" panose="020B0803000000000000" pitchFamily="50" charset="-127"/>
+                    <a:latin typeface="+mn-ea"/>
                   </a:rPr>
                   <a:t>3</a:t>
                 </a:r>
@@ -10590,8 +9570,7 @@
                   <a:solidFill>
                     <a:srgbClr val="333333"/>
                   </a:solidFill>
-                  <a:latin typeface="넥슨 풋볼고딕 B" panose="020B0803000000000000" pitchFamily="50" charset="-127"/>
-                  <a:ea typeface="넥슨 풋볼고딕 B" panose="020B0803000000000000" pitchFamily="50" charset="-127"/>
+                  <a:latin typeface="+mn-ea"/>
                 </a:endParaRPr>
               </a:p>
             </p:txBody>
@@ -10624,8 +9603,7 @@
                     <a:solidFill>
                       <a:srgbClr val="333333"/>
                     </a:solidFill>
-                    <a:latin typeface="넥슨 풋볼고딕 B" panose="020B0803000000000000" pitchFamily="50" charset="-127"/>
-                    <a:ea typeface="넥슨 풋볼고딕 B" panose="020B0803000000000000" pitchFamily="50" charset="-127"/>
+                    <a:latin typeface="+mn-ea"/>
                   </a:rPr>
                   <a:t>40</a:t>
                 </a:r>
@@ -10633,8 +9611,7 @@
                   <a:solidFill>
                     <a:srgbClr val="333333"/>
                   </a:solidFill>
-                  <a:latin typeface="넥슨 풋볼고딕 B" panose="020B0803000000000000" pitchFamily="50" charset="-127"/>
-                  <a:ea typeface="넥슨 풋볼고딕 B" panose="020B0803000000000000" pitchFamily="50" charset="-127"/>
+                  <a:latin typeface="+mn-ea"/>
                 </a:endParaRPr>
               </a:p>
             </p:txBody>
@@ -10669,8 +9646,7 @@
                 <a:solidFill>
                   <a:srgbClr val="C00000"/>
                 </a:solidFill>
-                <a:latin typeface="넥슨 풋볼고딕 B" panose="020B0803000000000000" pitchFamily="50" charset="-127"/>
-                <a:ea typeface="넥슨 풋볼고딕 B" panose="020B0803000000000000" pitchFamily="50" charset="-127"/>
+                <a:latin typeface="+mn-ea"/>
               </a:rPr>
               <a:t>원본</a:t>
             </a:r>
@@ -10678,8 +9654,7 @@
               <a:solidFill>
                 <a:srgbClr val="C00000"/>
               </a:solidFill>
-              <a:latin typeface="넥슨 풋볼고딕 B" panose="020B0803000000000000" pitchFamily="50" charset="-127"/>
-              <a:ea typeface="넥슨 풋볼고딕 B" panose="020B0803000000000000" pitchFamily="50" charset="-127"/>
+              <a:latin typeface="+mn-ea"/>
             </a:endParaRPr>
           </a:p>
         </p:txBody>
@@ -10712,8 +9687,7 @@
                 <a:solidFill>
                   <a:srgbClr val="C00000"/>
                 </a:solidFill>
-                <a:latin typeface="넥슨 풋볼고딕 B" panose="020B0803000000000000" pitchFamily="50" charset="-127"/>
-                <a:ea typeface="넥슨 풋볼고딕 B" panose="020B0803000000000000" pitchFamily="50" charset="-127"/>
+                <a:latin typeface="+mn-ea"/>
               </a:rPr>
               <a:t>배열</a:t>
             </a:r>
@@ -10721,8 +9695,7 @@
               <a:solidFill>
                 <a:srgbClr val="C00000"/>
               </a:solidFill>
-              <a:latin typeface="넥슨 풋볼고딕 B" panose="020B0803000000000000" pitchFamily="50" charset="-127"/>
-              <a:ea typeface="넥슨 풋볼고딕 B" panose="020B0803000000000000" pitchFamily="50" charset="-127"/>
+              <a:latin typeface="+mn-ea"/>
             </a:endParaRPr>
           </a:p>
         </p:txBody>
@@ -10755,8 +9728,7 @@
                 <a:solidFill>
                   <a:srgbClr val="C00000"/>
                 </a:solidFill>
-                <a:latin typeface="넥슨 풋볼고딕 B" panose="020B0803000000000000" pitchFamily="50" charset="-127"/>
-                <a:ea typeface="넥슨 풋볼고딕 B" panose="020B0803000000000000" pitchFamily="50" charset="-127"/>
+                <a:latin typeface="+mn-ea"/>
               </a:rPr>
               <a:t>리스트</a:t>
             </a:r>
@@ -10764,8 +9736,7 @@
               <a:solidFill>
                 <a:srgbClr val="C00000"/>
               </a:solidFill>
-              <a:latin typeface="넥슨 풋볼고딕 B" panose="020B0803000000000000" pitchFamily="50" charset="-127"/>
-              <a:ea typeface="넥슨 풋볼고딕 B" panose="020B0803000000000000" pitchFamily="50" charset="-127"/>
+              <a:latin typeface="+mn-ea"/>
             </a:endParaRPr>
           </a:p>
         </p:txBody>
@@ -10826,6 +9797,7 @@
                 </a:solidFill>
               </a:ln>
               <a:noFill/>
+              <a:latin typeface="+mn-ea"/>
             </a:endParaRPr>
           </a:p>
         </p:txBody>
@@ -10874,7 +9846,7 @@
         <p:spPr>
           <a:xfrm>
             <a:off x="7540048" y="3498671"/>
-            <a:ext cx="1031969" cy="357549"/>
+            <a:ext cx="1031969" cy="400110"/>
           </a:xfrm>
           <a:prstGeom prst="rect">
             <a:avLst/>
@@ -10893,8 +9865,7 @@
                 <a:solidFill>
                   <a:srgbClr val="333333"/>
                 </a:solidFill>
-                <a:latin typeface="넥슨 풋볼고딕 B" panose="020B0803000000000000" pitchFamily="50" charset="-127"/>
-                <a:ea typeface="넥슨 풋볼고딕 B" panose="020B0803000000000000" pitchFamily="50" charset="-127"/>
+                <a:latin typeface="+mn-ea"/>
               </a:rPr>
               <a:t>3</a:t>
             </a:r>
@@ -10902,8 +9873,7 @@
               <a:solidFill>
                 <a:srgbClr val="333333"/>
               </a:solidFill>
-              <a:latin typeface="넥슨 풋볼고딕 B" panose="020B0803000000000000" pitchFamily="50" charset="-127"/>
-              <a:ea typeface="넥슨 풋볼고딕 B" panose="020B0803000000000000" pitchFamily="50" charset="-127"/>
+              <a:latin typeface="+mn-ea"/>
             </a:endParaRPr>
           </a:p>
         </p:txBody>
@@ -10936,8 +9906,7 @@
                 <a:solidFill>
                   <a:srgbClr val="333333"/>
                 </a:solidFill>
-                <a:latin typeface="넥슨 풋볼고딕 B" panose="020B0803000000000000" pitchFamily="50" charset="-127"/>
-                <a:ea typeface="넥슨 풋볼고딕 B" panose="020B0803000000000000" pitchFamily="50" charset="-127"/>
+                <a:latin typeface="+mn-ea"/>
               </a:rPr>
               <a:t>50</a:t>
             </a:r>
@@ -10945,8 +9914,7 @@
               <a:solidFill>
                 <a:srgbClr val="333333"/>
               </a:solidFill>
-              <a:latin typeface="넥슨 풋볼고딕 B" panose="020B0803000000000000" pitchFamily="50" charset="-127"/>
-              <a:ea typeface="넥슨 풋볼고딕 B" panose="020B0803000000000000" pitchFamily="50" charset="-127"/>
+              <a:latin typeface="+mn-ea"/>
             </a:endParaRPr>
           </a:p>
         </p:txBody>
@@ -11075,9 +10043,9 @@
         <p:grpSpPr>
           <a:xfrm>
             <a:off x="3191969" y="2763411"/>
-            <a:ext cx="6845245" cy="1095195"/>
-            <a:chOff x="2358328" y="3016971"/>
-            <a:chExt cx="8426080" cy="1225562"/>
+            <a:ext cx="6845245" cy="1135372"/>
+            <a:chOff x="2358328" y="3016970"/>
+            <a:chExt cx="8426080" cy="1270521"/>
           </a:xfrm>
         </p:grpSpPr>
         <p:grpSp>
@@ -11088,10 +10056,10 @@
           </p:nvGrpSpPr>
           <p:grpSpPr>
             <a:xfrm>
-              <a:off x="2358328" y="3016971"/>
-              <a:ext cx="1275605" cy="1225562"/>
+              <a:off x="2358328" y="3016970"/>
+              <a:ext cx="1275605" cy="1270521"/>
               <a:chOff x="1877654" y="1556951"/>
-              <a:chExt cx="873783" cy="839506"/>
+              <a:chExt cx="873783" cy="870303"/>
             </a:xfrm>
           </p:grpSpPr>
           <p:sp>
@@ -11150,6 +10118,7 @@
                     </a:solidFill>
                   </a:ln>
                   <a:noFill/>
+                  <a:latin typeface="+mn-ea"/>
                 </a:endParaRPr>
               </a:p>
             </p:txBody>
@@ -11198,7 +10167,7 @@
             <p:spPr>
               <a:xfrm>
                 <a:off x="1877654" y="2120555"/>
-                <a:ext cx="870143" cy="274074"/>
+                <a:ext cx="870143" cy="306699"/>
               </a:xfrm>
               <a:prstGeom prst="rect">
                 <a:avLst/>
@@ -11217,8 +10186,7 @@
                     <a:solidFill>
                       <a:srgbClr val="333333"/>
                     </a:solidFill>
-                    <a:latin typeface="넥슨 풋볼고딕 B" panose="020B0803000000000000" pitchFamily="50" charset="-127"/>
-                    <a:ea typeface="넥슨 풋볼고딕 B" panose="020B0803000000000000" pitchFamily="50" charset="-127"/>
+                    <a:latin typeface="+mn-ea"/>
                   </a:rPr>
                   <a:t>0</a:t>
                 </a:r>
@@ -11226,8 +10194,7 @@
                   <a:solidFill>
                     <a:srgbClr val="333333"/>
                   </a:solidFill>
-                  <a:latin typeface="넥슨 풋볼고딕 B" panose="020B0803000000000000" pitchFamily="50" charset="-127"/>
-                  <a:ea typeface="넥슨 풋볼고딕 B" panose="020B0803000000000000" pitchFamily="50" charset="-127"/>
+                  <a:latin typeface="+mn-ea"/>
                 </a:endParaRPr>
               </a:p>
             </p:txBody>
@@ -11260,8 +10227,7 @@
                     <a:solidFill>
                       <a:srgbClr val="333333"/>
                     </a:solidFill>
-                    <a:latin typeface="넥슨 풋볼고딕 B" panose="020B0803000000000000" pitchFamily="50" charset="-127"/>
-                    <a:ea typeface="넥슨 풋볼고딕 B" panose="020B0803000000000000" pitchFamily="50" charset="-127"/>
+                    <a:latin typeface="+mn-ea"/>
                   </a:rPr>
                   <a:t>10</a:t>
                 </a:r>
@@ -11269,8 +10235,7 @@
                   <a:solidFill>
                     <a:srgbClr val="333333"/>
                   </a:solidFill>
-                  <a:latin typeface="넥슨 풋볼고딕 B" panose="020B0803000000000000" pitchFamily="50" charset="-127"/>
-                  <a:ea typeface="넥슨 풋볼고딕 B" panose="020B0803000000000000" pitchFamily="50" charset="-127"/>
+                  <a:latin typeface="+mn-ea"/>
                 </a:endParaRPr>
               </a:p>
             </p:txBody>
@@ -11284,10 +10249,10 @@
           </p:nvGrpSpPr>
           <p:grpSpPr>
             <a:xfrm>
-              <a:off x="4145947" y="3016971"/>
-              <a:ext cx="1275605" cy="1225562"/>
+              <a:off x="4145947" y="3016970"/>
+              <a:ext cx="1275605" cy="1270521"/>
               <a:chOff x="1877654" y="1556951"/>
-              <a:chExt cx="873783" cy="839506"/>
+              <a:chExt cx="873783" cy="870303"/>
             </a:xfrm>
           </p:grpSpPr>
           <p:sp>
@@ -11346,6 +10311,7 @@
                     </a:solidFill>
                   </a:ln>
                   <a:noFill/>
+                  <a:latin typeface="+mn-ea"/>
                 </a:endParaRPr>
               </a:p>
             </p:txBody>
@@ -11394,7 +10360,7 @@
             <p:spPr>
               <a:xfrm>
                 <a:off x="1877654" y="2120555"/>
-                <a:ext cx="870143" cy="274074"/>
+                <a:ext cx="870143" cy="306699"/>
               </a:xfrm>
               <a:prstGeom prst="rect">
                 <a:avLst/>
@@ -11413,8 +10379,7 @@
                     <a:solidFill>
                       <a:srgbClr val="333333"/>
                     </a:solidFill>
-                    <a:latin typeface="넥슨 풋볼고딕 B" panose="020B0803000000000000" pitchFamily="50" charset="-127"/>
-                    <a:ea typeface="넥슨 풋볼고딕 B" panose="020B0803000000000000" pitchFamily="50" charset="-127"/>
+                    <a:latin typeface="+mn-ea"/>
                   </a:rPr>
                   <a:t>1</a:t>
                 </a:r>
@@ -11422,8 +10387,7 @@
                   <a:solidFill>
                     <a:srgbClr val="333333"/>
                   </a:solidFill>
-                  <a:latin typeface="넥슨 풋볼고딕 B" panose="020B0803000000000000" pitchFamily="50" charset="-127"/>
-                  <a:ea typeface="넥슨 풋볼고딕 B" panose="020B0803000000000000" pitchFamily="50" charset="-127"/>
+                  <a:latin typeface="+mn-ea"/>
                 </a:endParaRPr>
               </a:p>
             </p:txBody>
@@ -11456,8 +10420,7 @@
                     <a:solidFill>
                       <a:srgbClr val="333333"/>
                     </a:solidFill>
-                    <a:latin typeface="넥슨 풋볼고딕 B" panose="020B0803000000000000" pitchFamily="50" charset="-127"/>
-                    <a:ea typeface="넥슨 풋볼고딕 B" panose="020B0803000000000000" pitchFamily="50" charset="-127"/>
+                    <a:latin typeface="+mn-ea"/>
                   </a:rPr>
                   <a:t>20</a:t>
                 </a:r>
@@ -11465,8 +10428,7 @@
                   <a:solidFill>
                     <a:srgbClr val="333333"/>
                   </a:solidFill>
-                  <a:latin typeface="넥슨 풋볼고딕 B" panose="020B0803000000000000" pitchFamily="50" charset="-127"/>
-                  <a:ea typeface="넥슨 풋볼고딕 B" panose="020B0803000000000000" pitchFamily="50" charset="-127"/>
+                  <a:latin typeface="+mn-ea"/>
                 </a:endParaRPr>
               </a:p>
             </p:txBody>
@@ -11480,10 +10442,10 @@
           </p:nvGrpSpPr>
           <p:grpSpPr>
             <a:xfrm>
-              <a:off x="5933566" y="3016971"/>
-              <a:ext cx="1275605" cy="1225562"/>
+              <a:off x="5933566" y="3016970"/>
+              <a:ext cx="1275605" cy="1270521"/>
               <a:chOff x="1877654" y="1556951"/>
-              <a:chExt cx="873783" cy="839506"/>
+              <a:chExt cx="873783" cy="870303"/>
             </a:xfrm>
           </p:grpSpPr>
           <p:sp>
@@ -11542,6 +10504,7 @@
                     </a:solidFill>
                   </a:ln>
                   <a:noFill/>
+                  <a:latin typeface="+mn-ea"/>
                 </a:endParaRPr>
               </a:p>
             </p:txBody>
@@ -11590,7 +10553,7 @@
             <p:spPr>
               <a:xfrm>
                 <a:off x="1877654" y="2120555"/>
-                <a:ext cx="870143" cy="274074"/>
+                <a:ext cx="870143" cy="306699"/>
               </a:xfrm>
               <a:prstGeom prst="rect">
                 <a:avLst/>
@@ -11609,8 +10572,7 @@
                     <a:solidFill>
                       <a:srgbClr val="333333"/>
                     </a:solidFill>
-                    <a:latin typeface="넥슨 풋볼고딕 B" panose="020B0803000000000000" pitchFamily="50" charset="-127"/>
-                    <a:ea typeface="넥슨 풋볼고딕 B" panose="020B0803000000000000" pitchFamily="50" charset="-127"/>
+                    <a:latin typeface="+mn-ea"/>
                   </a:rPr>
                   <a:t>2</a:t>
                 </a:r>
@@ -11618,8 +10580,7 @@
                   <a:solidFill>
                     <a:srgbClr val="333333"/>
                   </a:solidFill>
-                  <a:latin typeface="넥슨 풋볼고딕 B" panose="020B0803000000000000" pitchFamily="50" charset="-127"/>
-                  <a:ea typeface="넥슨 풋볼고딕 B" panose="020B0803000000000000" pitchFamily="50" charset="-127"/>
+                  <a:latin typeface="+mn-ea"/>
                 </a:endParaRPr>
               </a:p>
             </p:txBody>
@@ -11652,8 +10613,7 @@
                     <a:solidFill>
                       <a:srgbClr val="333333"/>
                     </a:solidFill>
-                    <a:latin typeface="넥슨 풋볼고딕 B" panose="020B0803000000000000" pitchFamily="50" charset="-127"/>
-                    <a:ea typeface="넥슨 풋볼고딕 B" panose="020B0803000000000000" pitchFamily="50" charset="-127"/>
+                    <a:latin typeface="+mn-ea"/>
                   </a:rPr>
                   <a:t>30</a:t>
                 </a:r>
@@ -11661,8 +10621,7 @@
                   <a:solidFill>
                     <a:srgbClr val="333333"/>
                   </a:solidFill>
-                  <a:latin typeface="넥슨 풋볼고딕 B" panose="020B0803000000000000" pitchFamily="50" charset="-127"/>
-                  <a:ea typeface="넥슨 풋볼고딕 B" panose="020B0803000000000000" pitchFamily="50" charset="-127"/>
+                  <a:latin typeface="+mn-ea"/>
                 </a:endParaRPr>
               </a:p>
             </p:txBody>
@@ -11676,10 +10635,10 @@
           </p:nvGrpSpPr>
           <p:grpSpPr>
             <a:xfrm>
-              <a:off x="7721185" y="3016971"/>
-              <a:ext cx="1275605" cy="1225562"/>
+              <a:off x="7721185" y="3016970"/>
+              <a:ext cx="1275605" cy="1270521"/>
               <a:chOff x="1877654" y="1556951"/>
-              <a:chExt cx="873783" cy="839506"/>
+              <a:chExt cx="873783" cy="870303"/>
             </a:xfrm>
           </p:grpSpPr>
           <p:sp>
@@ -11738,6 +10697,7 @@
                     </a:solidFill>
                   </a:ln>
                   <a:noFill/>
+                  <a:latin typeface="+mn-ea"/>
                 </a:endParaRPr>
               </a:p>
             </p:txBody>
@@ -11786,7 +10746,7 @@
             <p:spPr>
               <a:xfrm>
                 <a:off x="1877654" y="2120555"/>
-                <a:ext cx="870143" cy="274074"/>
+                <a:ext cx="870143" cy="306699"/>
               </a:xfrm>
               <a:prstGeom prst="rect">
                 <a:avLst/>
@@ -11805,8 +10765,7 @@
                     <a:solidFill>
                       <a:srgbClr val="333333"/>
                     </a:solidFill>
-                    <a:latin typeface="넥슨 풋볼고딕 B" panose="020B0803000000000000" pitchFamily="50" charset="-127"/>
-                    <a:ea typeface="넥슨 풋볼고딕 B" panose="020B0803000000000000" pitchFamily="50" charset="-127"/>
+                    <a:latin typeface="+mn-ea"/>
                   </a:rPr>
                   <a:t>3</a:t>
                 </a:r>
@@ -11814,8 +10773,7 @@
                   <a:solidFill>
                     <a:srgbClr val="333333"/>
                   </a:solidFill>
-                  <a:latin typeface="넥슨 풋볼고딕 B" panose="020B0803000000000000" pitchFamily="50" charset="-127"/>
-                  <a:ea typeface="넥슨 풋볼고딕 B" panose="020B0803000000000000" pitchFamily="50" charset="-127"/>
+                  <a:latin typeface="+mn-ea"/>
                 </a:endParaRPr>
               </a:p>
             </p:txBody>
@@ -11829,10 +10787,10 @@
           </p:nvGrpSpPr>
           <p:grpSpPr>
             <a:xfrm>
-              <a:off x="9508803" y="3016971"/>
-              <a:ext cx="1275605" cy="1225562"/>
+              <a:off x="9508803" y="3016970"/>
+              <a:ext cx="1275605" cy="1270521"/>
               <a:chOff x="1877654" y="1556951"/>
-              <a:chExt cx="873783" cy="839506"/>
+              <a:chExt cx="873783" cy="870303"/>
             </a:xfrm>
           </p:grpSpPr>
           <p:sp>
@@ -11891,6 +10849,7 @@
                     </a:solidFill>
                   </a:ln>
                   <a:noFill/>
+                  <a:latin typeface="+mn-ea"/>
                 </a:endParaRPr>
               </a:p>
             </p:txBody>
@@ -11939,7 +10898,7 @@
             <p:spPr>
               <a:xfrm>
                 <a:off x="1877654" y="2120555"/>
-                <a:ext cx="870143" cy="274074"/>
+                <a:ext cx="870143" cy="306699"/>
               </a:xfrm>
               <a:prstGeom prst="rect">
                 <a:avLst/>
@@ -11958,8 +10917,7 @@
                     <a:solidFill>
                       <a:srgbClr val="333333"/>
                     </a:solidFill>
-                    <a:latin typeface="넥슨 풋볼고딕 B" panose="020B0803000000000000" pitchFamily="50" charset="-127"/>
-                    <a:ea typeface="넥슨 풋볼고딕 B" panose="020B0803000000000000" pitchFamily="50" charset="-127"/>
+                    <a:latin typeface="+mn-ea"/>
                   </a:rPr>
                   <a:t>4</a:t>
                 </a:r>
@@ -11967,8 +10925,7 @@
                   <a:solidFill>
                     <a:srgbClr val="333333"/>
                   </a:solidFill>
-                  <a:latin typeface="넥슨 풋볼고딕 B" panose="020B0803000000000000" pitchFamily="50" charset="-127"/>
-                  <a:ea typeface="넥슨 풋볼고딕 B" panose="020B0803000000000000" pitchFamily="50" charset="-127"/>
+                  <a:latin typeface="+mn-ea"/>
                 </a:endParaRPr>
               </a:p>
             </p:txBody>
@@ -12001,8 +10958,7 @@
                     <a:solidFill>
                       <a:srgbClr val="333333"/>
                     </a:solidFill>
-                    <a:latin typeface="넥슨 풋볼고딕 B" panose="020B0803000000000000" pitchFamily="50" charset="-127"/>
-                    <a:ea typeface="넥슨 풋볼고딕 B" panose="020B0803000000000000" pitchFamily="50" charset="-127"/>
+                    <a:latin typeface="+mn-ea"/>
                   </a:rPr>
                   <a:t>50</a:t>
                 </a:r>
@@ -12010,8 +10966,7 @@
                   <a:solidFill>
                     <a:srgbClr val="333333"/>
                   </a:solidFill>
-                  <a:latin typeface="넥슨 풋볼고딕 B" panose="020B0803000000000000" pitchFamily="50" charset="-127"/>
-                  <a:ea typeface="넥슨 풋볼고딕 B" panose="020B0803000000000000" pitchFamily="50" charset="-127"/>
+                  <a:latin typeface="+mn-ea"/>
                 </a:endParaRPr>
               </a:p>
             </p:txBody>
@@ -12027,9 +10982,9 @@
         <p:grpSpPr>
           <a:xfrm>
             <a:off x="3191969" y="4731117"/>
-            <a:ext cx="5393923" cy="1095197"/>
-            <a:chOff x="2358328" y="3016971"/>
-            <a:chExt cx="6639591" cy="1225565"/>
+            <a:ext cx="5393923" cy="1135374"/>
+            <a:chOff x="2358328" y="3016970"/>
+            <a:chExt cx="6639591" cy="1270524"/>
           </a:xfrm>
         </p:grpSpPr>
         <p:grpSp>
@@ -12040,10 +10995,10 @@
           </p:nvGrpSpPr>
           <p:grpSpPr>
             <a:xfrm>
-              <a:off x="2358328" y="3016971"/>
-              <a:ext cx="1275605" cy="1225562"/>
+              <a:off x="2358328" y="3016970"/>
+              <a:ext cx="1275605" cy="1270521"/>
               <a:chOff x="1877654" y="1556951"/>
-              <a:chExt cx="873783" cy="839506"/>
+              <a:chExt cx="873783" cy="870303"/>
             </a:xfrm>
           </p:grpSpPr>
           <p:sp>
@@ -12102,6 +11057,7 @@
                     </a:solidFill>
                   </a:ln>
                   <a:noFill/>
+                  <a:latin typeface="+mn-ea"/>
                 </a:endParaRPr>
               </a:p>
             </p:txBody>
@@ -12150,7 +11106,7 @@
             <p:spPr>
               <a:xfrm>
                 <a:off x="1877654" y="2120555"/>
-                <a:ext cx="870143" cy="274074"/>
+                <a:ext cx="870143" cy="306699"/>
               </a:xfrm>
               <a:prstGeom prst="rect">
                 <a:avLst/>
@@ -12169,8 +11125,7 @@
                     <a:solidFill>
                       <a:srgbClr val="333333"/>
                     </a:solidFill>
-                    <a:latin typeface="넥슨 풋볼고딕 B" panose="020B0803000000000000" pitchFamily="50" charset="-127"/>
-                    <a:ea typeface="넥슨 풋볼고딕 B" panose="020B0803000000000000" pitchFamily="50" charset="-127"/>
+                    <a:latin typeface="+mn-ea"/>
                   </a:rPr>
                   <a:t>0</a:t>
                 </a:r>
@@ -12178,8 +11133,7 @@
                   <a:solidFill>
                     <a:srgbClr val="333333"/>
                   </a:solidFill>
-                  <a:latin typeface="넥슨 풋볼고딕 B" panose="020B0803000000000000" pitchFamily="50" charset="-127"/>
-                  <a:ea typeface="넥슨 풋볼고딕 B" panose="020B0803000000000000" pitchFamily="50" charset="-127"/>
+                  <a:latin typeface="+mn-ea"/>
                 </a:endParaRPr>
               </a:p>
             </p:txBody>
@@ -12212,8 +11166,7 @@
                     <a:solidFill>
                       <a:srgbClr val="333333"/>
                     </a:solidFill>
-                    <a:latin typeface="넥슨 풋볼고딕 B" panose="020B0803000000000000" pitchFamily="50" charset="-127"/>
-                    <a:ea typeface="넥슨 풋볼고딕 B" panose="020B0803000000000000" pitchFamily="50" charset="-127"/>
+                    <a:latin typeface="+mn-ea"/>
                   </a:rPr>
                   <a:t>10</a:t>
                 </a:r>
@@ -12221,8 +11174,7 @@
                   <a:solidFill>
                     <a:srgbClr val="333333"/>
                   </a:solidFill>
-                  <a:latin typeface="넥슨 풋볼고딕 B" panose="020B0803000000000000" pitchFamily="50" charset="-127"/>
-                  <a:ea typeface="넥슨 풋볼고딕 B" panose="020B0803000000000000" pitchFamily="50" charset="-127"/>
+                  <a:latin typeface="+mn-ea"/>
                 </a:endParaRPr>
               </a:p>
             </p:txBody>
@@ -12236,10 +11188,10 @@
           </p:nvGrpSpPr>
           <p:grpSpPr>
             <a:xfrm>
-              <a:off x="4145947" y="3016971"/>
-              <a:ext cx="1275605" cy="1225562"/>
+              <a:off x="4145947" y="3016970"/>
+              <a:ext cx="1275605" cy="1270521"/>
               <a:chOff x="1877654" y="1556951"/>
-              <a:chExt cx="873783" cy="839506"/>
+              <a:chExt cx="873783" cy="870303"/>
             </a:xfrm>
           </p:grpSpPr>
           <p:sp>
@@ -12298,6 +11250,7 @@
                     </a:solidFill>
                   </a:ln>
                   <a:noFill/>
+                  <a:latin typeface="+mn-ea"/>
                 </a:endParaRPr>
               </a:p>
             </p:txBody>
@@ -12346,7 +11299,7 @@
             <p:spPr>
               <a:xfrm>
                 <a:off x="1877654" y="2120555"/>
-                <a:ext cx="870143" cy="274074"/>
+                <a:ext cx="870143" cy="306699"/>
               </a:xfrm>
               <a:prstGeom prst="rect">
                 <a:avLst/>
@@ -12365,8 +11318,7 @@
                     <a:solidFill>
                       <a:srgbClr val="333333"/>
                     </a:solidFill>
-                    <a:latin typeface="넥슨 풋볼고딕 B" panose="020B0803000000000000" pitchFamily="50" charset="-127"/>
-                    <a:ea typeface="넥슨 풋볼고딕 B" panose="020B0803000000000000" pitchFamily="50" charset="-127"/>
+                    <a:latin typeface="+mn-ea"/>
                   </a:rPr>
                   <a:t>1</a:t>
                 </a:r>
@@ -12374,8 +11326,7 @@
                   <a:solidFill>
                     <a:srgbClr val="333333"/>
                   </a:solidFill>
-                  <a:latin typeface="넥슨 풋볼고딕 B" panose="020B0803000000000000" pitchFamily="50" charset="-127"/>
-                  <a:ea typeface="넥슨 풋볼고딕 B" panose="020B0803000000000000" pitchFamily="50" charset="-127"/>
+                  <a:latin typeface="+mn-ea"/>
                 </a:endParaRPr>
               </a:p>
             </p:txBody>
@@ -12408,8 +11359,7 @@
                     <a:solidFill>
                       <a:srgbClr val="333333"/>
                     </a:solidFill>
-                    <a:latin typeface="넥슨 풋볼고딕 B" panose="020B0803000000000000" pitchFamily="50" charset="-127"/>
-                    <a:ea typeface="넥슨 풋볼고딕 B" panose="020B0803000000000000" pitchFamily="50" charset="-127"/>
+                    <a:latin typeface="+mn-ea"/>
                   </a:rPr>
                   <a:t>20</a:t>
                 </a:r>
@@ -12417,8 +11367,7 @@
                   <a:solidFill>
                     <a:srgbClr val="333333"/>
                   </a:solidFill>
-                  <a:latin typeface="넥슨 풋볼고딕 B" panose="020B0803000000000000" pitchFamily="50" charset="-127"/>
-                  <a:ea typeface="넥슨 풋볼고딕 B" panose="020B0803000000000000" pitchFamily="50" charset="-127"/>
+                  <a:latin typeface="+mn-ea"/>
                 </a:endParaRPr>
               </a:p>
             </p:txBody>
@@ -12432,10 +11381,10 @@
           </p:nvGrpSpPr>
           <p:grpSpPr>
             <a:xfrm>
-              <a:off x="5933566" y="3016971"/>
-              <a:ext cx="1275605" cy="1225562"/>
+              <a:off x="5933566" y="3016970"/>
+              <a:ext cx="1275605" cy="1270521"/>
               <a:chOff x="1877654" y="1556951"/>
-              <a:chExt cx="873783" cy="839506"/>
+              <a:chExt cx="873783" cy="870303"/>
             </a:xfrm>
           </p:grpSpPr>
           <p:sp>
@@ -12494,6 +11443,7 @@
                     </a:solidFill>
                   </a:ln>
                   <a:noFill/>
+                  <a:latin typeface="+mn-ea"/>
                 </a:endParaRPr>
               </a:p>
             </p:txBody>
@@ -12542,7 +11492,7 @@
             <p:spPr>
               <a:xfrm>
                 <a:off x="1877654" y="2120555"/>
-                <a:ext cx="870143" cy="274074"/>
+                <a:ext cx="870143" cy="306699"/>
               </a:xfrm>
               <a:prstGeom prst="rect">
                 <a:avLst/>
@@ -12561,8 +11511,7 @@
                     <a:solidFill>
                       <a:srgbClr val="333333"/>
                     </a:solidFill>
-                    <a:latin typeface="넥슨 풋볼고딕 B" panose="020B0803000000000000" pitchFamily="50" charset="-127"/>
-                    <a:ea typeface="넥슨 풋볼고딕 B" panose="020B0803000000000000" pitchFamily="50" charset="-127"/>
+                    <a:latin typeface="+mn-ea"/>
                   </a:rPr>
                   <a:t>2</a:t>
                 </a:r>
@@ -12570,8 +11519,7 @@
                   <a:solidFill>
                     <a:srgbClr val="333333"/>
                   </a:solidFill>
-                  <a:latin typeface="넥슨 풋볼고딕 B" panose="020B0803000000000000" pitchFamily="50" charset="-127"/>
-                  <a:ea typeface="넥슨 풋볼고딕 B" panose="020B0803000000000000" pitchFamily="50" charset="-127"/>
+                  <a:latin typeface="+mn-ea"/>
                 </a:endParaRPr>
               </a:p>
             </p:txBody>
@@ -12604,8 +11552,7 @@
                     <a:solidFill>
                       <a:srgbClr val="333333"/>
                     </a:solidFill>
-                    <a:latin typeface="넥슨 풋볼고딕 B" panose="020B0803000000000000" pitchFamily="50" charset="-127"/>
-                    <a:ea typeface="넥슨 풋볼고딕 B" panose="020B0803000000000000" pitchFamily="50" charset="-127"/>
+                    <a:latin typeface="+mn-ea"/>
                   </a:rPr>
                   <a:t>30</a:t>
                 </a:r>
@@ -12613,8 +11560,7 @@
                   <a:solidFill>
                     <a:srgbClr val="333333"/>
                   </a:solidFill>
-                  <a:latin typeface="넥슨 풋볼고딕 B" panose="020B0803000000000000" pitchFamily="50" charset="-127"/>
-                  <a:ea typeface="넥슨 풋볼고딕 B" panose="020B0803000000000000" pitchFamily="50" charset="-127"/>
+                  <a:latin typeface="+mn-ea"/>
                 </a:endParaRPr>
               </a:p>
             </p:txBody>
@@ -12628,10 +11574,10 @@
           </p:nvGrpSpPr>
           <p:grpSpPr>
             <a:xfrm>
-              <a:off x="7721185" y="3016973"/>
-              <a:ext cx="1275605" cy="1225563"/>
+              <a:off x="7721185" y="3016972"/>
+              <a:ext cx="1275605" cy="1270522"/>
               <a:chOff x="1877654" y="1556951"/>
-              <a:chExt cx="873783" cy="839506"/>
+              <a:chExt cx="873783" cy="870303"/>
             </a:xfrm>
           </p:grpSpPr>
           <p:sp>
@@ -12690,6 +11636,7 @@
                     </a:solidFill>
                   </a:ln>
                   <a:noFill/>
+                  <a:latin typeface="+mn-ea"/>
                 </a:endParaRPr>
               </a:p>
             </p:txBody>
@@ -12738,7 +11685,7 @@
             <p:spPr>
               <a:xfrm>
                 <a:off x="1877654" y="2120555"/>
-                <a:ext cx="870143" cy="274074"/>
+                <a:ext cx="870143" cy="306699"/>
               </a:xfrm>
               <a:prstGeom prst="rect">
                 <a:avLst/>
@@ -12757,8 +11704,7 @@
                     <a:solidFill>
                       <a:srgbClr val="333333"/>
                     </a:solidFill>
-                    <a:latin typeface="넥슨 풋볼고딕 B" panose="020B0803000000000000" pitchFamily="50" charset="-127"/>
-                    <a:ea typeface="넥슨 풋볼고딕 B" panose="020B0803000000000000" pitchFamily="50" charset="-127"/>
+                    <a:latin typeface="+mn-ea"/>
                   </a:rPr>
                   <a:t>3</a:t>
                 </a:r>
@@ -12766,8 +11712,7 @@
                   <a:solidFill>
                     <a:srgbClr val="333333"/>
                   </a:solidFill>
-                  <a:latin typeface="넥슨 풋볼고딕 B" panose="020B0803000000000000" pitchFamily="50" charset="-127"/>
-                  <a:ea typeface="넥슨 풋볼고딕 B" panose="020B0803000000000000" pitchFamily="50" charset="-127"/>
+                  <a:latin typeface="+mn-ea"/>
                 </a:endParaRPr>
               </a:p>
             </p:txBody>
@@ -12801,8 +11746,7 @@
                   <a:solidFill>
                     <a:srgbClr val="333333"/>
                   </a:solidFill>
-                  <a:latin typeface="넥슨 풋볼고딕 B" panose="020B0803000000000000" pitchFamily="50" charset="-127"/>
-                  <a:ea typeface="넥슨 풋볼고딕 B" panose="020B0803000000000000" pitchFamily="50" charset="-127"/>
+                  <a:latin typeface="+mn-ea"/>
                 </a:rPr>
                 <a:t>50</a:t>
               </a:r>
@@ -12810,8 +11754,7 @@
                 <a:solidFill>
                   <a:srgbClr val="333333"/>
                 </a:solidFill>
-                <a:latin typeface="넥슨 풋볼고딕 B" panose="020B0803000000000000" pitchFamily="50" charset="-127"/>
-                <a:ea typeface="넥슨 풋볼고딕 B" panose="020B0803000000000000" pitchFamily="50" charset="-127"/>
+                <a:latin typeface="+mn-ea"/>
               </a:endParaRPr>
             </a:p>
           </p:txBody>
@@ -12826,9 +11769,9 @@
         <p:grpSpPr>
           <a:xfrm>
             <a:off x="3191971" y="763161"/>
-            <a:ext cx="6845245" cy="1095195"/>
-            <a:chOff x="2358328" y="3016971"/>
-            <a:chExt cx="8426081" cy="1225562"/>
+            <a:ext cx="6845245" cy="1135372"/>
+            <a:chOff x="2358328" y="3016970"/>
+            <a:chExt cx="8426081" cy="1270521"/>
           </a:xfrm>
         </p:grpSpPr>
         <p:grpSp>
@@ -12839,10 +11782,10 @@
           </p:nvGrpSpPr>
           <p:grpSpPr>
             <a:xfrm>
-              <a:off x="2358328" y="3016971"/>
-              <a:ext cx="1275605" cy="1225562"/>
+              <a:off x="2358328" y="3016970"/>
+              <a:ext cx="1275605" cy="1270521"/>
               <a:chOff x="1877654" y="1556951"/>
-              <a:chExt cx="873783" cy="839506"/>
+              <a:chExt cx="873783" cy="870303"/>
             </a:xfrm>
           </p:grpSpPr>
           <p:sp>
@@ -12901,6 +11844,7 @@
                     </a:solidFill>
                   </a:ln>
                   <a:noFill/>
+                  <a:latin typeface="+mn-ea"/>
                 </a:endParaRPr>
               </a:p>
             </p:txBody>
@@ -12949,7 +11893,7 @@
             <p:spPr>
               <a:xfrm>
                 <a:off x="1877654" y="2120555"/>
-                <a:ext cx="870143" cy="274074"/>
+                <a:ext cx="870143" cy="306699"/>
               </a:xfrm>
               <a:prstGeom prst="rect">
                 <a:avLst/>
@@ -12968,8 +11912,7 @@
                     <a:solidFill>
                       <a:srgbClr val="333333"/>
                     </a:solidFill>
-                    <a:latin typeface="넥슨 풋볼고딕 B" panose="020B0803000000000000" pitchFamily="50" charset="-127"/>
-                    <a:ea typeface="넥슨 풋볼고딕 B" panose="020B0803000000000000" pitchFamily="50" charset="-127"/>
+                    <a:latin typeface="+mn-ea"/>
                   </a:rPr>
                   <a:t>0</a:t>
                 </a:r>
@@ -12977,8 +11920,7 @@
                   <a:solidFill>
                     <a:srgbClr val="333333"/>
                   </a:solidFill>
-                  <a:latin typeface="넥슨 풋볼고딕 B" panose="020B0803000000000000" pitchFamily="50" charset="-127"/>
-                  <a:ea typeface="넥슨 풋볼고딕 B" panose="020B0803000000000000" pitchFamily="50" charset="-127"/>
+                  <a:latin typeface="+mn-ea"/>
                 </a:endParaRPr>
               </a:p>
             </p:txBody>
@@ -13011,8 +11953,7 @@
                     <a:solidFill>
                       <a:srgbClr val="333333"/>
                     </a:solidFill>
-                    <a:latin typeface="넥슨 풋볼고딕 B" panose="020B0803000000000000" pitchFamily="50" charset="-127"/>
-                    <a:ea typeface="넥슨 풋볼고딕 B" panose="020B0803000000000000" pitchFamily="50" charset="-127"/>
+                    <a:latin typeface="+mn-ea"/>
                   </a:rPr>
                   <a:t>10</a:t>
                 </a:r>
@@ -13020,8 +11961,7 @@
                   <a:solidFill>
                     <a:srgbClr val="333333"/>
                   </a:solidFill>
-                  <a:latin typeface="넥슨 풋볼고딕 B" panose="020B0803000000000000" pitchFamily="50" charset="-127"/>
-                  <a:ea typeface="넥슨 풋볼고딕 B" panose="020B0803000000000000" pitchFamily="50" charset="-127"/>
+                  <a:latin typeface="+mn-ea"/>
                 </a:endParaRPr>
               </a:p>
             </p:txBody>
@@ -13035,10 +11975,10 @@
           </p:nvGrpSpPr>
           <p:grpSpPr>
             <a:xfrm>
-              <a:off x="4145947" y="3016971"/>
-              <a:ext cx="1275605" cy="1225562"/>
+              <a:off x="4145947" y="3016970"/>
+              <a:ext cx="1275605" cy="1270521"/>
               <a:chOff x="1877654" y="1556951"/>
-              <a:chExt cx="873783" cy="839506"/>
+              <a:chExt cx="873783" cy="870303"/>
             </a:xfrm>
           </p:grpSpPr>
           <p:sp>
@@ -13097,6 +12037,7 @@
                     </a:solidFill>
                   </a:ln>
                   <a:noFill/>
+                  <a:latin typeface="+mn-ea"/>
                 </a:endParaRPr>
               </a:p>
             </p:txBody>
@@ -13145,7 +12086,7 @@
             <p:spPr>
               <a:xfrm>
                 <a:off x="1877654" y="2120555"/>
-                <a:ext cx="870143" cy="274074"/>
+                <a:ext cx="870143" cy="306699"/>
               </a:xfrm>
               <a:prstGeom prst="rect">
                 <a:avLst/>
@@ -13164,8 +12105,7 @@
                     <a:solidFill>
                       <a:srgbClr val="333333"/>
                     </a:solidFill>
-                    <a:latin typeface="넥슨 풋볼고딕 B" panose="020B0803000000000000" pitchFamily="50" charset="-127"/>
-                    <a:ea typeface="넥슨 풋볼고딕 B" panose="020B0803000000000000" pitchFamily="50" charset="-127"/>
+                    <a:latin typeface="+mn-ea"/>
                   </a:rPr>
                   <a:t>1</a:t>
                 </a:r>
@@ -13173,8 +12113,7 @@
                   <a:solidFill>
                     <a:srgbClr val="333333"/>
                   </a:solidFill>
-                  <a:latin typeface="넥슨 풋볼고딕 B" panose="020B0803000000000000" pitchFamily="50" charset="-127"/>
-                  <a:ea typeface="넥슨 풋볼고딕 B" panose="020B0803000000000000" pitchFamily="50" charset="-127"/>
+                  <a:latin typeface="+mn-ea"/>
                 </a:endParaRPr>
               </a:p>
             </p:txBody>
@@ -13207,8 +12146,7 @@
                     <a:solidFill>
                       <a:srgbClr val="333333"/>
                     </a:solidFill>
-                    <a:latin typeface="넥슨 풋볼고딕 B" panose="020B0803000000000000" pitchFamily="50" charset="-127"/>
-                    <a:ea typeface="넥슨 풋볼고딕 B" panose="020B0803000000000000" pitchFamily="50" charset="-127"/>
+                    <a:latin typeface="+mn-ea"/>
                   </a:rPr>
                   <a:t>20</a:t>
                 </a:r>
@@ -13216,8 +12154,7 @@
                   <a:solidFill>
                     <a:srgbClr val="333333"/>
                   </a:solidFill>
-                  <a:latin typeface="넥슨 풋볼고딕 B" panose="020B0803000000000000" pitchFamily="50" charset="-127"/>
-                  <a:ea typeface="넥슨 풋볼고딕 B" panose="020B0803000000000000" pitchFamily="50" charset="-127"/>
+                  <a:latin typeface="+mn-ea"/>
                 </a:endParaRPr>
               </a:p>
             </p:txBody>
@@ -13231,10 +12168,10 @@
           </p:nvGrpSpPr>
           <p:grpSpPr>
             <a:xfrm>
-              <a:off x="5933566" y="3016971"/>
-              <a:ext cx="1275605" cy="1225562"/>
+              <a:off x="5933566" y="3016970"/>
+              <a:ext cx="1275605" cy="1270521"/>
               <a:chOff x="1877654" y="1556951"/>
-              <a:chExt cx="873783" cy="839506"/>
+              <a:chExt cx="873783" cy="870303"/>
             </a:xfrm>
           </p:grpSpPr>
           <p:sp>
@@ -13293,6 +12230,7 @@
                     </a:solidFill>
                   </a:ln>
                   <a:noFill/>
+                  <a:latin typeface="+mn-ea"/>
                 </a:endParaRPr>
               </a:p>
             </p:txBody>
@@ -13341,7 +12279,7 @@
             <p:spPr>
               <a:xfrm>
                 <a:off x="1877654" y="2120555"/>
-                <a:ext cx="870143" cy="274074"/>
+                <a:ext cx="870143" cy="306699"/>
               </a:xfrm>
               <a:prstGeom prst="rect">
                 <a:avLst/>
@@ -13360,8 +12298,7 @@
                     <a:solidFill>
                       <a:srgbClr val="333333"/>
                     </a:solidFill>
-                    <a:latin typeface="넥슨 풋볼고딕 B" panose="020B0803000000000000" pitchFamily="50" charset="-127"/>
-                    <a:ea typeface="넥슨 풋볼고딕 B" panose="020B0803000000000000" pitchFamily="50" charset="-127"/>
+                    <a:latin typeface="+mn-ea"/>
                   </a:rPr>
                   <a:t>2</a:t>
                 </a:r>
@@ -13369,8 +12306,7 @@
                   <a:solidFill>
                     <a:srgbClr val="333333"/>
                   </a:solidFill>
-                  <a:latin typeface="넥슨 풋볼고딕 B" panose="020B0803000000000000" pitchFamily="50" charset="-127"/>
-                  <a:ea typeface="넥슨 풋볼고딕 B" panose="020B0803000000000000" pitchFamily="50" charset="-127"/>
+                  <a:latin typeface="+mn-ea"/>
                 </a:endParaRPr>
               </a:p>
             </p:txBody>
@@ -13403,8 +12339,7 @@
                     <a:solidFill>
                       <a:srgbClr val="333333"/>
                     </a:solidFill>
-                    <a:latin typeface="넥슨 풋볼고딕 B" panose="020B0803000000000000" pitchFamily="50" charset="-127"/>
-                    <a:ea typeface="넥슨 풋볼고딕 B" panose="020B0803000000000000" pitchFamily="50" charset="-127"/>
+                    <a:latin typeface="+mn-ea"/>
                   </a:rPr>
                   <a:t>30</a:t>
                 </a:r>
@@ -13412,8 +12347,7 @@
                   <a:solidFill>
                     <a:srgbClr val="333333"/>
                   </a:solidFill>
-                  <a:latin typeface="넥슨 풋볼고딕 B" panose="020B0803000000000000" pitchFamily="50" charset="-127"/>
-                  <a:ea typeface="넥슨 풋볼고딕 B" panose="020B0803000000000000" pitchFamily="50" charset="-127"/>
+                  <a:latin typeface="+mn-ea"/>
                 </a:endParaRPr>
               </a:p>
             </p:txBody>
@@ -13427,10 +12361,10 @@
           </p:nvGrpSpPr>
           <p:grpSpPr>
             <a:xfrm>
-              <a:off x="7721185" y="3016971"/>
-              <a:ext cx="1275605" cy="1225562"/>
+              <a:off x="7721185" y="3016970"/>
+              <a:ext cx="1275605" cy="1270521"/>
               <a:chOff x="1877654" y="1556951"/>
-              <a:chExt cx="873783" cy="839506"/>
+              <a:chExt cx="873783" cy="870303"/>
             </a:xfrm>
           </p:grpSpPr>
           <p:sp>
@@ -13489,6 +12423,7 @@
                     </a:solidFill>
                   </a:ln>
                   <a:noFill/>
+                  <a:latin typeface="+mn-ea"/>
                 </a:endParaRPr>
               </a:p>
             </p:txBody>
@@ -13537,7 +12472,7 @@
             <p:spPr>
               <a:xfrm>
                 <a:off x="1877654" y="2120555"/>
-                <a:ext cx="870143" cy="274074"/>
+                <a:ext cx="870143" cy="306699"/>
               </a:xfrm>
               <a:prstGeom prst="rect">
                 <a:avLst/>
@@ -13556,8 +12491,7 @@
                     <a:solidFill>
                       <a:srgbClr val="333333"/>
                     </a:solidFill>
-                    <a:latin typeface="넥슨 풋볼고딕 B" panose="020B0803000000000000" pitchFamily="50" charset="-127"/>
-                    <a:ea typeface="넥슨 풋볼고딕 B" panose="020B0803000000000000" pitchFamily="50" charset="-127"/>
+                    <a:latin typeface="+mn-ea"/>
                   </a:rPr>
                   <a:t>3</a:t>
                 </a:r>
@@ -13565,8 +12499,7 @@
                   <a:solidFill>
                     <a:srgbClr val="333333"/>
                   </a:solidFill>
-                  <a:latin typeface="넥슨 풋볼고딕 B" panose="020B0803000000000000" pitchFamily="50" charset="-127"/>
-                  <a:ea typeface="넥슨 풋볼고딕 B" panose="020B0803000000000000" pitchFamily="50" charset="-127"/>
+                  <a:latin typeface="+mn-ea"/>
                 </a:endParaRPr>
               </a:p>
             </p:txBody>
@@ -13580,10 +12513,10 @@
           </p:nvGrpSpPr>
           <p:grpSpPr>
             <a:xfrm>
-              <a:off x="7699053" y="3016971"/>
-              <a:ext cx="3085356" cy="1225562"/>
+              <a:off x="7699053" y="3016970"/>
+              <a:ext cx="3085356" cy="1270521"/>
               <a:chOff x="637984" y="1556951"/>
-              <a:chExt cx="2113453" cy="839506"/>
+              <a:chExt cx="2113453" cy="870303"/>
             </a:xfrm>
           </p:grpSpPr>
           <p:sp>
@@ -13642,6 +12575,7 @@
                     </a:solidFill>
                   </a:ln>
                   <a:noFill/>
+                  <a:latin typeface="+mn-ea"/>
                 </a:endParaRPr>
               </a:p>
             </p:txBody>
@@ -13690,7 +12624,7 @@
             <p:spPr>
               <a:xfrm>
                 <a:off x="1877654" y="2120555"/>
-                <a:ext cx="870143" cy="274074"/>
+                <a:ext cx="870143" cy="306699"/>
               </a:xfrm>
               <a:prstGeom prst="rect">
                 <a:avLst/>
@@ -13709,8 +12643,7 @@
                     <a:solidFill>
                       <a:srgbClr val="333333"/>
                     </a:solidFill>
-                    <a:latin typeface="넥슨 풋볼고딕 B" panose="020B0803000000000000" pitchFamily="50" charset="-127"/>
-                    <a:ea typeface="넥슨 풋볼고딕 B" panose="020B0803000000000000" pitchFamily="50" charset="-127"/>
+                    <a:latin typeface="+mn-ea"/>
                   </a:rPr>
                   <a:t>4</a:t>
                 </a:r>
@@ -13718,8 +12651,7 @@
                   <a:solidFill>
                     <a:srgbClr val="333333"/>
                   </a:solidFill>
-                  <a:latin typeface="넥슨 풋볼고딕 B" panose="020B0803000000000000" pitchFamily="50" charset="-127"/>
-                  <a:ea typeface="넥슨 풋볼고딕 B" panose="020B0803000000000000" pitchFamily="50" charset="-127"/>
+                  <a:latin typeface="+mn-ea"/>
                 </a:endParaRPr>
               </a:p>
             </p:txBody>
@@ -13752,8 +12684,7 @@
                     <a:solidFill>
                       <a:srgbClr val="333333"/>
                     </a:solidFill>
-                    <a:latin typeface="넥슨 풋볼고딕 B" panose="020B0803000000000000" pitchFamily="50" charset="-127"/>
-                    <a:ea typeface="넥슨 풋볼고딕 B" panose="020B0803000000000000" pitchFamily="50" charset="-127"/>
+                    <a:latin typeface="+mn-ea"/>
                   </a:rPr>
                   <a:t>50</a:t>
                 </a:r>
@@ -13761,8 +12692,7 @@
                   <a:solidFill>
                     <a:srgbClr val="333333"/>
                   </a:solidFill>
-                  <a:latin typeface="넥슨 풋볼고딕 B" panose="020B0803000000000000" pitchFamily="50" charset="-127"/>
-                  <a:ea typeface="넥슨 풋볼고딕 B" panose="020B0803000000000000" pitchFamily="50" charset="-127"/>
+                  <a:latin typeface="+mn-ea"/>
                 </a:endParaRPr>
               </a:p>
             </p:txBody>
@@ -13795,8 +12725,7 @@
                     <a:solidFill>
                       <a:srgbClr val="333333"/>
                     </a:solidFill>
-                    <a:latin typeface="넥슨 풋볼고딕 B" panose="020B0803000000000000" pitchFamily="50" charset="-127"/>
-                    <a:ea typeface="넥슨 풋볼고딕 B" panose="020B0803000000000000" pitchFamily="50" charset="-127"/>
+                    <a:latin typeface="+mn-ea"/>
                   </a:rPr>
                   <a:t>40</a:t>
                 </a:r>
@@ -13804,8 +12733,7 @@
                   <a:solidFill>
                     <a:srgbClr val="333333"/>
                   </a:solidFill>
-                  <a:latin typeface="넥슨 풋볼고딕 B" panose="020B0803000000000000" pitchFamily="50" charset="-127"/>
-                  <a:ea typeface="넥슨 풋볼고딕 B" panose="020B0803000000000000" pitchFamily="50" charset="-127"/>
+                  <a:latin typeface="+mn-ea"/>
                 </a:endParaRPr>
               </a:p>
             </p:txBody>
@@ -13840,8 +12768,7 @@
                 <a:solidFill>
                   <a:srgbClr val="C00000"/>
                 </a:solidFill>
-                <a:latin typeface="넥슨 풋볼고딕 B" panose="020B0803000000000000" pitchFamily="50" charset="-127"/>
-                <a:ea typeface="넥슨 풋볼고딕 B" panose="020B0803000000000000" pitchFamily="50" charset="-127"/>
+                <a:latin typeface="+mn-ea"/>
               </a:rPr>
               <a:t>원본</a:t>
             </a:r>
@@ -13849,8 +12776,7 @@
               <a:solidFill>
                 <a:srgbClr val="C00000"/>
               </a:solidFill>
-              <a:latin typeface="넥슨 풋볼고딕 B" panose="020B0803000000000000" pitchFamily="50" charset="-127"/>
-              <a:ea typeface="넥슨 풋볼고딕 B" panose="020B0803000000000000" pitchFamily="50" charset="-127"/>
+              <a:latin typeface="+mn-ea"/>
             </a:endParaRPr>
           </a:p>
         </p:txBody>
@@ -13883,8 +12809,7 @@
                 <a:solidFill>
                   <a:srgbClr val="C00000"/>
                 </a:solidFill>
-                <a:latin typeface="넥슨 풋볼고딕 B" panose="020B0803000000000000" pitchFamily="50" charset="-127"/>
-                <a:ea typeface="넥슨 풋볼고딕 B" panose="020B0803000000000000" pitchFamily="50" charset="-127"/>
+                <a:latin typeface="+mn-ea"/>
               </a:rPr>
               <a:t>배열</a:t>
             </a:r>
@@ -13892,8 +12817,7 @@
               <a:solidFill>
                 <a:srgbClr val="C00000"/>
               </a:solidFill>
-              <a:latin typeface="넥슨 풋볼고딕 B" panose="020B0803000000000000" pitchFamily="50" charset="-127"/>
-              <a:ea typeface="넥슨 풋볼고딕 B" panose="020B0803000000000000" pitchFamily="50" charset="-127"/>
+              <a:latin typeface="+mn-ea"/>
             </a:endParaRPr>
           </a:p>
         </p:txBody>
@@ -13926,8 +12850,7 @@
                 <a:solidFill>
                   <a:srgbClr val="C00000"/>
                 </a:solidFill>
-                <a:latin typeface="넥슨 풋볼고딕 B" panose="020B0803000000000000" pitchFamily="50" charset="-127"/>
-                <a:ea typeface="넥슨 풋볼고딕 B" panose="020B0803000000000000" pitchFamily="50" charset="-127"/>
+                <a:latin typeface="+mn-ea"/>
               </a:rPr>
               <a:t>리스트</a:t>
             </a:r>
@@ -13935,8 +12858,7 @@
               <a:solidFill>
                 <a:srgbClr val="C00000"/>
               </a:solidFill>
-              <a:latin typeface="넥슨 풋볼고딕 B" panose="020B0803000000000000" pitchFamily="50" charset="-127"/>
-              <a:ea typeface="넥슨 풋볼고딕 B" panose="020B0803000000000000" pitchFamily="50" charset="-127"/>
+              <a:latin typeface="+mn-ea"/>
             </a:endParaRPr>
           </a:p>
         </p:txBody>
@@ -14060,7 +12982,7 @@
 <file path=ppt/theme/theme1.xml><?xml version="1.0" encoding="utf-8"?>
 <a:theme xmlns:a="http://schemas.openxmlformats.org/drawingml/2006/main" name="비누">
   <a:themeElements>
-    <a:clrScheme name="Savon">
+    <a:clrScheme name="비누">
       <a:dk1>
         <a:sysClr val="windowText" lastClr="000000"/>
       </a:dk1>
@@ -14098,19 +13020,19 @@
         <a:srgbClr val="739D9B"/>
       </a:folHlink>
     </a:clrScheme>
-    <a:fontScheme name="넥슨고딕">
+    <a:fontScheme name="사용자 지정 1">
       <a:majorFont>
-        <a:latin typeface="넥슨 풋볼고딕 B"/>
-        <a:ea typeface="넥슨 풋볼고딕 B"/>
+        <a:latin typeface="나눔바른펜"/>
+        <a:ea typeface="나눔바른펜"/>
         <a:cs typeface=""/>
       </a:majorFont>
       <a:minorFont>
-        <a:latin typeface="넥슨 풋볼고딕 L"/>
-        <a:ea typeface="넥슨 풋볼고딕 L"/>
+        <a:latin typeface="나눔바른펜"/>
+        <a:ea typeface="나눔바른펜"/>
         <a:cs typeface=""/>
       </a:minorFont>
     </a:fontScheme>
-    <a:fmtScheme name="Savon">
+    <a:fmtScheme name="비누">
       <a:fillStyleLst>
         <a:solidFill>
           <a:schemeClr val="phClr"/>
@@ -14307,7 +13229,7 @@
   <a:extraClrSchemeLst/>
   <a:extLst>
     <a:ext uri="{05A4C25C-085E-4340-85A3-A5531E510DB2}">
-      <thm15:themeFamily xmlns:thm15="http://schemas.microsoft.com/office/thememl/2012/main" name="Savon" id="{1306E473-ED32-493B-A2D0-240A757EDD34}" vid="{C20BADFE-D095-436F-9677-9264042809F0}"/>
+      <thm15:themeFamily xmlns:thm15="http://schemas.microsoft.com/office/thememl/2012/main" name="기본서식파일.potx" id="{D7F78B49-B291-4B43-B9C4-7648A804E959}" vid="{DF1306F8-E231-4BA8-B56A-F82D7020294C}"/>
     </a:ext>
   </a:extLst>
 </a:theme>
